--- a/spring13/slides13/rsa.pptx
+++ b/spring13/slides13/rsa.pptx
@@ -5,28 +5,33 @@
     <p:sldMasterId id="2147483678" r:id="rId1"/>
   </p:sldMasterIdLst>
   <p:notesMasterIdLst>
-    <p:notesMasterId r:id="rId13"/>
+    <p:notesMasterId r:id="rId18"/>
   </p:notesMasterIdLst>
   <p:handoutMasterIdLst>
-    <p:handoutMasterId r:id="rId14"/>
+    <p:handoutMasterId r:id="rId19"/>
   </p:handoutMasterIdLst>
   <p:sldIdLst>
     <p:sldId id="388" r:id="rId2"/>
-    <p:sldId id="376" r:id="rId3"/>
-    <p:sldId id="377" r:id="rId4"/>
-    <p:sldId id="379" r:id="rId5"/>
-    <p:sldId id="380" r:id="rId6"/>
-    <p:sldId id="393" r:id="rId7"/>
-    <p:sldId id="378" r:id="rId8"/>
-    <p:sldId id="440" r:id="rId9"/>
-    <p:sldId id="443" r:id="rId10"/>
-    <p:sldId id="442" r:id="rId11"/>
-    <p:sldId id="381" r:id="rId12"/>
+    <p:sldId id="444" r:id="rId3"/>
+    <p:sldId id="445" r:id="rId4"/>
+    <p:sldId id="446" r:id="rId5"/>
+    <p:sldId id="447" r:id="rId6"/>
+    <p:sldId id="448" r:id="rId7"/>
+    <p:sldId id="376" r:id="rId8"/>
+    <p:sldId id="377" r:id="rId9"/>
+    <p:sldId id="379" r:id="rId10"/>
+    <p:sldId id="380" r:id="rId11"/>
+    <p:sldId id="393" r:id="rId12"/>
+    <p:sldId id="378" r:id="rId13"/>
+    <p:sldId id="440" r:id="rId14"/>
+    <p:sldId id="443" r:id="rId15"/>
+    <p:sldId id="442" r:id="rId16"/>
+    <p:sldId id="381" r:id="rId17"/>
   </p:sldIdLst>
   <p:sldSz cx="9144000" cy="6858000" type="screen4x3"/>
   <p:notesSz cx="9601200" cy="7315200"/>
   <p:custDataLst>
-    <p:tags r:id="rId16"/>
+    <p:tags r:id="rId21"/>
   </p:custDataLst>
   <p:defaultTextStyle>
     <a:defPPr>
@@ -957,7 +962,7 @@
             <a:fld id="{402FAC0C-B957-4153-8797-F85E34E6598D}" type="slidenum">
               <a:rPr lang="en-US" smtClean="0"/>
               <a:pPr/>
-              <a:t>10</a:t>
+              <a:t>15</a:t>
             </a:fld>
             <a:endParaRPr lang="en-US" smtClean="0"/>
           </a:p>
@@ -1045,7 +1050,7 @@
             <a:fld id="{F4553F37-EB1E-4C01-BA0C-1C0E4E54BB56}" type="slidenum">
               <a:rPr lang="en-US" smtClean="0"/>
               <a:pPr/>
-              <a:t>11</a:t>
+              <a:t>16</a:t>
             </a:fld>
             <a:endParaRPr lang="en-US" smtClean="0"/>
           </a:p>
@@ -1133,7 +1138,7 @@
             <a:fld id="{91707164-4DF3-4815-A867-356BFB7712B4}" type="slidenum">
               <a:rPr lang="en-US" smtClean="0"/>
               <a:pPr/>
-              <a:t>2</a:t>
+              <a:t>7</a:t>
             </a:fld>
             <a:endParaRPr lang="en-US" smtClean="0"/>
           </a:p>
@@ -1221,7 +1226,7 @@
             <a:fld id="{7E78EE77-5635-42B7-AE4A-57216DB5BC4B}" type="slidenum">
               <a:rPr lang="en-US" smtClean="0"/>
               <a:pPr/>
-              <a:t>3</a:t>
+              <a:t>8</a:t>
             </a:fld>
             <a:endParaRPr lang="en-US" smtClean="0"/>
           </a:p>
@@ -1309,7 +1314,7 @@
             <a:fld id="{0008DF76-FEA7-4F94-B87A-6498A1F0C029}" type="slidenum">
               <a:rPr lang="en-US" smtClean="0"/>
               <a:pPr/>
-              <a:t>4</a:t>
+              <a:t>9</a:t>
             </a:fld>
             <a:endParaRPr lang="en-US" smtClean="0"/>
           </a:p>
@@ -1397,7 +1402,7 @@
             <a:fld id="{BFB939FD-17CE-4D53-8988-6B327FFA0115}" type="slidenum">
               <a:rPr lang="en-US" smtClean="0"/>
               <a:pPr/>
-              <a:t>5</a:t>
+              <a:t>10</a:t>
             </a:fld>
             <a:endParaRPr lang="en-US" smtClean="0"/>
           </a:p>
@@ -1485,7 +1490,7 @@
             <a:fld id="{D4DF00B4-AD9D-4EB3-826B-6566E9CCED3E}" type="slidenum">
               <a:rPr lang="en-US" smtClean="0"/>
               <a:pPr/>
-              <a:t>6</a:t>
+              <a:t>11</a:t>
             </a:fld>
             <a:endParaRPr lang="en-US" smtClean="0"/>
           </a:p>
@@ -1573,7 +1578,7 @@
             <a:fld id="{402FAC0C-B957-4153-8797-F85E34E6598D}" type="slidenum">
               <a:rPr lang="en-US" smtClean="0"/>
               <a:pPr/>
-              <a:t>7</a:t>
+              <a:t>12</a:t>
             </a:fld>
             <a:endParaRPr lang="en-US" smtClean="0"/>
           </a:p>
@@ -1661,7 +1666,7 @@
             <a:fld id="{402FAC0C-B957-4153-8797-F85E34E6598D}" type="slidenum">
               <a:rPr lang="en-US" smtClean="0"/>
               <a:pPr/>
-              <a:t>8</a:t>
+              <a:t>13</a:t>
             </a:fld>
             <a:endParaRPr lang="en-US" smtClean="0"/>
           </a:p>
@@ -1749,7 +1754,7 @@
             <a:fld id="{402FAC0C-B957-4153-8797-F85E34E6598D}" type="slidenum">
               <a:rPr lang="en-US" smtClean="0"/>
               <a:pPr/>
-              <a:t>9</a:t>
+              <a:t>14</a:t>
             </a:fld>
             <a:endParaRPr lang="en-US" smtClean="0"/>
           </a:p>
@@ -1978,6 +1983,18 @@
   <p:clrMapOvr>
     <a:masterClrMapping/>
   </p:clrMapOvr>
+  <mc:AlternateContent xmlns:mc="http://schemas.openxmlformats.org/markup-compatibility/2006">
+    <mc:Choice xmlns:p14="http://schemas.microsoft.com/office/powerpoint/2010/main" Requires="p14">
+      <p:transition spd="slow" p14:dur="900" advClick="0">
+        <p:fade/>
+      </p:transition>
+    </mc:Choice>
+    <mc:Fallback>
+      <p:transition xmlns:p14="http://schemas.microsoft.com/office/powerpoint/2010/main" spd="slow" advClick="0">
+        <p:fade/>
+      </p:transition>
+    </mc:Fallback>
+  </mc:AlternateContent>
   <p:timing>
     <p:tnLst>
       <p:par>
@@ -2152,6 +2169,25 @@
   <p:clrMapOvr>
     <a:masterClrMapping/>
   </p:clrMapOvr>
+  <mc:AlternateContent xmlns:mc="http://schemas.openxmlformats.org/markup-compatibility/2006">
+    <mc:Choice xmlns:p14="http://schemas.microsoft.com/office/powerpoint/2010/main" Requires="p14">
+      <p:transition spd="slow" p14:dur="900" advClick="0">
+        <p:fade/>
+      </p:transition>
+    </mc:Choice>
+    <mc:Fallback>
+      <p:transition xmlns:p14="http://schemas.microsoft.com/office/powerpoint/2010/main" spd="slow" advClick="0">
+        <p:fade/>
+      </p:transition>
+    </mc:Fallback>
+  </mc:AlternateContent>
+  <p:timing>
+    <p:tnLst>
+      <p:par>
+        <p:cTn xmlns:p14="http://schemas.microsoft.com/office/powerpoint/2010/main" id="1" dur="indefinite" restart="never" nodeType="tmRoot"/>
+      </p:par>
+    </p:tnLst>
+  </p:timing>
 </p:sldLayout>
 </file>
 
@@ -2337,6 +2373,25 @@
   <p:clrMapOvr>
     <a:masterClrMapping/>
   </p:clrMapOvr>
+  <mc:AlternateContent xmlns:mc="http://schemas.openxmlformats.org/markup-compatibility/2006">
+    <mc:Choice xmlns:p14="http://schemas.microsoft.com/office/powerpoint/2010/main" Requires="p14">
+      <p:transition spd="slow" p14:dur="900" advClick="0">
+        <p:fade/>
+      </p:transition>
+    </mc:Choice>
+    <mc:Fallback>
+      <p:transition xmlns:p14="http://schemas.microsoft.com/office/powerpoint/2010/main" spd="slow" advClick="0">
+        <p:fade/>
+      </p:transition>
+    </mc:Fallback>
+  </mc:AlternateContent>
+  <p:timing>
+    <p:tnLst>
+      <p:par>
+        <p:cTn xmlns:p14="http://schemas.microsoft.com/office/powerpoint/2010/main" id="1" dur="indefinite" restart="never" nodeType="tmRoot"/>
+      </p:par>
+    </p:tnLst>
+  </p:timing>
 </p:sldLayout>
 </file>
 
@@ -2435,227 +2490,29 @@
   <p:clrMapOvr>
     <a:masterClrMapping/>
   </p:clrMapOvr>
+  <mc:AlternateContent xmlns:mc="http://schemas.openxmlformats.org/markup-compatibility/2006">
+    <mc:Choice xmlns:p14="http://schemas.microsoft.com/office/powerpoint/2010/main" Requires="p14">
+      <p:transition spd="slow" p14:dur="900" advClick="0">
+        <p:fade/>
+      </p:transition>
+    </mc:Choice>
+    <mc:Fallback>
+      <p:transition xmlns:p14="http://schemas.microsoft.com/office/powerpoint/2010/main" spd="slow" advClick="0">
+        <p:fade/>
+      </p:transition>
+    </mc:Fallback>
+  </mc:AlternateContent>
+  <p:timing>
+    <p:tnLst>
+      <p:par>
+        <p:cTn xmlns:p14="http://schemas.microsoft.com/office/powerpoint/2010/main" id="1" dur="indefinite" restart="never" nodeType="tmRoot"/>
+      </p:par>
+    </p:tnLst>
+  </p:timing>
 </p:sldLayout>
 </file>
 
 <file path=ppt/slideLayouts/slideLayout5.xml><?xml version="1.0" encoding="utf-8"?>
-<p:sldLayout xmlns:a="http://schemas.openxmlformats.org/drawingml/2006/main" xmlns:r="http://schemas.openxmlformats.org/officeDocument/2006/relationships" xmlns:p="http://schemas.openxmlformats.org/presentationml/2006/main" type="txAndObj" preserve="1">
-  <p:cSld name="Title, Text, and Content">
-    <p:spTree>
-      <p:nvGrpSpPr>
-        <p:cNvPr id="1" name=""/>
-        <p:cNvGrpSpPr/>
-        <p:nvPr/>
-      </p:nvGrpSpPr>
-      <p:grpSpPr>
-        <a:xfrm>
-          <a:off x="0" y="0"/>
-          <a:ext cx="0" cy="0"/>
-          <a:chOff x="0" y="0"/>
-          <a:chExt cx="0" cy="0"/>
-        </a:xfrm>
-      </p:grpSpPr>
-      <p:sp>
-        <p:nvSpPr>
-          <p:cNvPr id="2" name="Title 1"/>
-          <p:cNvSpPr>
-            <a:spLocks noGrp="1"/>
-          </p:cNvSpPr>
-          <p:nvPr>
-            <p:ph type="title"/>
-          </p:nvPr>
-        </p:nvSpPr>
-        <p:spPr>
-          <a:xfrm>
-            <a:off x="1447800" y="0"/>
-            <a:ext cx="7543800" cy="1143000"/>
-          </a:xfrm>
-        </p:spPr>
-        <p:txBody>
-          <a:bodyPr/>
-          <a:lstStyle>
-            <a:lvl1pPr>
-              <a:defRPr sz="3600"/>
-            </a:lvl1pPr>
-          </a:lstStyle>
-          <a:p>
-            <a:r>
-              <a:rPr lang="en-US" dirty="0" smtClean="0"/>
-              <a:t>Click to edit Master title style</a:t>
-            </a:r>
-            <a:endParaRPr lang="en-US" dirty="0"/>
-          </a:p>
-        </p:txBody>
-      </p:sp>
-      <p:sp>
-        <p:nvSpPr>
-          <p:cNvPr id="3" name="Text Placeholder 2"/>
-          <p:cNvSpPr>
-            <a:spLocks noGrp="1"/>
-          </p:cNvSpPr>
-          <p:nvPr>
-            <p:ph type="body" sz="half" idx="1"/>
-          </p:nvPr>
-        </p:nvSpPr>
-        <p:spPr>
-          <a:xfrm>
-            <a:off x="685800" y="2057400"/>
-            <a:ext cx="3810000" cy="4114800"/>
-          </a:xfrm>
-        </p:spPr>
-        <p:txBody>
-          <a:bodyPr/>
-          <a:lstStyle/>
-          <a:p>
-            <a:pPr lvl="0"/>
-            <a:r>
-              <a:rPr lang="en-US" smtClean="0"/>
-              <a:t>Click to edit Master text styles</a:t>
-            </a:r>
-          </a:p>
-          <a:p>
-            <a:pPr lvl="1"/>
-            <a:r>
-              <a:rPr lang="en-US" smtClean="0"/>
-              <a:t>Second level</a:t>
-            </a:r>
-          </a:p>
-          <a:p>
-            <a:pPr lvl="2"/>
-            <a:r>
-              <a:rPr lang="en-US" smtClean="0"/>
-              <a:t>Third level</a:t>
-            </a:r>
-          </a:p>
-          <a:p>
-            <a:pPr lvl="3"/>
-            <a:r>
-              <a:rPr lang="en-US" smtClean="0"/>
-              <a:t>Fourth level</a:t>
-            </a:r>
-          </a:p>
-          <a:p>
-            <a:pPr lvl="4"/>
-            <a:r>
-              <a:rPr lang="en-US" smtClean="0"/>
-              <a:t>Fifth level</a:t>
-            </a:r>
-            <a:endParaRPr lang="en-US"/>
-          </a:p>
-        </p:txBody>
-      </p:sp>
-      <p:sp>
-        <p:nvSpPr>
-          <p:cNvPr id="4" name="Content Placeholder 3"/>
-          <p:cNvSpPr>
-            <a:spLocks noGrp="1"/>
-          </p:cNvSpPr>
-          <p:nvPr>
-            <p:ph sz="half" idx="2"/>
-          </p:nvPr>
-        </p:nvSpPr>
-        <p:spPr>
-          <a:xfrm>
-            <a:off x="4648200" y="2057400"/>
-            <a:ext cx="3810000" cy="4114800"/>
-          </a:xfrm>
-        </p:spPr>
-        <p:txBody>
-          <a:bodyPr/>
-          <a:lstStyle/>
-          <a:p>
-            <a:pPr lvl="0"/>
-            <a:r>
-              <a:rPr lang="en-US" smtClean="0"/>
-              <a:t>Click to edit Master text styles</a:t>
-            </a:r>
-          </a:p>
-          <a:p>
-            <a:pPr lvl="1"/>
-            <a:r>
-              <a:rPr lang="en-US" smtClean="0"/>
-              <a:t>Second level</a:t>
-            </a:r>
-          </a:p>
-          <a:p>
-            <a:pPr lvl="2"/>
-            <a:r>
-              <a:rPr lang="en-US" smtClean="0"/>
-              <a:t>Third level</a:t>
-            </a:r>
-          </a:p>
-          <a:p>
-            <a:pPr lvl="3"/>
-            <a:r>
-              <a:rPr lang="en-US" smtClean="0"/>
-              <a:t>Fourth level</a:t>
-            </a:r>
-          </a:p>
-          <a:p>
-            <a:pPr lvl="4"/>
-            <a:r>
-              <a:rPr lang="en-US" smtClean="0"/>
-              <a:t>Fifth level</a:t>
-            </a:r>
-            <a:endParaRPr lang="en-US"/>
-          </a:p>
-        </p:txBody>
-      </p:sp>
-      <p:sp>
-        <p:nvSpPr>
-          <p:cNvPr id="5" name="Rectangle 11"/>
-          <p:cNvSpPr>
-            <a:spLocks noGrp="1" noChangeArrowheads="1"/>
-          </p:cNvSpPr>
-          <p:nvPr>
-            <p:ph type="sldNum" sz="quarter" idx="10"/>
-          </p:nvPr>
-        </p:nvSpPr>
-        <p:spPr>
-          <a:xfrm>
-            <a:off x="6477000" y="6553200"/>
-            <a:ext cx="2667000" cy="307777"/>
-          </a:xfrm>
-          <a:prstGeom prst="rect">
-            <a:avLst/>
-          </a:prstGeom>
-          <a:ln/>
-        </p:spPr>
-        <p:txBody>
-          <a:bodyPr/>
-          <a:lstStyle>
-            <a:lvl1pPr>
-              <a:defRPr/>
-            </a:lvl1pPr>
-          </a:lstStyle>
-          <a:p>
-            <a:pPr>
-              <a:defRPr/>
-            </a:pPr>
-            <a:r>
-              <a:rPr lang="en-US" dirty="0" smtClean="0"/>
-              <a:t>RSA.</a:t>
-            </a:r>
-            <a:fld id="{7C4E6977-E764-49C2-9B46-F1F7E8372AF3}" type="slidenum">
-              <a:rPr lang="en-US" smtClean="0"/>
-              <a:pPr>
-                <a:defRPr/>
-              </a:pPr>
-              <a:t>‹#›</a:t>
-            </a:fld>
-            <a:endParaRPr lang="en-US" dirty="0"/>
-          </a:p>
-        </p:txBody>
-      </p:sp>
-    </p:spTree>
-  </p:cSld>
-  <p:clrMapOvr>
-    <a:masterClrMapping/>
-  </p:clrMapOvr>
-</p:sldLayout>
-</file>
-
-<file path=ppt/slideLayouts/slideLayout6.xml><?xml version="1.0" encoding="utf-8"?>
 <p:sldLayout xmlns:a="http://schemas.openxmlformats.org/drawingml/2006/main" xmlns:r="http://schemas.openxmlformats.org/officeDocument/2006/relationships" xmlns:p="http://schemas.openxmlformats.org/presentationml/2006/main" type="blank" preserve="1">
   <p:cSld name="Blank">
     <p:spTree>
@@ -2723,6 +2580,25 @@
   <p:clrMapOvr>
     <a:masterClrMapping/>
   </p:clrMapOvr>
+  <mc:AlternateContent xmlns:mc="http://schemas.openxmlformats.org/markup-compatibility/2006">
+    <mc:Choice xmlns:p14="http://schemas.microsoft.com/office/powerpoint/2010/main" Requires="p14">
+      <p:transition spd="slow" p14:dur="900" advClick="0">
+        <p:fade/>
+      </p:transition>
+    </mc:Choice>
+    <mc:Fallback>
+      <p:transition xmlns:p14="http://schemas.microsoft.com/office/powerpoint/2010/main" spd="slow" advClick="0">
+        <p:fade/>
+      </p:transition>
+    </mc:Fallback>
+  </mc:AlternateContent>
+  <p:timing>
+    <p:tnLst>
+      <p:par>
+        <p:cTn xmlns:p14="http://schemas.microsoft.com/office/powerpoint/2010/main" id="1" dur="indefinite" restart="never" nodeType="tmRoot"/>
+      </p:par>
+    </p:tnLst>
+  </p:timing>
 </p:sldLayout>
 </file>
 
@@ -2872,7 +2748,7 @@
           <p:nvPr userDrawn="1"/>
         </p:nvPicPr>
         <p:blipFill>
-          <a:blip r:embed="rId8"/>
+          <a:blip r:embed="rId7"/>
           <a:srcRect/>
           <a:stretch>
             <a:fillRect/>
@@ -3035,7 +2911,7 @@
           <p:nvPr userDrawn="1"/>
         </p:nvPicPr>
         <p:blipFill>
-          <a:blip r:embed="rId9"/>
+          <a:blip r:embed="rId8"/>
           <a:stretch>
             <a:fillRect/>
           </a:stretch>
@@ -3058,9 +2934,20 @@
     <p:sldLayoutId id="2147483680" r:id="rId2"/>
     <p:sldLayoutId id="2147483681" r:id="rId3"/>
     <p:sldLayoutId id="2147483684" r:id="rId4"/>
-    <p:sldLayoutId id="2147483690" r:id="rId5"/>
-    <p:sldLayoutId id="2147483685" r:id="rId6"/>
+    <p:sldLayoutId id="2147483685" r:id="rId5"/>
   </p:sldLayoutIdLst>
+  <mc:AlternateContent xmlns:mc="http://schemas.openxmlformats.org/markup-compatibility/2006">
+    <mc:Choice xmlns:p14="http://schemas.microsoft.com/office/powerpoint/2010/main" Requires="p14">
+      <p:transition spd="slow" p14:dur="900" advClick="0">
+        <p:fade/>
+      </p:transition>
+    </mc:Choice>
+    <mc:Fallback>
+      <p:transition xmlns:p14="http://schemas.microsoft.com/office/powerpoint/2010/main" spd="slow" advClick="0">
+        <p:fade/>
+      </p:transition>
+    </mc:Fallback>
+  </mc:AlternateContent>
   <p:timing>
     <p:tnLst>
       <p:par>
@@ -3604,7 +3491,14 @@
   <p:clrMapOvr>
     <a:masterClrMapping/>
   </p:clrMapOvr>
-  <p:transition xmlns:p14="http://schemas.microsoft.com/office/powerpoint/2010/main"/>
+  <mc:AlternateContent xmlns:mc="http://schemas.openxmlformats.org/markup-compatibility/2006">
+    <mc:Choice xmlns:p14="http://schemas.microsoft.com/office/powerpoint/2010/main" Requires="p14">
+      <p:transition p14:dur="0" advClick="0"/>
+    </mc:Choice>
+    <mc:Fallback>
+      <p:transition xmlns:p14="http://schemas.microsoft.com/office/powerpoint/2010/main" advClick="0"/>
+    </mc:Fallback>
+  </mc:AlternateContent>
   <p:timing>
     <p:tnLst>
       <p:par>
@@ -3659,7 +3553,7 @@
               <a:rPr lang="en-US" dirty="0" smtClean="0"/>
               <a:t>RSA.</a:t>
             </a:r>
-            <a:fld id="{6A5E9C01-C108-4A5C-AE7A-FB77D488E7D9}" type="slidenum">
+            <a:fld id="{3C84E341-AEF3-493B-A8EE-DBBF671E8583}" type="slidenum">
               <a:rPr lang="en-US" smtClean="0"/>
               <a:pPr>
                 <a:defRPr/>
@@ -3672,7 +3566,7 @@
       </p:sp>
       <p:sp>
         <p:nvSpPr>
-          <p:cNvPr id="16387" name="Rectangle 2"/>
+          <p:cNvPr id="18435" name="Rectangle 2"/>
           <p:cNvSpPr>
             <a:spLocks noGrp="1" noChangeArrowheads="1"/>
           </p:cNvSpPr>
@@ -3687,23 +3581,15 @@
           <a:p>
             <a:pPr eaLnBrk="1" hangingPunct="1"/>
             <a:r>
-              <a:rPr lang="en-US" sz="4400" dirty="0" smtClean="0"/>
-              <a:t>Fermat </a:t>
-            </a:r>
-            <a:r>
-              <a:rPr lang="en-US" sz="4400" dirty="0" err="1" smtClean="0"/>
-              <a:t>Primality</a:t>
-            </a:r>
-            <a:r>
-              <a:rPr lang="en-US" sz="4400" dirty="0" smtClean="0"/>
-              <a:t> Test</a:t>
+              <a:rPr lang="en-US" sz="4800" smtClean="0"/>
+              <a:t>Why does this work?</a:t>
             </a:r>
           </a:p>
         </p:txBody>
       </p:sp>
       <p:sp>
         <p:nvSpPr>
-          <p:cNvPr id="408579" name="Rectangle 3"/>
+          <p:cNvPr id="35844" name="Rectangle 4"/>
           <p:cNvSpPr>
             <a:spLocks noGrp="1" noChangeArrowheads="1"/>
           </p:cNvSpPr>
@@ -3713,167 +3599,33 @@
         </p:nvSpPr>
         <p:spPr>
           <a:xfrm>
-            <a:off x="457200" y="990600"/>
-            <a:ext cx="8229600" cy="4953000"/>
+            <a:off x="533400" y="1600200"/>
+            <a:ext cx="8026400" cy="3505200"/>
           </a:xfrm>
         </p:spPr>
         <p:txBody>
           <a:bodyPr/>
           <a:lstStyle/>
           <a:p>
-            <a:pPr eaLnBrk="1" hangingPunct="1"/>
-            <a:r>
-              <a:rPr lang="en-US" sz="4800" dirty="0" smtClean="0">
-                <a:solidFill>
-                  <a:srgbClr val="000000"/>
-                </a:solidFill>
-                <a:latin typeface="Comic Sans MS"/>
-                <a:cs typeface="Comic Sans MS"/>
-              </a:rPr>
-              <a:t>check if</a:t>
-            </a:r>
-          </a:p>
-          <a:p>
-            <a:pPr eaLnBrk="1" hangingPunct="1"/>
-            <a:endParaRPr lang="en-US" sz="4800" dirty="0" smtClean="0">
-              <a:solidFill>
-                <a:srgbClr val="000000"/>
-              </a:solidFill>
-              <a:latin typeface="Comic Sans MS"/>
-              <a:cs typeface="Comic Sans MS"/>
-            </a:endParaRPr>
-          </a:p>
-          <a:p>
-            <a:pPr eaLnBrk="1" hangingPunct="1"/>
-            <a:r>
-              <a:rPr lang="en-US" sz="4800" dirty="0" smtClean="0">
-                <a:solidFill>
-                  <a:schemeClr val="tx2"/>
-                </a:solidFill>
-                <a:latin typeface="Comic Sans MS"/>
-                <a:cs typeface="Comic Sans MS"/>
-              </a:rPr>
-              <a:t>if fails, not prime (Fermat)</a:t>
-            </a:r>
-          </a:p>
-          <a:p>
-            <a:pPr eaLnBrk="1" hangingPunct="1"/>
-            <a:r>
-              <a:rPr lang="en-US" sz="4800" dirty="0" smtClean="0">
-                <a:solidFill>
-                  <a:schemeClr val="tx2"/>
-                </a:solidFill>
-                <a:latin typeface="Comic Sans MS"/>
-                <a:cs typeface="Comic Sans MS"/>
-              </a:rPr>
-              <a:t>choose random</a:t>
-            </a:r>
-            <a:r>
-              <a:rPr lang="en-US" sz="4800" dirty="0" smtClean="0">
-                <a:solidFill>
-                  <a:schemeClr val="accent1">
-                    <a:lumMod val="50000"/>
-                  </a:schemeClr>
-                </a:solidFill>
-                <a:latin typeface="Comic Sans MS"/>
-                <a:cs typeface="Comic Sans MS"/>
-              </a:rPr>
-              <a:t> a</a:t>
-            </a:r>
-            <a:r>
-              <a:rPr lang="en-US" sz="4800" dirty="0" smtClean="0">
-                <a:solidFill>
-                  <a:schemeClr val="tx2"/>
-                </a:solidFill>
-                <a:latin typeface="Comic Sans MS"/>
-                <a:cs typeface="Comic Sans MS"/>
-              </a:rPr>
-              <a:t> in</a:t>
-            </a:r>
-            <a:r>
-              <a:rPr lang="en-US" sz="4800" dirty="0" smtClean="0">
-                <a:solidFill>
-                  <a:srgbClr val="0000E5"/>
-                </a:solidFill>
-                <a:latin typeface="Comic Sans MS"/>
-                <a:cs typeface="Comic Sans MS"/>
-              </a:rPr>
-              <a:t> [1,n)</a:t>
-            </a:r>
-            <a:r>
-              <a:rPr lang="en-US" sz="4800" dirty="0" smtClean="0">
-                <a:latin typeface="Comic Sans MS"/>
-                <a:cs typeface="Comic Sans MS"/>
-              </a:rPr>
-              <a:t>.</a:t>
-            </a:r>
-          </a:p>
-          <a:p>
-            <a:pPr eaLnBrk="1" hangingPunct="1"/>
-            <a:r>
-              <a:rPr lang="en-US" sz="4800" dirty="0" smtClean="0">
-                <a:latin typeface="Comic Sans MS"/>
-                <a:cs typeface="Comic Sans MS"/>
-              </a:rPr>
-              <a:t>if not prime, </a:t>
-            </a:r>
-            <a:r>
-              <a:rPr lang="en-US" sz="4800" dirty="0" err="1" smtClean="0">
-                <a:solidFill>
-                  <a:schemeClr val="accent1">
-                    <a:lumMod val="50000"/>
-                  </a:schemeClr>
-                </a:solidFill>
-                <a:latin typeface="Comic Sans MS"/>
-                <a:cs typeface="Comic Sans MS"/>
-              </a:rPr>
-              <a:t>Pr(fails</a:t>
-            </a:r>
-            <a:r>
-              <a:rPr lang="en-US" sz="4800" dirty="0" smtClean="0">
-                <a:solidFill>
-                  <a:schemeClr val="accent1">
-                    <a:lumMod val="50000"/>
-                  </a:schemeClr>
-                </a:solidFill>
-                <a:latin typeface="Comic Sans MS"/>
-                <a:cs typeface="Comic Sans MS"/>
-              </a:rPr>
-              <a:t>)</a:t>
-            </a:r>
-            <a:r>
-              <a:rPr lang="en-US" sz="4800" b="1" dirty="0" smtClean="0">
-                <a:solidFill>
-                  <a:schemeClr val="accent1">
-                    <a:lumMod val="50000"/>
-                  </a:schemeClr>
-                </a:solidFill>
-                <a:latin typeface="Euclid Symbol" charset="2"/>
-                <a:cs typeface="Euclid Symbol" charset="2"/>
-              </a:rPr>
-              <a:t>&gt;</a:t>
-            </a:r>
-            <a:r>
-              <a:rPr lang="en-US" sz="4800" dirty="0" smtClean="0">
-                <a:solidFill>
-                  <a:schemeClr val="accent1">
-                    <a:lumMod val="50000"/>
-                  </a:schemeClr>
-                </a:solidFill>
-                <a:latin typeface="Comic Sans MS"/>
-                <a:cs typeface="Comic Sans MS"/>
-              </a:rPr>
-              <a:t>1/2</a:t>
-            </a:r>
-          </a:p>
-          <a:p>
-            <a:pPr eaLnBrk="1" hangingPunct="1"/>
-            <a:r>
-              <a:rPr lang="en-US" sz="4000" dirty="0" smtClean="0">
-                <a:latin typeface="Comic Sans MS"/>
-                <a:cs typeface="Comic Sans MS"/>
-              </a:rPr>
-              <a:t>(with rare exceptions) </a:t>
+            <a:pPr eaLnBrk="1" hangingPunct="1">
+              <a:buFontTx/>
+              <a:buNone/>
+              <a:defRPr/>
+            </a:pPr>
+            <a:r>
+              <a:rPr lang="en-US" sz="6000" dirty="0" smtClean="0"/>
+              <a:t>follows easily from </a:t>
+            </a:r>
+          </a:p>
+          <a:p>
+            <a:pPr eaLnBrk="1" hangingPunct="1">
+              <a:buFontTx/>
+              <a:buNone/>
+              <a:defRPr/>
+            </a:pPr>
+            <a:r>
+              <a:rPr lang="en-US" sz="6000" dirty="0" smtClean="0"/>
+              <a:t>Euler’s Theorem when</a:t>
             </a:r>
           </a:p>
         </p:txBody>
@@ -3887,25 +3639,25 @@
           <p:nvPr>
             <p:extLst>
               <p:ext uri="{D42A27DB-BD31-4B8C-83A1-F6EECF244321}">
-                <p14:modId xmlns:p14="http://schemas.microsoft.com/office/powerpoint/2010/main" val="625130842"/>
+                <p14:modId xmlns:p14="http://schemas.microsoft.com/office/powerpoint/2010/main" val="3226921343"/>
               </p:ext>
             </p:extLst>
           </p:nvPr>
         </p:nvGraphicFramePr>
         <p:xfrm>
-          <a:off x="2057400" y="1524000"/>
-          <a:ext cx="4724400" cy="1393092"/>
+          <a:off x="2971800" y="3810000"/>
+          <a:ext cx="2648778" cy="1562100"/>
         </p:xfrm>
         <a:graphic>
           <a:graphicData uri="http://schemas.openxmlformats.org/presentationml/2006/ole">
             <mc:AlternateContent xmlns:mc="http://schemas.openxmlformats.org/markup-compatibility/2006">
               <mc:Choice xmlns:v="urn:schemas-microsoft-com:vml" Requires="v">
-                <p:oleObj spid="_x0000_s5126" name="Equation" r:id="rId4" imgW="990600" imgH="292100" progId="Equation.DSMT4">
+                <p:oleObj spid="_x0000_s3082" name="Equation" r:id="rId4" imgW="495300" imgH="292100" progId="Equation.DSMT4">
                   <p:embed/>
                 </p:oleObj>
               </mc:Choice>
               <mc:Fallback>
-                <p:oleObj name="Equation" r:id="rId4" imgW="990600" imgH="292100" progId="Equation.DSMT4">
+                <p:oleObj name="Equation" r:id="rId4" imgW="495300" imgH="292100" progId="Equation.DSMT4">
                   <p:embed/>
                   <p:pic>
                     <p:nvPicPr>
@@ -3921,8 +3673,8 @@
                     </p:blipFill>
                     <p:spPr>
                       <a:xfrm>
-                        <a:off x="2057400" y="1524000"/>
-                        <a:ext cx="4724400" cy="1393092"/>
+                        <a:off x="2971800" y="3810000"/>
+                        <a:ext cx="2648778" cy="1562100"/>
                       </a:xfrm>
                       <a:prstGeom prst="rect">
                         <a:avLst/>
@@ -3940,381 +3692,15 @@
   <p:clrMapOvr>
     <a:masterClrMapping/>
   </p:clrMapOvr>
-  <p:transition xmlns:p14="http://schemas.microsoft.com/office/powerpoint/2010/main" spd="med">
+  <p:transition xmlns:p14="http://schemas.microsoft.com/office/powerpoint/2010/main" spd="slow" advClick="0">
     <p:fade thruBlk="1"/>
   </p:transition>
   <p:timing>
     <p:tnLst>
       <p:par>
-        <p:cTn xmlns:p14="http://schemas.microsoft.com/office/powerpoint/2010/main" id="1" dur="indefinite" restart="never" nodeType="tmRoot">
-          <p:childTnLst>
-            <p:seq concurrent="1" nextAc="seek">
-              <p:cTn id="2" dur="indefinite" nodeType="mainSeq">
-                <p:childTnLst>
-                  <p:par>
-                    <p:cTn id="3" fill="hold">
-                      <p:stCondLst>
-                        <p:cond delay="indefinite"/>
-                      </p:stCondLst>
-                      <p:childTnLst>
-                        <p:par>
-                          <p:cTn id="4" fill="hold">
-                            <p:stCondLst>
-                              <p:cond delay="0"/>
-                            </p:stCondLst>
-                            <p:childTnLst>
-                              <p:par>
-                                <p:cTn id="5" presetID="10" presetClass="entr" presetSubtype="0" fill="hold" nodeType="clickEffect">
-                                  <p:stCondLst>
-                                    <p:cond delay="0"/>
-                                  </p:stCondLst>
-                                  <p:childTnLst>
-                                    <p:set>
-                                      <p:cBhvr>
-                                        <p:cTn id="6" dur="1" fill="hold">
-                                          <p:stCondLst>
-                                            <p:cond delay="0"/>
-                                          </p:stCondLst>
-                                        </p:cTn>
-                                        <p:tgtEl>
-                                          <p:spTgt spid="408579">
-                                            <p:txEl>
-                                              <p:pRg st="0" end="0"/>
-                                            </p:txEl>
-                                          </p:spTgt>
-                                        </p:tgtEl>
-                                        <p:attrNameLst>
-                                          <p:attrName>style.visibility</p:attrName>
-                                        </p:attrNameLst>
-                                      </p:cBhvr>
-                                      <p:to>
-                                        <p:strVal val="visible"/>
-                                      </p:to>
-                                    </p:set>
-                                    <p:animEffect transition="in" filter="fade">
-                                      <p:cBhvr>
-                                        <p:cTn id="7" dur="500"/>
-                                        <p:tgtEl>
-                                          <p:spTgt spid="408579">
-                                            <p:txEl>
-                                              <p:pRg st="0" end="0"/>
-                                            </p:txEl>
-                                          </p:spTgt>
-                                        </p:tgtEl>
-                                      </p:cBhvr>
-                                    </p:animEffect>
-                                  </p:childTnLst>
-                                </p:cTn>
-                              </p:par>
-                            </p:childTnLst>
-                          </p:cTn>
-                        </p:par>
-                        <p:par>
-                          <p:cTn id="8" fill="hold">
-                            <p:stCondLst>
-                              <p:cond delay="500"/>
-                            </p:stCondLst>
-                            <p:childTnLst>
-                              <p:par>
-                                <p:cTn id="9" presetID="22" presetClass="entr" presetSubtype="8" fill="hold" nodeType="afterEffect">
-                                  <p:stCondLst>
-                                    <p:cond delay="0"/>
-                                  </p:stCondLst>
-                                  <p:childTnLst>
-                                    <p:set>
-                                      <p:cBhvr>
-                                        <p:cTn id="10" dur="1" fill="hold">
-                                          <p:stCondLst>
-                                            <p:cond delay="0"/>
-                                          </p:stCondLst>
-                                        </p:cTn>
-                                        <p:tgtEl>
-                                          <p:spTgt spid="2"/>
-                                        </p:tgtEl>
-                                        <p:attrNameLst>
-                                          <p:attrName>style.visibility</p:attrName>
-                                        </p:attrNameLst>
-                                      </p:cBhvr>
-                                      <p:to>
-                                        <p:strVal val="visible"/>
-                                      </p:to>
-                                    </p:set>
-                                    <p:animEffect transition="in" filter="wipe(left)">
-                                      <p:cBhvr>
-                                        <p:cTn id="11" dur="1000"/>
-                                        <p:tgtEl>
-                                          <p:spTgt spid="2"/>
-                                        </p:tgtEl>
-                                      </p:cBhvr>
-                                    </p:animEffect>
-                                  </p:childTnLst>
-                                </p:cTn>
-                              </p:par>
-                            </p:childTnLst>
-                          </p:cTn>
-                        </p:par>
-                      </p:childTnLst>
-                    </p:cTn>
-                  </p:par>
-                  <p:par>
-                    <p:cTn id="12" fill="hold">
-                      <p:stCondLst>
-                        <p:cond delay="indefinite"/>
-                      </p:stCondLst>
-                      <p:childTnLst>
-                        <p:par>
-                          <p:cTn id="13" fill="hold">
-                            <p:stCondLst>
-                              <p:cond delay="0"/>
-                            </p:stCondLst>
-                            <p:childTnLst>
-                              <p:par>
-                                <p:cTn id="14" presetID="9" presetClass="entr" presetSubtype="0" fill="hold" grpId="0" nodeType="clickEffect">
-                                  <p:stCondLst>
-                                    <p:cond delay="0"/>
-                                  </p:stCondLst>
-                                  <p:childTnLst>
-                                    <p:set>
-                                      <p:cBhvr>
-                                        <p:cTn id="15" dur="1" fill="hold">
-                                          <p:stCondLst>
-                                            <p:cond delay="0"/>
-                                          </p:stCondLst>
-                                        </p:cTn>
-                                        <p:tgtEl>
-                                          <p:spTgt spid="408579">
-                                            <p:txEl>
-                                              <p:pRg st="2" end="2"/>
-                                            </p:txEl>
-                                          </p:spTgt>
-                                        </p:tgtEl>
-                                        <p:attrNameLst>
-                                          <p:attrName>style.visibility</p:attrName>
-                                        </p:attrNameLst>
-                                      </p:cBhvr>
-                                      <p:to>
-                                        <p:strVal val="visible"/>
-                                      </p:to>
-                                    </p:set>
-                                    <p:animEffect transition="in" filter="dissolve">
-                                      <p:cBhvr>
-                                        <p:cTn id="16" dur="500"/>
-                                        <p:tgtEl>
-                                          <p:spTgt spid="408579">
-                                            <p:txEl>
-                                              <p:pRg st="2" end="2"/>
-                                            </p:txEl>
-                                          </p:spTgt>
-                                        </p:tgtEl>
-                                      </p:cBhvr>
-                                    </p:animEffect>
-                                  </p:childTnLst>
-                                </p:cTn>
-                              </p:par>
-                            </p:childTnLst>
-                          </p:cTn>
-                        </p:par>
-                      </p:childTnLst>
-                    </p:cTn>
-                  </p:par>
-                  <p:par>
-                    <p:cTn id="17" fill="hold">
-                      <p:stCondLst>
-                        <p:cond delay="indefinite"/>
-                      </p:stCondLst>
-                      <p:childTnLst>
-                        <p:par>
-                          <p:cTn id="18" fill="hold">
-                            <p:stCondLst>
-                              <p:cond delay="0"/>
-                            </p:stCondLst>
-                            <p:childTnLst>
-                              <p:par>
-                                <p:cTn id="19" presetID="9" presetClass="entr" presetSubtype="0" fill="hold" grpId="0" nodeType="clickEffect">
-                                  <p:stCondLst>
-                                    <p:cond delay="0"/>
-                                  </p:stCondLst>
-                                  <p:childTnLst>
-                                    <p:set>
-                                      <p:cBhvr>
-                                        <p:cTn id="20" dur="1" fill="hold">
-                                          <p:stCondLst>
-                                            <p:cond delay="0"/>
-                                          </p:stCondLst>
-                                        </p:cTn>
-                                        <p:tgtEl>
-                                          <p:spTgt spid="408579">
-                                            <p:txEl>
-                                              <p:pRg st="3" end="3"/>
-                                            </p:txEl>
-                                          </p:spTgt>
-                                        </p:tgtEl>
-                                        <p:attrNameLst>
-                                          <p:attrName>style.visibility</p:attrName>
-                                        </p:attrNameLst>
-                                      </p:cBhvr>
-                                      <p:to>
-                                        <p:strVal val="visible"/>
-                                      </p:to>
-                                    </p:set>
-                                    <p:animEffect transition="in" filter="dissolve">
-                                      <p:cBhvr>
-                                        <p:cTn id="21" dur="500"/>
-                                        <p:tgtEl>
-                                          <p:spTgt spid="408579">
-                                            <p:txEl>
-                                              <p:pRg st="3" end="3"/>
-                                            </p:txEl>
-                                          </p:spTgt>
-                                        </p:tgtEl>
-                                      </p:cBhvr>
-                                    </p:animEffect>
-                                  </p:childTnLst>
-                                </p:cTn>
-                              </p:par>
-                            </p:childTnLst>
-                          </p:cTn>
-                        </p:par>
-                      </p:childTnLst>
-                    </p:cTn>
-                  </p:par>
-                  <p:par>
-                    <p:cTn id="22" fill="hold">
-                      <p:stCondLst>
-                        <p:cond delay="indefinite"/>
-                      </p:stCondLst>
-                      <p:childTnLst>
-                        <p:par>
-                          <p:cTn id="23" fill="hold">
-                            <p:stCondLst>
-                              <p:cond delay="0"/>
-                            </p:stCondLst>
-                            <p:childTnLst>
-                              <p:par>
-                                <p:cTn id="24" presetID="9" presetClass="entr" presetSubtype="0" fill="hold" grpId="0" nodeType="clickEffect">
-                                  <p:stCondLst>
-                                    <p:cond delay="0"/>
-                                  </p:stCondLst>
-                                  <p:childTnLst>
-                                    <p:set>
-                                      <p:cBhvr>
-                                        <p:cTn id="25" dur="1" fill="hold">
-                                          <p:stCondLst>
-                                            <p:cond delay="0"/>
-                                          </p:stCondLst>
-                                        </p:cTn>
-                                        <p:tgtEl>
-                                          <p:spTgt spid="408579">
-                                            <p:txEl>
-                                              <p:pRg st="4" end="4"/>
-                                            </p:txEl>
-                                          </p:spTgt>
-                                        </p:tgtEl>
-                                        <p:attrNameLst>
-                                          <p:attrName>style.visibility</p:attrName>
-                                        </p:attrNameLst>
-                                      </p:cBhvr>
-                                      <p:to>
-                                        <p:strVal val="visible"/>
-                                      </p:to>
-                                    </p:set>
-                                    <p:animEffect transition="in" filter="dissolve">
-                                      <p:cBhvr>
-                                        <p:cTn id="26" dur="500"/>
-                                        <p:tgtEl>
-                                          <p:spTgt spid="408579">
-                                            <p:txEl>
-                                              <p:pRg st="4" end="4"/>
-                                            </p:txEl>
-                                          </p:spTgt>
-                                        </p:tgtEl>
-                                      </p:cBhvr>
-                                    </p:animEffect>
-                                  </p:childTnLst>
-                                </p:cTn>
-                              </p:par>
-                            </p:childTnLst>
-                          </p:cTn>
-                        </p:par>
-                        <p:par>
-                          <p:cTn id="27" fill="hold">
-                            <p:stCondLst>
-                              <p:cond delay="500"/>
-                            </p:stCondLst>
-                            <p:childTnLst>
-                              <p:par>
-                                <p:cTn id="28" presetID="9" presetClass="entr" presetSubtype="0" fill="hold" grpId="0" nodeType="afterEffect">
-                                  <p:stCondLst>
-                                    <p:cond delay="0"/>
-                                  </p:stCondLst>
-                                  <p:childTnLst>
-                                    <p:set>
-                                      <p:cBhvr>
-                                        <p:cTn id="29" dur="1" fill="hold">
-                                          <p:stCondLst>
-                                            <p:cond delay="0"/>
-                                          </p:stCondLst>
-                                        </p:cTn>
-                                        <p:tgtEl>
-                                          <p:spTgt spid="408579">
-                                            <p:txEl>
-                                              <p:pRg st="5" end="5"/>
-                                            </p:txEl>
-                                          </p:spTgt>
-                                        </p:tgtEl>
-                                        <p:attrNameLst>
-                                          <p:attrName>style.visibility</p:attrName>
-                                        </p:attrNameLst>
-                                      </p:cBhvr>
-                                      <p:to>
-                                        <p:strVal val="visible"/>
-                                      </p:to>
-                                    </p:set>
-                                    <p:animEffect transition="in" filter="dissolve">
-                                      <p:cBhvr>
-                                        <p:cTn id="30" dur="500"/>
-                                        <p:tgtEl>
-                                          <p:spTgt spid="408579">
-                                            <p:txEl>
-                                              <p:pRg st="5" end="5"/>
-                                            </p:txEl>
-                                          </p:spTgt>
-                                        </p:tgtEl>
-                                      </p:cBhvr>
-                                    </p:animEffect>
-                                  </p:childTnLst>
-                                </p:cTn>
-                              </p:par>
-                            </p:childTnLst>
-                          </p:cTn>
-                        </p:par>
-                      </p:childTnLst>
-                    </p:cTn>
-                  </p:par>
-                </p:childTnLst>
-              </p:cTn>
-              <p:prevCondLst>
-                <p:cond evt="onPrev" delay="0">
-                  <p:tgtEl>
-                    <p:sldTgt/>
-                  </p:tgtEl>
-                </p:cond>
-              </p:prevCondLst>
-              <p:nextCondLst>
-                <p:cond evt="onNext" delay="0">
-                  <p:tgtEl>
-                    <p:sldTgt/>
-                  </p:tgtEl>
-                </p:cond>
-              </p:nextCondLst>
-            </p:seq>
-          </p:childTnLst>
-        </p:cTn>
+        <p:cTn xmlns:p14="http://schemas.microsoft.com/office/powerpoint/2010/main" id="1" dur="indefinite" restart="never" nodeType="tmRoot"/>
       </p:par>
     </p:tnLst>
-    <p:bldLst>
-      <p:bldP spid="408579" grpId="0" build="p"/>
-    </p:bldLst>
   </p:timing>
 </p:sld>
 </file>
@@ -4363,2624 +3749,12 @@
               <a:rPr lang="en-US" dirty="0" smtClean="0"/>
               <a:t>RSA.</a:t>
             </a:r>
-            <a:fld id="{F389C0C6-D6B8-4BCF-9EE6-7CFCBB0EDCA3}" type="slidenum">
+            <a:fld id="{39475D55-F769-4D1E-BA0D-F03B0BEACB86}" type="slidenum">
               <a:rPr lang="en-US" smtClean="0"/>
               <a:pPr>
                 <a:defRPr/>
               </a:pPr>
               <a:t>11</a:t>
-            </a:fld>
-            <a:endParaRPr lang="en-US" dirty="0"/>
-          </a:p>
-        </p:txBody>
-      </p:sp>
-      <p:sp>
-        <p:nvSpPr>
-          <p:cNvPr id="20483" name="Rectangle 2"/>
-          <p:cNvSpPr>
-            <a:spLocks noGrp="1" noChangeArrowheads="1"/>
-          </p:cNvSpPr>
-          <p:nvPr>
-            <p:ph type="title"/>
-          </p:nvPr>
-        </p:nvSpPr>
-        <p:spPr/>
-        <p:txBody>
-          <a:bodyPr/>
-          <a:lstStyle/>
-          <a:p>
-            <a:pPr eaLnBrk="1" hangingPunct="1"/>
-            <a:r>
-              <a:rPr lang="en-US" sz="5400" smtClean="0"/>
-              <a:t>Why is it secure?</a:t>
-            </a:r>
-          </a:p>
-        </p:txBody>
-      </p:sp>
-      <p:sp>
-        <p:nvSpPr>
-          <p:cNvPr id="397315" name="Rectangle 3"/>
-          <p:cNvSpPr>
-            <a:spLocks noGrp="1" noChangeArrowheads="1"/>
-          </p:cNvSpPr>
-          <p:nvPr>
-            <p:ph type="body" idx="1"/>
-          </p:nvPr>
-        </p:nvSpPr>
-        <p:spPr>
-          <a:xfrm>
-            <a:off x="152400" y="1066800"/>
-            <a:ext cx="8839200" cy="5257800"/>
-          </a:xfrm>
-        </p:spPr>
-        <p:txBody>
-          <a:bodyPr/>
-          <a:lstStyle/>
-          <a:p>
-            <a:pPr eaLnBrk="1" hangingPunct="1">
-              <a:lnSpc>
-                <a:spcPct val="90000"/>
-              </a:lnSpc>
-              <a:buFont typeface="Arial" pitchFamily="34" charset="0"/>
-              <a:buChar char="•"/>
-            </a:pPr>
-            <a:r>
-              <a:rPr lang="en-US" sz="4800" dirty="0" smtClean="0"/>
-              <a:t>easy to break </a:t>
-            </a:r>
-            <a:r>
-              <a:rPr lang="en-US" sz="4800" i="1" dirty="0" smtClean="0"/>
-              <a:t>if</a:t>
-            </a:r>
-            <a:r>
-              <a:rPr lang="en-US" sz="4800" dirty="0" smtClean="0"/>
-              <a:t> can factor </a:t>
-            </a:r>
-            <a:r>
-              <a:rPr lang="en-US" sz="4800" dirty="0" smtClean="0">
-                <a:solidFill>
-                  <a:schemeClr val="accent5">
-                    <a:lumMod val="50000"/>
-                  </a:schemeClr>
-                </a:solidFill>
-              </a:rPr>
-              <a:t>n</a:t>
-            </a:r>
-          </a:p>
-          <a:p>
-            <a:pPr eaLnBrk="1" hangingPunct="1">
-              <a:lnSpc>
-                <a:spcPct val="90000"/>
-              </a:lnSpc>
-              <a:buFontTx/>
-              <a:buNone/>
-            </a:pPr>
-            <a:r>
-              <a:rPr lang="en-US" sz="4400" dirty="0" smtClean="0"/>
-              <a:t>  (find </a:t>
-            </a:r>
-            <a:r>
-              <a:rPr lang="en-US" sz="4400" dirty="0" smtClean="0">
-                <a:solidFill>
-                  <a:schemeClr val="accent5">
-                    <a:lumMod val="50000"/>
-                  </a:schemeClr>
-                </a:solidFill>
-              </a:rPr>
-              <a:t>d</a:t>
-            </a:r>
-            <a:r>
-              <a:rPr lang="en-US" sz="4400" dirty="0" smtClean="0">
-                <a:solidFill>
-                  <a:srgbClr val="3333CC"/>
-                </a:solidFill>
-              </a:rPr>
-              <a:t> </a:t>
-            </a:r>
-            <a:r>
-              <a:rPr lang="en-US" sz="4400" dirty="0" smtClean="0"/>
-              <a:t>same way receiver did)</a:t>
-            </a:r>
-          </a:p>
-          <a:p>
-            <a:pPr eaLnBrk="1" hangingPunct="1">
-              <a:lnSpc>
-                <a:spcPct val="90000"/>
-              </a:lnSpc>
-              <a:buFont typeface="Arial" pitchFamily="34" charset="0"/>
-              <a:buChar char="•"/>
-            </a:pPr>
-            <a:r>
-              <a:rPr lang="en-US" sz="4400" dirty="0" smtClean="0"/>
-              <a:t>conversely, from </a:t>
-            </a:r>
-            <a:r>
-              <a:rPr lang="en-US" sz="4400" dirty="0" smtClean="0">
-                <a:solidFill>
-                  <a:schemeClr val="accent5">
-                    <a:lumMod val="50000"/>
-                  </a:schemeClr>
-                </a:solidFill>
-              </a:rPr>
-              <a:t>d</a:t>
-            </a:r>
-            <a:r>
-              <a:rPr lang="en-US" sz="4400" dirty="0" smtClean="0">
-                <a:solidFill>
-                  <a:srgbClr val="3333CC"/>
-                </a:solidFill>
-              </a:rPr>
-              <a:t> </a:t>
-            </a:r>
-            <a:r>
-              <a:rPr lang="en-US" sz="4400" dirty="0" smtClean="0"/>
-              <a:t>can factor </a:t>
-            </a:r>
-            <a:r>
-              <a:rPr lang="en-US" sz="4400" dirty="0" smtClean="0">
-                <a:solidFill>
-                  <a:schemeClr val="accent5">
-                    <a:lumMod val="50000"/>
-                  </a:schemeClr>
-                </a:solidFill>
-              </a:rPr>
-              <a:t>n</a:t>
-            </a:r>
-            <a:endParaRPr lang="en-US" sz="4400" dirty="0" smtClean="0"/>
-          </a:p>
-          <a:p>
-            <a:pPr eaLnBrk="1" hangingPunct="1">
-              <a:lnSpc>
-                <a:spcPct val="90000"/>
-              </a:lnSpc>
-              <a:buFontTx/>
-              <a:buNone/>
-            </a:pPr>
-            <a:r>
-              <a:rPr lang="en-US" sz="4400" dirty="0" smtClean="0"/>
-              <a:t>  (but </a:t>
-            </a:r>
-            <a:r>
-              <a:rPr lang="en-US" sz="4400" dirty="0" smtClean="0">
-                <a:solidFill>
-                  <a:srgbClr val="FF00FF"/>
-                </a:solidFill>
-              </a:rPr>
-              <a:t>factoring appears hard</a:t>
-            </a:r>
-          </a:p>
-          <a:p>
-            <a:pPr eaLnBrk="1" hangingPunct="1">
-              <a:lnSpc>
-                <a:spcPct val="90000"/>
-              </a:lnSpc>
-              <a:buFontTx/>
-              <a:buNone/>
-            </a:pPr>
-            <a:r>
-              <a:rPr lang="en-US" sz="4400" dirty="0" smtClean="0">
-                <a:solidFill>
-                  <a:srgbClr val="FF00FF"/>
-                </a:solidFill>
-              </a:rPr>
-              <a:t>   </a:t>
-            </a:r>
-            <a:r>
-              <a:rPr lang="en-US" sz="4400" dirty="0" smtClean="0"/>
-              <a:t>so finding </a:t>
-            </a:r>
-            <a:r>
-              <a:rPr lang="en-US" sz="4400" dirty="0" smtClean="0">
-                <a:solidFill>
-                  <a:schemeClr val="accent5">
-                    <a:lumMod val="50000"/>
-                  </a:schemeClr>
-                </a:solidFill>
-              </a:rPr>
-              <a:t>d</a:t>
-            </a:r>
-            <a:r>
-              <a:rPr lang="en-US" sz="4400" dirty="0" smtClean="0"/>
-              <a:t> must also be hard)</a:t>
-            </a:r>
-          </a:p>
-          <a:p>
-            <a:pPr eaLnBrk="1" hangingPunct="1">
-              <a:lnSpc>
-                <a:spcPct val="90000"/>
-              </a:lnSpc>
-              <a:buFont typeface="Arial" pitchFamily="34" charset="0"/>
-              <a:buChar char="•"/>
-            </a:pPr>
-            <a:r>
-              <a:rPr lang="en-US" sz="4400" dirty="0" smtClean="0"/>
-              <a:t> RSA has withstood </a:t>
-            </a:r>
-            <a:r>
-              <a:rPr lang="en-US" sz="4400" dirty="0" smtClean="0"/>
-              <a:t>35 </a:t>
-            </a:r>
-            <a:r>
-              <a:rPr lang="en-US" sz="4400" dirty="0" smtClean="0"/>
-              <a:t>years of attacks</a:t>
-            </a:r>
-          </a:p>
-        </p:txBody>
-      </p:sp>
-    </p:spTree>
-  </p:cSld>
-  <p:clrMapOvr>
-    <a:masterClrMapping/>
-  </p:clrMapOvr>
-  <p:transition xmlns:p14="http://schemas.microsoft.com/office/powerpoint/2010/main" spd="slow">
-    <p:fade thruBlk="1"/>
-  </p:transition>
-  <p:timing>
-    <p:tnLst>
-      <p:par>
-        <p:cTn xmlns:p14="http://schemas.microsoft.com/office/powerpoint/2010/main" id="1" dur="indefinite" restart="never" nodeType="tmRoot">
-          <p:childTnLst>
-            <p:seq concurrent="1" nextAc="seek">
-              <p:cTn id="2" dur="indefinite" nodeType="mainSeq">
-                <p:childTnLst>
-                  <p:par>
-                    <p:cTn id="3" fill="hold">
-                      <p:stCondLst>
-                        <p:cond delay="indefinite"/>
-                      </p:stCondLst>
-                      <p:childTnLst>
-                        <p:par>
-                          <p:cTn id="4" fill="hold">
-                            <p:stCondLst>
-                              <p:cond delay="0"/>
-                            </p:stCondLst>
-                            <p:childTnLst>
-                              <p:par>
-                                <p:cTn id="5" presetID="10" presetClass="entr" presetSubtype="0" fill="hold" nodeType="clickEffect">
-                                  <p:stCondLst>
-                                    <p:cond delay="0"/>
-                                  </p:stCondLst>
-                                  <p:childTnLst>
-                                    <p:set>
-                                      <p:cBhvr>
-                                        <p:cTn id="6" dur="1" fill="hold">
-                                          <p:stCondLst>
-                                            <p:cond delay="0"/>
-                                          </p:stCondLst>
-                                        </p:cTn>
-                                        <p:tgtEl>
-                                          <p:spTgt spid="397315">
-                                            <p:txEl>
-                                              <p:pRg st="0" end="0"/>
-                                            </p:txEl>
-                                          </p:spTgt>
-                                        </p:tgtEl>
-                                        <p:attrNameLst>
-                                          <p:attrName>style.visibility</p:attrName>
-                                        </p:attrNameLst>
-                                      </p:cBhvr>
-                                      <p:to>
-                                        <p:strVal val="visible"/>
-                                      </p:to>
-                                    </p:set>
-                                    <p:animEffect transition="in" filter="fade">
-                                      <p:cBhvr>
-                                        <p:cTn id="7" dur="500"/>
-                                        <p:tgtEl>
-                                          <p:spTgt spid="397315">
-                                            <p:txEl>
-                                              <p:pRg st="0" end="0"/>
-                                            </p:txEl>
-                                          </p:spTgt>
-                                        </p:tgtEl>
-                                      </p:cBhvr>
-                                    </p:animEffect>
-                                  </p:childTnLst>
-                                </p:cTn>
-                              </p:par>
-                              <p:par>
-                                <p:cTn id="8" presetID="10" presetClass="entr" presetSubtype="0" fill="hold" nodeType="withEffect">
-                                  <p:stCondLst>
-                                    <p:cond delay="0"/>
-                                  </p:stCondLst>
-                                  <p:childTnLst>
-                                    <p:set>
-                                      <p:cBhvr>
-                                        <p:cTn id="9" dur="1" fill="hold">
-                                          <p:stCondLst>
-                                            <p:cond delay="0"/>
-                                          </p:stCondLst>
-                                        </p:cTn>
-                                        <p:tgtEl>
-                                          <p:spTgt spid="397315">
-                                            <p:txEl>
-                                              <p:pRg st="1" end="1"/>
-                                            </p:txEl>
-                                          </p:spTgt>
-                                        </p:tgtEl>
-                                        <p:attrNameLst>
-                                          <p:attrName>style.visibility</p:attrName>
-                                        </p:attrNameLst>
-                                      </p:cBhvr>
-                                      <p:to>
-                                        <p:strVal val="visible"/>
-                                      </p:to>
-                                    </p:set>
-                                    <p:animEffect transition="in" filter="fade">
-                                      <p:cBhvr>
-                                        <p:cTn id="10" dur="500"/>
-                                        <p:tgtEl>
-                                          <p:spTgt spid="397315">
-                                            <p:txEl>
-                                              <p:pRg st="1" end="1"/>
-                                            </p:txEl>
-                                          </p:spTgt>
-                                        </p:tgtEl>
-                                      </p:cBhvr>
-                                    </p:animEffect>
-                                  </p:childTnLst>
-                                </p:cTn>
-                              </p:par>
-                            </p:childTnLst>
-                          </p:cTn>
-                        </p:par>
-                      </p:childTnLst>
-                    </p:cTn>
-                  </p:par>
-                  <p:par>
-                    <p:cTn id="11" fill="hold">
-                      <p:stCondLst>
-                        <p:cond delay="indefinite"/>
-                      </p:stCondLst>
-                      <p:childTnLst>
-                        <p:par>
-                          <p:cTn id="12" fill="hold">
-                            <p:stCondLst>
-                              <p:cond delay="0"/>
-                            </p:stCondLst>
-                            <p:childTnLst>
-                              <p:par>
-                                <p:cTn id="13" presetID="10" presetClass="entr" presetSubtype="0" fill="hold" nodeType="clickEffect">
-                                  <p:stCondLst>
-                                    <p:cond delay="0"/>
-                                  </p:stCondLst>
-                                  <p:childTnLst>
-                                    <p:set>
-                                      <p:cBhvr>
-                                        <p:cTn id="14" dur="1" fill="hold">
-                                          <p:stCondLst>
-                                            <p:cond delay="0"/>
-                                          </p:stCondLst>
-                                        </p:cTn>
-                                        <p:tgtEl>
-                                          <p:spTgt spid="397315">
-                                            <p:txEl>
-                                              <p:pRg st="2" end="2"/>
-                                            </p:txEl>
-                                          </p:spTgt>
-                                        </p:tgtEl>
-                                        <p:attrNameLst>
-                                          <p:attrName>style.visibility</p:attrName>
-                                        </p:attrNameLst>
-                                      </p:cBhvr>
-                                      <p:to>
-                                        <p:strVal val="visible"/>
-                                      </p:to>
-                                    </p:set>
-                                    <p:animEffect transition="in" filter="fade">
-                                      <p:cBhvr>
-                                        <p:cTn id="15" dur="500"/>
-                                        <p:tgtEl>
-                                          <p:spTgt spid="397315">
-                                            <p:txEl>
-                                              <p:pRg st="2" end="2"/>
-                                            </p:txEl>
-                                          </p:spTgt>
-                                        </p:tgtEl>
-                                      </p:cBhvr>
-                                    </p:animEffect>
-                                  </p:childTnLst>
-                                </p:cTn>
-                              </p:par>
-                            </p:childTnLst>
-                          </p:cTn>
-                        </p:par>
-                      </p:childTnLst>
-                    </p:cTn>
-                  </p:par>
-                  <p:par>
-                    <p:cTn id="16" fill="hold">
-                      <p:stCondLst>
-                        <p:cond delay="indefinite"/>
-                      </p:stCondLst>
-                      <p:childTnLst>
-                        <p:par>
-                          <p:cTn id="17" fill="hold">
-                            <p:stCondLst>
-                              <p:cond delay="0"/>
-                            </p:stCondLst>
-                            <p:childTnLst>
-                              <p:par>
-                                <p:cTn id="18" presetID="10" presetClass="entr" presetSubtype="0" fill="hold" nodeType="clickEffect">
-                                  <p:stCondLst>
-                                    <p:cond delay="0"/>
-                                  </p:stCondLst>
-                                  <p:childTnLst>
-                                    <p:set>
-                                      <p:cBhvr>
-                                        <p:cTn id="19" dur="1" fill="hold">
-                                          <p:stCondLst>
-                                            <p:cond delay="0"/>
-                                          </p:stCondLst>
-                                        </p:cTn>
-                                        <p:tgtEl>
-                                          <p:spTgt spid="397315">
-                                            <p:txEl>
-                                              <p:pRg st="3" end="3"/>
-                                            </p:txEl>
-                                          </p:spTgt>
-                                        </p:tgtEl>
-                                        <p:attrNameLst>
-                                          <p:attrName>style.visibility</p:attrName>
-                                        </p:attrNameLst>
-                                      </p:cBhvr>
-                                      <p:to>
-                                        <p:strVal val="visible"/>
-                                      </p:to>
-                                    </p:set>
-                                    <p:animEffect transition="in" filter="fade">
-                                      <p:cBhvr>
-                                        <p:cTn id="20" dur="500"/>
-                                        <p:tgtEl>
-                                          <p:spTgt spid="397315">
-                                            <p:txEl>
-                                              <p:pRg st="3" end="3"/>
-                                            </p:txEl>
-                                          </p:spTgt>
-                                        </p:tgtEl>
-                                      </p:cBhvr>
-                                    </p:animEffect>
-                                  </p:childTnLst>
-                                </p:cTn>
-                              </p:par>
-                            </p:childTnLst>
-                          </p:cTn>
-                        </p:par>
-                      </p:childTnLst>
-                    </p:cTn>
-                  </p:par>
-                  <p:par>
-                    <p:cTn id="21" fill="hold">
-                      <p:stCondLst>
-                        <p:cond delay="indefinite"/>
-                      </p:stCondLst>
-                      <p:childTnLst>
-                        <p:par>
-                          <p:cTn id="22" fill="hold">
-                            <p:stCondLst>
-                              <p:cond delay="0"/>
-                            </p:stCondLst>
-                            <p:childTnLst>
-                              <p:par>
-                                <p:cTn id="23" presetID="10" presetClass="entr" presetSubtype="0" fill="hold" nodeType="clickEffect">
-                                  <p:stCondLst>
-                                    <p:cond delay="0"/>
-                                  </p:stCondLst>
-                                  <p:childTnLst>
-                                    <p:set>
-                                      <p:cBhvr>
-                                        <p:cTn id="24" dur="1" fill="hold">
-                                          <p:stCondLst>
-                                            <p:cond delay="0"/>
-                                          </p:stCondLst>
-                                        </p:cTn>
-                                        <p:tgtEl>
-                                          <p:spTgt spid="397315">
-                                            <p:txEl>
-                                              <p:pRg st="4" end="4"/>
-                                            </p:txEl>
-                                          </p:spTgt>
-                                        </p:tgtEl>
-                                        <p:attrNameLst>
-                                          <p:attrName>style.visibility</p:attrName>
-                                        </p:attrNameLst>
-                                      </p:cBhvr>
-                                      <p:to>
-                                        <p:strVal val="visible"/>
-                                      </p:to>
-                                    </p:set>
-                                    <p:animEffect transition="in" filter="fade">
-                                      <p:cBhvr>
-                                        <p:cTn id="25" dur="500"/>
-                                        <p:tgtEl>
-                                          <p:spTgt spid="397315">
-                                            <p:txEl>
-                                              <p:pRg st="4" end="4"/>
-                                            </p:txEl>
-                                          </p:spTgt>
-                                        </p:tgtEl>
-                                      </p:cBhvr>
-                                    </p:animEffect>
-                                  </p:childTnLst>
-                                </p:cTn>
-                              </p:par>
-                            </p:childTnLst>
-                          </p:cTn>
-                        </p:par>
-                      </p:childTnLst>
-                    </p:cTn>
-                  </p:par>
-                  <p:par>
-                    <p:cTn id="26" fill="hold">
-                      <p:stCondLst>
-                        <p:cond delay="indefinite"/>
-                      </p:stCondLst>
-                      <p:childTnLst>
-                        <p:par>
-                          <p:cTn id="27" fill="hold">
-                            <p:stCondLst>
-                              <p:cond delay="0"/>
-                            </p:stCondLst>
-                            <p:childTnLst>
-                              <p:par>
-                                <p:cTn id="28" presetID="10" presetClass="entr" presetSubtype="0" fill="hold" nodeType="clickEffect">
-                                  <p:stCondLst>
-                                    <p:cond delay="0"/>
-                                  </p:stCondLst>
-                                  <p:childTnLst>
-                                    <p:set>
-                                      <p:cBhvr>
-                                        <p:cTn id="29" dur="1" fill="hold">
-                                          <p:stCondLst>
-                                            <p:cond delay="0"/>
-                                          </p:stCondLst>
-                                        </p:cTn>
-                                        <p:tgtEl>
-                                          <p:spTgt spid="397315">
-                                            <p:txEl>
-                                              <p:pRg st="5" end="5"/>
-                                            </p:txEl>
-                                          </p:spTgt>
-                                        </p:tgtEl>
-                                        <p:attrNameLst>
-                                          <p:attrName>style.visibility</p:attrName>
-                                        </p:attrNameLst>
-                                      </p:cBhvr>
-                                      <p:to>
-                                        <p:strVal val="visible"/>
-                                      </p:to>
-                                    </p:set>
-                                    <p:animEffect transition="in" filter="fade">
-                                      <p:cBhvr>
-                                        <p:cTn id="30" dur="500"/>
-                                        <p:tgtEl>
-                                          <p:spTgt spid="397315">
-                                            <p:txEl>
-                                              <p:pRg st="5" end="5"/>
-                                            </p:txEl>
-                                          </p:spTgt>
-                                        </p:tgtEl>
-                                      </p:cBhvr>
-                                    </p:animEffect>
-                                  </p:childTnLst>
-                                </p:cTn>
-                              </p:par>
-                            </p:childTnLst>
-                          </p:cTn>
-                        </p:par>
-                      </p:childTnLst>
-                    </p:cTn>
-                  </p:par>
-                </p:childTnLst>
-              </p:cTn>
-              <p:prevCondLst>
-                <p:cond evt="onPrev" delay="0">
-                  <p:tgtEl>
-                    <p:sldTgt/>
-                  </p:tgtEl>
-                </p:cond>
-              </p:prevCondLst>
-              <p:nextCondLst>
-                <p:cond evt="onNext" delay="0">
-                  <p:tgtEl>
-                    <p:sldTgt/>
-                  </p:tgtEl>
-                </p:cond>
-              </p:nextCondLst>
-            </p:seq>
-          </p:childTnLst>
-        </p:cTn>
-      </p:par>
-    </p:tnLst>
-  </p:timing>
-</p:sld>
-</file>
-
-<file path=ppt/slides/slide2.xml><?xml version="1.0" encoding="utf-8"?>
-<p:sld xmlns:a="http://schemas.openxmlformats.org/drawingml/2006/main" xmlns:r="http://schemas.openxmlformats.org/officeDocument/2006/relationships" xmlns:p="http://schemas.openxmlformats.org/presentationml/2006/main">
-  <p:cSld>
-    <p:spTree>
-      <p:nvGrpSpPr>
-        <p:cNvPr id="1" name=""/>
-        <p:cNvGrpSpPr/>
-        <p:nvPr/>
-      </p:nvGrpSpPr>
-      <p:grpSpPr>
-        <a:xfrm>
-          <a:off x="0" y="0"/>
-          <a:ext cx="0" cy="0"/>
-          <a:chOff x="0" y="0"/>
-          <a:chExt cx="0" cy="0"/>
-        </a:xfrm>
-      </p:grpSpPr>
-      <p:sp>
-        <p:nvSpPr>
-          <p:cNvPr id="4" name="Slide Number Placeholder 3"/>
-          <p:cNvSpPr>
-            <a:spLocks noGrp="1"/>
-          </p:cNvSpPr>
-          <p:nvPr>
-            <p:ph type="sldNum" sz="quarter" idx="4"/>
-          </p:nvPr>
-        </p:nvSpPr>
-        <p:spPr>
-          <a:xfrm>
-            <a:off x="6477000" y="6553200"/>
-            <a:ext cx="2667000" cy="307777"/>
-          </a:xfrm>
-        </p:spPr>
-        <p:txBody>
-          <a:bodyPr/>
-          <a:lstStyle/>
-          <a:p>
-            <a:pPr>
-              <a:defRPr/>
-            </a:pPr>
-            <a:r>
-              <a:rPr lang="en-US" dirty="0" smtClean="0"/>
-              <a:t>RSA.</a:t>
-            </a:r>
-            <a:fld id="{03D159E7-7261-456C-B1C2-8B1BCE6FD8AA}" type="slidenum">
-              <a:rPr lang="en-US" smtClean="0"/>
-              <a:pPr>
-                <a:defRPr/>
-              </a:pPr>
-              <a:t>2</a:t>
-            </a:fld>
-            <a:endParaRPr lang="en-US" dirty="0"/>
-          </a:p>
-        </p:txBody>
-      </p:sp>
-      <p:sp>
-        <p:nvSpPr>
-          <p:cNvPr id="14339" name="Rectangle 2"/>
-          <p:cNvSpPr>
-            <a:spLocks noGrp="1" noChangeArrowheads="1"/>
-          </p:cNvSpPr>
-          <p:nvPr>
-            <p:ph type="title"/>
-          </p:nvPr>
-        </p:nvSpPr>
-        <p:spPr/>
-        <p:txBody>
-          <a:bodyPr/>
-          <a:lstStyle/>
-          <a:p>
-            <a:pPr eaLnBrk="1" hangingPunct="1"/>
-            <a:r>
-              <a:rPr lang="en-US" smtClean="0"/>
-              <a:t>RSA Public Key Encryption</a:t>
-            </a:r>
-          </a:p>
-        </p:txBody>
-      </p:sp>
-      <p:pic>
-        <p:nvPicPr>
-          <p:cNvPr id="14340" name="Picture 4" descr="rivest_shamir_adelman_photo"/>
-          <p:cNvPicPr>
-            <a:picLocks noGrp="1" noChangeAspect="1" noChangeArrowheads="1"/>
-          </p:cNvPicPr>
-          <p:nvPr>
-            <p:ph idx="1"/>
-          </p:nvPr>
-        </p:nvPicPr>
-        <p:blipFill>
-          <a:blip r:embed="rId3"/>
-          <a:srcRect/>
-          <a:stretch>
-            <a:fillRect/>
-          </a:stretch>
-        </p:blipFill>
-        <p:spPr>
-          <a:xfrm>
-            <a:off x="1619250" y="1354138"/>
-            <a:ext cx="6032500" cy="4335462"/>
-          </a:xfrm>
-          <a:noFill/>
-        </p:spPr>
-      </p:pic>
-      <p:sp>
-        <p:nvSpPr>
-          <p:cNvPr id="2" name="TextBox 1"/>
-          <p:cNvSpPr txBox="1"/>
-          <p:nvPr/>
-        </p:nvSpPr>
-        <p:spPr>
-          <a:xfrm>
-            <a:off x="2080445" y="5791200"/>
-            <a:ext cx="5463355" cy="584776"/>
-          </a:xfrm>
-          <a:prstGeom prst="rect">
-            <a:avLst/>
-          </a:prstGeom>
-          <a:noFill/>
-        </p:spPr>
-        <p:txBody>
-          <a:bodyPr wrap="none" rtlCol="0">
-            <a:spAutoFit/>
-          </a:bodyPr>
-          <a:lstStyle/>
-          <a:p>
-            <a:r>
-              <a:rPr lang="en-US" sz="3200" dirty="0" smtClean="0">
-                <a:latin typeface="+mj-lt"/>
-              </a:rPr>
-              <a:t>Shamir     </a:t>
-            </a:r>
-            <a:r>
-              <a:rPr lang="en-US" sz="3200" dirty="0" err="1" smtClean="0">
-                <a:latin typeface="+mj-lt"/>
-              </a:rPr>
-              <a:t>Rivest</a:t>
-            </a:r>
-            <a:r>
-              <a:rPr lang="en-US" sz="3200" dirty="0" smtClean="0">
-                <a:latin typeface="+mj-lt"/>
-              </a:rPr>
-              <a:t>    </a:t>
-            </a:r>
-            <a:r>
-              <a:rPr lang="en-US" sz="3200" dirty="0" err="1" smtClean="0">
-                <a:latin typeface="+mj-lt"/>
-              </a:rPr>
-              <a:t>Adleman</a:t>
-            </a:r>
-            <a:endParaRPr lang="en-US" sz="3200" dirty="0" smtClean="0">
-              <a:latin typeface="+mj-lt"/>
-            </a:endParaRPr>
-          </a:p>
-        </p:txBody>
-      </p:sp>
-    </p:spTree>
-  </p:cSld>
-  <p:clrMapOvr>
-    <a:masterClrMapping/>
-  </p:clrMapOvr>
-  <p:transition xmlns:p14="http://schemas.microsoft.com/office/powerpoint/2010/main" spd="slow">
-    <p:fade thruBlk="1"/>
-  </p:transition>
-  <p:timing>
-    <p:tnLst>
-      <p:par>
-        <p:cTn xmlns:p14="http://schemas.microsoft.com/office/powerpoint/2010/main" id="1" dur="indefinite" restart="never" nodeType="tmRoot"/>
-      </p:par>
-    </p:tnLst>
-  </p:timing>
-</p:sld>
-</file>
-
-<file path=ppt/slides/slide3.xml><?xml version="1.0" encoding="utf-8"?>
-<p:sld xmlns:a="http://schemas.openxmlformats.org/drawingml/2006/main" xmlns:r="http://schemas.openxmlformats.org/officeDocument/2006/relationships" xmlns:p="http://schemas.openxmlformats.org/presentationml/2006/main">
-  <p:cSld>
-    <p:spTree>
-      <p:nvGrpSpPr>
-        <p:cNvPr id="1" name=""/>
-        <p:cNvGrpSpPr/>
-        <p:nvPr/>
-      </p:nvGrpSpPr>
-      <p:grpSpPr>
-        <a:xfrm>
-          <a:off x="0" y="0"/>
-          <a:ext cx="0" cy="0"/>
-          <a:chOff x="0" y="0"/>
-          <a:chExt cx="0" cy="0"/>
-        </a:xfrm>
-      </p:grpSpPr>
-      <p:sp>
-        <p:nvSpPr>
-          <p:cNvPr id="4" name="Slide Number Placeholder 3"/>
-          <p:cNvSpPr>
-            <a:spLocks noGrp="1"/>
-          </p:cNvSpPr>
-          <p:nvPr>
-            <p:ph type="sldNum" sz="quarter" idx="4"/>
-          </p:nvPr>
-        </p:nvSpPr>
-        <p:spPr>
-          <a:xfrm>
-            <a:off x="6477000" y="6553200"/>
-            <a:ext cx="2667000" cy="307777"/>
-          </a:xfrm>
-        </p:spPr>
-        <p:txBody>
-          <a:bodyPr/>
-          <a:lstStyle/>
-          <a:p>
-            <a:pPr>
-              <a:defRPr/>
-            </a:pPr>
-            <a:r>
-              <a:rPr lang="en-US" dirty="0" smtClean="0"/>
-              <a:t>RSA.</a:t>
-            </a:r>
-            <a:fld id="{EAE0CE3F-24F2-4E10-908C-002F0BCF9C89}" type="slidenum">
-              <a:rPr lang="en-US" smtClean="0"/>
-              <a:pPr>
-                <a:defRPr/>
-              </a:pPr>
-              <a:t>3</a:t>
-            </a:fld>
-            <a:endParaRPr lang="en-US" dirty="0"/>
-          </a:p>
-        </p:txBody>
-      </p:sp>
-      <p:sp>
-        <p:nvSpPr>
-          <p:cNvPr id="15363" name="Rectangle 2"/>
-          <p:cNvSpPr>
-            <a:spLocks noGrp="1" noChangeArrowheads="1"/>
-          </p:cNvSpPr>
-          <p:nvPr>
-            <p:ph type="title"/>
-          </p:nvPr>
-        </p:nvSpPr>
-        <p:spPr/>
-        <p:txBody>
-          <a:bodyPr/>
-          <a:lstStyle/>
-          <a:p>
-            <a:pPr eaLnBrk="1" hangingPunct="1"/>
-            <a:r>
-              <a:rPr lang="en-US" smtClean="0"/>
-              <a:t>Beforehand</a:t>
-            </a:r>
-          </a:p>
-        </p:txBody>
-      </p:sp>
-      <p:sp>
-        <p:nvSpPr>
-          <p:cNvPr id="390147" name="Rectangle 3"/>
-          <p:cNvSpPr>
-            <a:spLocks noGrp="1" noChangeArrowheads="1"/>
-          </p:cNvSpPr>
-          <p:nvPr>
-            <p:ph type="body" idx="1"/>
-          </p:nvPr>
-        </p:nvSpPr>
-        <p:spPr>
-          <a:xfrm>
-            <a:off x="76200" y="914400"/>
-            <a:ext cx="8991600" cy="5029200"/>
-          </a:xfrm>
-        </p:spPr>
-        <p:txBody>
-          <a:bodyPr/>
-          <a:lstStyle/>
-          <a:p>
-            <a:pPr marL="609600" indent="-609600" eaLnBrk="1" hangingPunct="1"/>
-            <a:r>
-              <a:rPr lang="en-US" sz="4400" dirty="0" smtClean="0"/>
-              <a:t>receiver generates primes</a:t>
-            </a:r>
-            <a:r>
-              <a:rPr lang="en-US" sz="4400" dirty="0" smtClean="0">
-                <a:solidFill>
-                  <a:schemeClr val="accent1">
-                    <a:lumMod val="50000"/>
-                  </a:schemeClr>
-                </a:solidFill>
-              </a:rPr>
-              <a:t> p, q</a:t>
-            </a:r>
-          </a:p>
-          <a:p>
-            <a:pPr marL="609600" indent="-609600" eaLnBrk="1" hangingPunct="1"/>
-            <a:r>
-              <a:rPr lang="en-US" sz="4400" dirty="0" smtClean="0">
-                <a:solidFill>
-                  <a:schemeClr val="accent1">
-                    <a:lumMod val="50000"/>
-                  </a:schemeClr>
-                </a:solidFill>
-              </a:rPr>
-              <a:t>n</a:t>
-            </a:r>
-            <a:r>
-              <a:rPr lang="en-US" sz="4400" dirty="0" smtClean="0">
-                <a:solidFill>
-                  <a:srgbClr val="3333CC"/>
-                </a:solidFill>
-              </a:rPr>
-              <a:t> </a:t>
-            </a:r>
-            <a:r>
-              <a:rPr lang="en-US" sz="4400" dirty="0" smtClean="0"/>
-              <a:t>::=</a:t>
-            </a:r>
-            <a:r>
-              <a:rPr lang="en-US" sz="4400" dirty="0" smtClean="0">
-                <a:solidFill>
-                  <a:srgbClr val="3333CC"/>
-                </a:solidFill>
-              </a:rPr>
-              <a:t> </a:t>
-            </a:r>
-            <a:r>
-              <a:rPr lang="en-US" sz="4400" dirty="0" err="1" smtClean="0">
-                <a:solidFill>
-                  <a:schemeClr val="accent1">
-                    <a:lumMod val="50000"/>
-                  </a:schemeClr>
-                </a:solidFill>
-              </a:rPr>
-              <a:t>p</a:t>
-            </a:r>
-            <a:r>
-              <a:rPr lang="en-US" dirty="0" err="1" smtClean="0">
-                <a:solidFill>
-                  <a:schemeClr val="accent1">
-                    <a:lumMod val="50000"/>
-                  </a:schemeClr>
-                </a:solidFill>
-              </a:rPr>
-              <a:t>•</a:t>
-            </a:r>
-            <a:r>
-              <a:rPr lang="en-US" sz="4400" dirty="0" err="1" smtClean="0">
-                <a:solidFill>
-                  <a:schemeClr val="accent1">
-                    <a:lumMod val="50000"/>
-                  </a:schemeClr>
-                </a:solidFill>
-              </a:rPr>
-              <a:t>q</a:t>
-            </a:r>
-            <a:endParaRPr lang="en-US" sz="4400" dirty="0" smtClean="0">
-              <a:solidFill>
-                <a:schemeClr val="accent1">
-                  <a:lumMod val="50000"/>
-                </a:schemeClr>
-              </a:solidFill>
-            </a:endParaRPr>
-          </a:p>
-          <a:p>
-            <a:pPr marL="609600" indent="-609600" eaLnBrk="1" hangingPunct="1"/>
-            <a:r>
-              <a:rPr lang="en-US" sz="4400" dirty="0" smtClean="0"/>
-              <a:t>selects</a:t>
-            </a:r>
-            <a:r>
-              <a:rPr lang="en-US" sz="4400" dirty="0" smtClean="0">
-                <a:solidFill>
-                  <a:srgbClr val="3333CC"/>
-                </a:solidFill>
-              </a:rPr>
-              <a:t> e </a:t>
-            </a:r>
-            <a:r>
-              <a:rPr lang="en-US" sz="4400" dirty="0" smtClean="0">
-                <a:solidFill>
-                  <a:srgbClr val="008000"/>
-                </a:solidFill>
-              </a:rPr>
-              <a:t>rel. prime</a:t>
-            </a:r>
-            <a:r>
-              <a:rPr lang="en-US" sz="4400" dirty="0" smtClean="0"/>
-              <a:t> to</a:t>
-            </a:r>
-            <a:r>
-              <a:rPr lang="en-US" sz="4400" dirty="0" smtClean="0">
-                <a:solidFill>
-                  <a:schemeClr val="accent1">
-                    <a:lumMod val="50000"/>
-                  </a:schemeClr>
-                </a:solidFill>
-              </a:rPr>
-              <a:t> (p-1)(q-1)</a:t>
-            </a:r>
-          </a:p>
-          <a:p>
-            <a:pPr marL="609600" indent="-609600" eaLnBrk="1" hangingPunct="1"/>
-            <a:r>
-              <a:rPr lang="en-US" sz="4400" dirty="0" smtClean="0"/>
-              <a:t>(</a:t>
-            </a:r>
-            <a:r>
-              <a:rPr lang="en-US" sz="4400" dirty="0" smtClean="0">
-                <a:solidFill>
-                  <a:schemeClr val="accent1">
-                    <a:lumMod val="50000"/>
-                  </a:schemeClr>
-                </a:solidFill>
-              </a:rPr>
-              <a:t>e, n</a:t>
-            </a:r>
-            <a:r>
-              <a:rPr lang="en-US" sz="4400" dirty="0" smtClean="0"/>
-              <a:t>) ::=  </a:t>
-            </a:r>
-            <a:r>
-              <a:rPr lang="en-US" sz="4400" dirty="0" smtClean="0">
-                <a:solidFill>
-                  <a:srgbClr val="FF00FF"/>
-                </a:solidFill>
-              </a:rPr>
-              <a:t>public key</a:t>
-            </a:r>
-            <a:r>
-              <a:rPr lang="en-US" sz="4400" dirty="0" smtClean="0"/>
-              <a:t>, publishes it</a:t>
-            </a:r>
-          </a:p>
-          <a:p>
-            <a:pPr marL="609600" indent="-609600" eaLnBrk="1" hangingPunct="1"/>
-            <a:r>
-              <a:rPr lang="en-US" sz="4400" dirty="0" smtClean="0"/>
-              <a:t>finds </a:t>
-            </a:r>
-            <a:endParaRPr lang="en-US" sz="4400" dirty="0" smtClean="0">
-              <a:solidFill>
-                <a:srgbClr val="3333CC"/>
-              </a:solidFill>
-            </a:endParaRPr>
-          </a:p>
-          <a:p>
-            <a:pPr marL="609600" indent="-609600" eaLnBrk="1" hangingPunct="1"/>
-            <a:r>
-              <a:rPr lang="en-US" sz="4400" dirty="0" smtClean="0">
-                <a:solidFill>
-                  <a:srgbClr val="3333CC"/>
-                </a:solidFill>
-              </a:rPr>
-              <a:t>d </a:t>
-            </a:r>
-            <a:r>
-              <a:rPr lang="en-US" sz="4400" dirty="0" smtClean="0"/>
-              <a:t> is </a:t>
-            </a:r>
-            <a:r>
-              <a:rPr lang="en-US" sz="4400" dirty="0" smtClean="0">
-                <a:solidFill>
-                  <a:srgbClr val="FF00FF"/>
-                </a:solidFill>
-              </a:rPr>
-              <a:t>private key</a:t>
-            </a:r>
-            <a:r>
-              <a:rPr lang="en-US" sz="4400" dirty="0" smtClean="0"/>
-              <a:t>, keeps hidden</a:t>
-            </a:r>
-          </a:p>
-        </p:txBody>
-      </p:sp>
-      <p:graphicFrame>
-        <p:nvGraphicFramePr>
-          <p:cNvPr id="2" name="Object 1"/>
-          <p:cNvGraphicFramePr>
-            <a:graphicFrameLocks noChangeAspect="1"/>
-          </p:cNvGraphicFramePr>
-          <p:nvPr>
-            <p:extLst>
-              <p:ext uri="{D42A27DB-BD31-4B8C-83A1-F6EECF244321}">
-                <p14:modId xmlns:p14="http://schemas.microsoft.com/office/powerpoint/2010/main" val="432292425"/>
-              </p:ext>
-            </p:extLst>
-          </p:nvPr>
-        </p:nvGraphicFramePr>
-        <p:xfrm>
-          <a:off x="1905000" y="4028743"/>
-          <a:ext cx="5441487" cy="1152857"/>
-        </p:xfrm>
-        <a:graphic>
-          <a:graphicData uri="http://schemas.openxmlformats.org/presentationml/2006/ole">
-            <mc:AlternateContent xmlns:mc="http://schemas.openxmlformats.org/markup-compatibility/2006">
-              <mc:Choice xmlns:v="urn:schemas-microsoft-com:vml" Requires="v">
-                <p:oleObj spid="_x0000_s2055" name="Equation" r:id="rId4" imgW="1498600" imgH="317500" progId="Equation.DSMT4">
-                  <p:embed/>
-                </p:oleObj>
-              </mc:Choice>
-              <mc:Fallback>
-                <p:oleObj name="Equation" r:id="rId4" imgW="1498600" imgH="317500" progId="Equation.DSMT4">
-                  <p:embed/>
-                  <p:pic>
-                    <p:nvPicPr>
-                      <p:cNvPr id="0" name=""/>
-                      <p:cNvPicPr/>
-                      <p:nvPr/>
-                    </p:nvPicPr>
-                    <p:blipFill>
-                      <a:blip r:embed="rId5"/>
-                      <a:stretch>
-                        <a:fillRect/>
-                      </a:stretch>
-                    </p:blipFill>
-                    <p:spPr>
-                      <a:xfrm>
-                        <a:off x="1905000" y="4028743"/>
-                        <a:ext cx="5441487" cy="1152857"/>
-                      </a:xfrm>
-                      <a:prstGeom prst="rect">
-                        <a:avLst/>
-                      </a:prstGeom>
-                    </p:spPr>
-                  </p:pic>
-                </p:oleObj>
-              </mc:Fallback>
-            </mc:AlternateContent>
-          </a:graphicData>
-        </a:graphic>
-      </p:graphicFrame>
-    </p:spTree>
-  </p:cSld>
-  <p:clrMapOvr>
-    <a:masterClrMapping/>
-  </p:clrMapOvr>
-  <p:transition xmlns:p14="http://schemas.microsoft.com/office/powerpoint/2010/main" spd="slow">
-    <p:fade thruBlk="1"/>
-  </p:transition>
-  <p:timing>
-    <p:tnLst>
-      <p:par>
-        <p:cTn xmlns:p14="http://schemas.microsoft.com/office/powerpoint/2010/main" id="1" dur="indefinite" restart="never" nodeType="tmRoot">
-          <p:childTnLst>
-            <p:seq concurrent="1" nextAc="seek">
-              <p:cTn id="2" dur="indefinite" nodeType="mainSeq">
-                <p:childTnLst>
-                  <p:par>
-                    <p:cTn id="3" fill="hold">
-                      <p:stCondLst>
-                        <p:cond delay="indefinite"/>
-                      </p:stCondLst>
-                      <p:childTnLst>
-                        <p:par>
-                          <p:cTn id="4" fill="hold">
-                            <p:stCondLst>
-                              <p:cond delay="0"/>
-                            </p:stCondLst>
-                            <p:childTnLst>
-                              <p:par>
-                                <p:cTn id="5" presetID="10" presetClass="entr" presetSubtype="0" fill="hold" grpId="0" nodeType="clickEffect">
-                                  <p:stCondLst>
-                                    <p:cond delay="0"/>
-                                  </p:stCondLst>
-                                  <p:childTnLst>
-                                    <p:set>
-                                      <p:cBhvr>
-                                        <p:cTn id="6" dur="1" fill="hold">
-                                          <p:stCondLst>
-                                            <p:cond delay="0"/>
-                                          </p:stCondLst>
-                                        </p:cTn>
-                                        <p:tgtEl>
-                                          <p:spTgt spid="390147">
-                                            <p:txEl>
-                                              <p:pRg st="0" end="0"/>
-                                            </p:txEl>
-                                          </p:spTgt>
-                                        </p:tgtEl>
-                                        <p:attrNameLst>
-                                          <p:attrName>style.visibility</p:attrName>
-                                        </p:attrNameLst>
-                                      </p:cBhvr>
-                                      <p:to>
-                                        <p:strVal val="visible"/>
-                                      </p:to>
-                                    </p:set>
-                                    <p:animEffect transition="in" filter="fade">
-                                      <p:cBhvr>
-                                        <p:cTn id="7" dur="500"/>
-                                        <p:tgtEl>
-                                          <p:spTgt spid="390147">
-                                            <p:txEl>
-                                              <p:pRg st="0" end="0"/>
-                                            </p:txEl>
-                                          </p:spTgt>
-                                        </p:tgtEl>
-                                      </p:cBhvr>
-                                    </p:animEffect>
-                                  </p:childTnLst>
-                                </p:cTn>
-                              </p:par>
-                            </p:childTnLst>
-                          </p:cTn>
-                        </p:par>
-                      </p:childTnLst>
-                    </p:cTn>
-                  </p:par>
-                  <p:par>
-                    <p:cTn id="8" fill="hold">
-                      <p:stCondLst>
-                        <p:cond delay="indefinite"/>
-                      </p:stCondLst>
-                      <p:childTnLst>
-                        <p:par>
-                          <p:cTn id="9" fill="hold">
-                            <p:stCondLst>
-                              <p:cond delay="0"/>
-                            </p:stCondLst>
-                            <p:childTnLst>
-                              <p:par>
-                                <p:cTn id="10" presetID="10" presetClass="entr" presetSubtype="0" fill="hold" grpId="0" nodeType="clickEffect">
-                                  <p:stCondLst>
-                                    <p:cond delay="0"/>
-                                  </p:stCondLst>
-                                  <p:childTnLst>
-                                    <p:set>
-                                      <p:cBhvr>
-                                        <p:cTn id="11" dur="1" fill="hold">
-                                          <p:stCondLst>
-                                            <p:cond delay="0"/>
-                                          </p:stCondLst>
-                                        </p:cTn>
-                                        <p:tgtEl>
-                                          <p:spTgt spid="390147">
-                                            <p:txEl>
-                                              <p:pRg st="1" end="1"/>
-                                            </p:txEl>
-                                          </p:spTgt>
-                                        </p:tgtEl>
-                                        <p:attrNameLst>
-                                          <p:attrName>style.visibility</p:attrName>
-                                        </p:attrNameLst>
-                                      </p:cBhvr>
-                                      <p:to>
-                                        <p:strVal val="visible"/>
-                                      </p:to>
-                                    </p:set>
-                                    <p:animEffect transition="in" filter="fade">
-                                      <p:cBhvr>
-                                        <p:cTn id="12" dur="500"/>
-                                        <p:tgtEl>
-                                          <p:spTgt spid="390147">
-                                            <p:txEl>
-                                              <p:pRg st="1" end="1"/>
-                                            </p:txEl>
-                                          </p:spTgt>
-                                        </p:tgtEl>
-                                      </p:cBhvr>
-                                    </p:animEffect>
-                                  </p:childTnLst>
-                                </p:cTn>
-                              </p:par>
-                            </p:childTnLst>
-                          </p:cTn>
-                        </p:par>
-                      </p:childTnLst>
-                    </p:cTn>
-                  </p:par>
-                  <p:par>
-                    <p:cTn id="13" fill="hold">
-                      <p:stCondLst>
-                        <p:cond delay="indefinite"/>
-                      </p:stCondLst>
-                      <p:childTnLst>
-                        <p:par>
-                          <p:cTn id="14" fill="hold">
-                            <p:stCondLst>
-                              <p:cond delay="0"/>
-                            </p:stCondLst>
-                            <p:childTnLst>
-                              <p:par>
-                                <p:cTn id="15" presetID="10" presetClass="entr" presetSubtype="0" fill="hold" grpId="0" nodeType="clickEffect">
-                                  <p:stCondLst>
-                                    <p:cond delay="0"/>
-                                  </p:stCondLst>
-                                  <p:childTnLst>
-                                    <p:set>
-                                      <p:cBhvr>
-                                        <p:cTn id="16" dur="1" fill="hold">
-                                          <p:stCondLst>
-                                            <p:cond delay="0"/>
-                                          </p:stCondLst>
-                                        </p:cTn>
-                                        <p:tgtEl>
-                                          <p:spTgt spid="390147">
-                                            <p:txEl>
-                                              <p:pRg st="2" end="2"/>
-                                            </p:txEl>
-                                          </p:spTgt>
-                                        </p:tgtEl>
-                                        <p:attrNameLst>
-                                          <p:attrName>style.visibility</p:attrName>
-                                        </p:attrNameLst>
-                                      </p:cBhvr>
-                                      <p:to>
-                                        <p:strVal val="visible"/>
-                                      </p:to>
-                                    </p:set>
-                                    <p:animEffect transition="in" filter="fade">
-                                      <p:cBhvr>
-                                        <p:cTn id="17" dur="500"/>
-                                        <p:tgtEl>
-                                          <p:spTgt spid="390147">
-                                            <p:txEl>
-                                              <p:pRg st="2" end="2"/>
-                                            </p:txEl>
-                                          </p:spTgt>
-                                        </p:tgtEl>
-                                      </p:cBhvr>
-                                    </p:animEffect>
-                                  </p:childTnLst>
-                                </p:cTn>
-                              </p:par>
-                            </p:childTnLst>
-                          </p:cTn>
-                        </p:par>
-                      </p:childTnLst>
-                    </p:cTn>
-                  </p:par>
-                  <p:par>
-                    <p:cTn id="18" fill="hold">
-                      <p:stCondLst>
-                        <p:cond delay="indefinite"/>
-                      </p:stCondLst>
-                      <p:childTnLst>
-                        <p:par>
-                          <p:cTn id="19" fill="hold">
-                            <p:stCondLst>
-                              <p:cond delay="0"/>
-                            </p:stCondLst>
-                            <p:childTnLst>
-                              <p:par>
-                                <p:cTn id="20" presetID="10" presetClass="entr" presetSubtype="0" fill="hold" grpId="0" nodeType="clickEffect">
-                                  <p:stCondLst>
-                                    <p:cond delay="0"/>
-                                  </p:stCondLst>
-                                  <p:childTnLst>
-                                    <p:set>
-                                      <p:cBhvr>
-                                        <p:cTn id="21" dur="1" fill="hold">
-                                          <p:stCondLst>
-                                            <p:cond delay="0"/>
-                                          </p:stCondLst>
-                                        </p:cTn>
-                                        <p:tgtEl>
-                                          <p:spTgt spid="390147">
-                                            <p:txEl>
-                                              <p:pRg st="3" end="3"/>
-                                            </p:txEl>
-                                          </p:spTgt>
-                                        </p:tgtEl>
-                                        <p:attrNameLst>
-                                          <p:attrName>style.visibility</p:attrName>
-                                        </p:attrNameLst>
-                                      </p:cBhvr>
-                                      <p:to>
-                                        <p:strVal val="visible"/>
-                                      </p:to>
-                                    </p:set>
-                                    <p:animEffect transition="in" filter="fade">
-                                      <p:cBhvr>
-                                        <p:cTn id="22" dur="500"/>
-                                        <p:tgtEl>
-                                          <p:spTgt spid="390147">
-                                            <p:txEl>
-                                              <p:pRg st="3" end="3"/>
-                                            </p:txEl>
-                                          </p:spTgt>
-                                        </p:tgtEl>
-                                      </p:cBhvr>
-                                    </p:animEffect>
-                                  </p:childTnLst>
-                                </p:cTn>
-                              </p:par>
-                            </p:childTnLst>
-                          </p:cTn>
-                        </p:par>
-                      </p:childTnLst>
-                    </p:cTn>
-                  </p:par>
-                  <p:par>
-                    <p:cTn id="23" fill="hold">
-                      <p:stCondLst>
-                        <p:cond delay="indefinite"/>
-                      </p:stCondLst>
-                      <p:childTnLst>
-                        <p:par>
-                          <p:cTn id="24" fill="hold">
-                            <p:stCondLst>
-                              <p:cond delay="0"/>
-                            </p:stCondLst>
-                            <p:childTnLst>
-                              <p:par>
-                                <p:cTn id="25" presetID="10" presetClass="entr" presetSubtype="0" fill="hold" grpId="0" nodeType="clickEffect">
-                                  <p:stCondLst>
-                                    <p:cond delay="0"/>
-                                  </p:stCondLst>
-                                  <p:childTnLst>
-                                    <p:set>
-                                      <p:cBhvr>
-                                        <p:cTn id="26" dur="1" fill="hold">
-                                          <p:stCondLst>
-                                            <p:cond delay="0"/>
-                                          </p:stCondLst>
-                                        </p:cTn>
-                                        <p:tgtEl>
-                                          <p:spTgt spid="390147">
-                                            <p:txEl>
-                                              <p:pRg st="4" end="4"/>
-                                            </p:txEl>
-                                          </p:spTgt>
-                                        </p:tgtEl>
-                                        <p:attrNameLst>
-                                          <p:attrName>style.visibility</p:attrName>
-                                        </p:attrNameLst>
-                                      </p:cBhvr>
-                                      <p:to>
-                                        <p:strVal val="visible"/>
-                                      </p:to>
-                                    </p:set>
-                                    <p:animEffect transition="in" filter="fade">
-                                      <p:cBhvr>
-                                        <p:cTn id="27" dur="500"/>
-                                        <p:tgtEl>
-                                          <p:spTgt spid="390147">
-                                            <p:txEl>
-                                              <p:pRg st="4" end="4"/>
-                                            </p:txEl>
-                                          </p:spTgt>
-                                        </p:tgtEl>
-                                      </p:cBhvr>
-                                    </p:animEffect>
-                                  </p:childTnLst>
-                                </p:cTn>
-                              </p:par>
-                            </p:childTnLst>
-                          </p:cTn>
-                        </p:par>
-                        <p:par>
-                          <p:cTn id="28" fill="hold">
-                            <p:stCondLst>
-                              <p:cond delay="500"/>
-                            </p:stCondLst>
-                            <p:childTnLst>
-                              <p:par>
-                                <p:cTn id="29" presetID="22" presetClass="entr" presetSubtype="8" fill="hold" nodeType="afterEffect">
-                                  <p:stCondLst>
-                                    <p:cond delay="0"/>
-                                  </p:stCondLst>
-                                  <p:childTnLst>
-                                    <p:set>
-                                      <p:cBhvr>
-                                        <p:cTn id="30" dur="1" fill="hold">
-                                          <p:stCondLst>
-                                            <p:cond delay="0"/>
-                                          </p:stCondLst>
-                                        </p:cTn>
-                                        <p:tgtEl>
-                                          <p:spTgt spid="2"/>
-                                        </p:tgtEl>
-                                        <p:attrNameLst>
-                                          <p:attrName>style.visibility</p:attrName>
-                                        </p:attrNameLst>
-                                      </p:cBhvr>
-                                      <p:to>
-                                        <p:strVal val="visible"/>
-                                      </p:to>
-                                    </p:set>
-                                    <p:animEffect transition="in" filter="wipe(left)">
-                                      <p:cBhvr>
-                                        <p:cTn id="31" dur="1000"/>
-                                        <p:tgtEl>
-                                          <p:spTgt spid="2"/>
-                                        </p:tgtEl>
-                                      </p:cBhvr>
-                                    </p:animEffect>
-                                  </p:childTnLst>
-                                </p:cTn>
-                              </p:par>
-                            </p:childTnLst>
-                          </p:cTn>
-                        </p:par>
-                      </p:childTnLst>
-                    </p:cTn>
-                  </p:par>
-                  <p:par>
-                    <p:cTn id="32" fill="hold">
-                      <p:stCondLst>
-                        <p:cond delay="indefinite"/>
-                      </p:stCondLst>
-                      <p:childTnLst>
-                        <p:par>
-                          <p:cTn id="33" fill="hold">
-                            <p:stCondLst>
-                              <p:cond delay="0"/>
-                            </p:stCondLst>
-                            <p:childTnLst>
-                              <p:par>
-                                <p:cTn id="34" presetID="10" presetClass="entr" presetSubtype="0" fill="hold" grpId="0" nodeType="clickEffect">
-                                  <p:stCondLst>
-                                    <p:cond delay="0"/>
-                                  </p:stCondLst>
-                                  <p:childTnLst>
-                                    <p:set>
-                                      <p:cBhvr>
-                                        <p:cTn id="35" dur="1" fill="hold">
-                                          <p:stCondLst>
-                                            <p:cond delay="0"/>
-                                          </p:stCondLst>
-                                        </p:cTn>
-                                        <p:tgtEl>
-                                          <p:spTgt spid="390147">
-                                            <p:txEl>
-                                              <p:pRg st="5" end="5"/>
-                                            </p:txEl>
-                                          </p:spTgt>
-                                        </p:tgtEl>
-                                        <p:attrNameLst>
-                                          <p:attrName>style.visibility</p:attrName>
-                                        </p:attrNameLst>
-                                      </p:cBhvr>
-                                      <p:to>
-                                        <p:strVal val="visible"/>
-                                      </p:to>
-                                    </p:set>
-                                    <p:animEffect transition="in" filter="fade">
-                                      <p:cBhvr>
-                                        <p:cTn id="36" dur="500"/>
-                                        <p:tgtEl>
-                                          <p:spTgt spid="390147">
-                                            <p:txEl>
-                                              <p:pRg st="5" end="5"/>
-                                            </p:txEl>
-                                          </p:spTgt>
-                                        </p:tgtEl>
-                                      </p:cBhvr>
-                                    </p:animEffect>
-                                  </p:childTnLst>
-                                </p:cTn>
-                              </p:par>
-                            </p:childTnLst>
-                          </p:cTn>
-                        </p:par>
-                      </p:childTnLst>
-                    </p:cTn>
-                  </p:par>
-                </p:childTnLst>
-              </p:cTn>
-              <p:prevCondLst>
-                <p:cond evt="onPrev" delay="0">
-                  <p:tgtEl>
-                    <p:sldTgt/>
-                  </p:tgtEl>
-                </p:cond>
-              </p:prevCondLst>
-              <p:nextCondLst>
-                <p:cond evt="onNext" delay="0">
-                  <p:tgtEl>
-                    <p:sldTgt/>
-                  </p:tgtEl>
-                </p:cond>
-              </p:nextCondLst>
-            </p:seq>
-          </p:childTnLst>
-        </p:cTn>
-      </p:par>
-    </p:tnLst>
-    <p:bldLst>
-      <p:bldP spid="390147" grpId="0" build="p"/>
-    </p:bldLst>
-  </p:timing>
-</p:sld>
-</file>
-
-<file path=ppt/slides/slide4.xml><?xml version="1.0" encoding="utf-8"?>
-<p:sld xmlns:a="http://schemas.openxmlformats.org/drawingml/2006/main" xmlns:r="http://schemas.openxmlformats.org/officeDocument/2006/relationships" xmlns:p="http://schemas.openxmlformats.org/presentationml/2006/main">
-  <p:cSld>
-    <p:spTree>
-      <p:nvGrpSpPr>
-        <p:cNvPr id="1" name=""/>
-        <p:cNvGrpSpPr/>
-        <p:nvPr/>
-      </p:nvGrpSpPr>
-      <p:grpSpPr>
-        <a:xfrm>
-          <a:off x="0" y="0"/>
-          <a:ext cx="0" cy="0"/>
-          <a:chOff x="0" y="0"/>
-          <a:chExt cx="0" cy="0"/>
-        </a:xfrm>
-      </p:grpSpPr>
-      <p:graphicFrame>
-        <p:nvGraphicFramePr>
-          <p:cNvPr id="3" name="Object 2"/>
-          <p:cNvGraphicFramePr>
-            <a:graphicFrameLocks noChangeAspect="1"/>
-          </p:cNvGraphicFramePr>
-          <p:nvPr>
-            <p:extLst>
-              <p:ext uri="{D42A27DB-BD31-4B8C-83A1-F6EECF244321}">
-                <p14:modId xmlns:p14="http://schemas.microsoft.com/office/powerpoint/2010/main" val="1833768222"/>
-              </p:ext>
-            </p:extLst>
-          </p:nvPr>
-        </p:nvGraphicFramePr>
-        <p:xfrm>
-          <a:off x="3657600" y="4724400"/>
-          <a:ext cx="4487862" cy="1638300"/>
-        </p:xfrm>
-        <a:graphic>
-          <a:graphicData uri="http://schemas.openxmlformats.org/presentationml/2006/ole">
-            <mc:AlternateContent xmlns:mc="http://schemas.openxmlformats.org/markup-compatibility/2006">
-              <mc:Choice xmlns:v="urn:schemas-microsoft-com:vml" Requires="v">
-                <p:oleObj spid="_x0000_s1039" name="Equation" r:id="rId4" imgW="800100" imgH="292100" progId="Equation.DSMT4">
-                  <p:embed/>
-                </p:oleObj>
-              </mc:Choice>
-              <mc:Fallback>
-                <p:oleObj name="Equation" r:id="rId4" imgW="800100" imgH="292100" progId="Equation.DSMT4">
-                  <p:embed/>
-                  <p:pic>
-                    <p:nvPicPr>
-                      <p:cNvPr id="0" name=""/>
-                      <p:cNvPicPr/>
-                      <p:nvPr/>
-                    </p:nvPicPr>
-                    <p:blipFill>
-                      <a:blip r:embed="rId5"/>
-                      <a:stretch>
-                        <a:fillRect/>
-                      </a:stretch>
-                    </p:blipFill>
-                    <p:spPr>
-                      <a:xfrm>
-                        <a:off x="3657600" y="4724400"/>
-                        <a:ext cx="4487862" cy="1638300"/>
-                      </a:xfrm>
-                      <a:prstGeom prst="rect">
-                        <a:avLst/>
-                      </a:prstGeom>
-                    </p:spPr>
-                  </p:pic>
-                </p:oleObj>
-              </mc:Fallback>
-            </mc:AlternateContent>
-          </a:graphicData>
-        </a:graphic>
-      </p:graphicFrame>
-      <p:sp>
-        <p:nvSpPr>
-          <p:cNvPr id="5" name="Slide Number Placeholder 3"/>
-          <p:cNvSpPr>
-            <a:spLocks noGrp="1"/>
-          </p:cNvSpPr>
-          <p:nvPr>
-            <p:ph type="sldNum" sz="quarter" idx="4"/>
-          </p:nvPr>
-        </p:nvSpPr>
-        <p:spPr>
-          <a:xfrm>
-            <a:off x="6477000" y="6553200"/>
-            <a:ext cx="2667000" cy="307777"/>
-          </a:xfrm>
-        </p:spPr>
-        <p:txBody>
-          <a:bodyPr/>
-          <a:lstStyle/>
-          <a:p>
-            <a:pPr>
-              <a:defRPr/>
-            </a:pPr>
-            <a:r>
-              <a:rPr lang="en-US" dirty="0" smtClean="0"/>
-              <a:t>RSA.</a:t>
-            </a:r>
-            <a:fld id="{2E667B6B-E035-4178-9988-2F3A62346836}" type="slidenum">
-              <a:rPr lang="en-US" smtClean="0"/>
-              <a:pPr>
-                <a:defRPr/>
-              </a:pPr>
-              <a:t>4</a:t>
-            </a:fld>
-            <a:endParaRPr lang="en-US" dirty="0"/>
-          </a:p>
-        </p:txBody>
-      </p:sp>
-      <p:sp>
-        <p:nvSpPr>
-          <p:cNvPr id="17411" name="Rectangle 2"/>
-          <p:cNvSpPr>
-            <a:spLocks noGrp="1" noChangeArrowheads="1"/>
-          </p:cNvSpPr>
-          <p:nvPr>
-            <p:ph type="title"/>
-          </p:nvPr>
-        </p:nvSpPr>
-        <p:spPr/>
-        <p:txBody>
-          <a:bodyPr/>
-          <a:lstStyle/>
-          <a:p>
-            <a:pPr eaLnBrk="1" hangingPunct="1"/>
-            <a:r>
-              <a:rPr lang="en-US" sz="4800" smtClean="0"/>
-              <a:t>RSA</a:t>
-            </a:r>
-          </a:p>
-        </p:txBody>
-      </p:sp>
-      <p:sp>
-        <p:nvSpPr>
-          <p:cNvPr id="391171" name="Rectangle 3"/>
-          <p:cNvSpPr>
-            <a:spLocks noGrp="1" noChangeArrowheads="1"/>
-          </p:cNvSpPr>
-          <p:nvPr>
-            <p:ph type="body" idx="1"/>
-          </p:nvPr>
-        </p:nvSpPr>
-        <p:spPr>
-          <a:xfrm>
-            <a:off x="152400" y="1066800"/>
-            <a:ext cx="8839200" cy="4965700"/>
-          </a:xfrm>
-        </p:spPr>
-        <p:txBody>
-          <a:bodyPr/>
-          <a:lstStyle/>
-          <a:p>
-            <a:pPr eaLnBrk="1" hangingPunct="1"/>
-            <a:r>
-              <a:rPr lang="en-US" sz="5400" dirty="0" smtClean="0"/>
-              <a:t>Encoding message </a:t>
-            </a:r>
-            <a:r>
-              <a:rPr lang="en-US" sz="5400" dirty="0" smtClean="0">
-                <a:solidFill>
-                  <a:schemeClr val="accent5">
-                    <a:lumMod val="50000"/>
-                  </a:schemeClr>
-                </a:solidFill>
-              </a:rPr>
-              <a:t>m</a:t>
-            </a:r>
-            <a:r>
-              <a:rPr lang="en-US" sz="5400" dirty="0" smtClean="0">
-                <a:solidFill>
-                  <a:schemeClr val="accent5">
-                    <a:lumMod val="50000"/>
-                  </a:schemeClr>
-                </a:solidFill>
-                <a:latin typeface="Symbol" charset="2"/>
-                <a:cs typeface="Symbol" charset="2"/>
-              </a:rPr>
-              <a:t>∈</a:t>
-            </a:r>
-            <a:r>
-              <a:rPr lang="en-US" sz="5400" dirty="0" smtClean="0">
-                <a:solidFill>
-                  <a:schemeClr val="accent5">
-                    <a:lumMod val="50000"/>
-                  </a:schemeClr>
-                </a:solidFill>
-                <a:latin typeface="Comic Sans MS"/>
-                <a:cs typeface="Comic Sans MS"/>
-              </a:rPr>
-              <a:t>[1,n)</a:t>
-            </a:r>
-            <a:endParaRPr lang="en-US" sz="5400" dirty="0" smtClean="0">
-              <a:latin typeface="Comic Sans MS"/>
-              <a:cs typeface="Comic Sans MS"/>
-            </a:endParaRPr>
-          </a:p>
-          <a:p>
-            <a:pPr eaLnBrk="1" hangingPunct="1">
-              <a:buFontTx/>
-              <a:buNone/>
-            </a:pPr>
-            <a:r>
-              <a:rPr lang="en-US" sz="4400" dirty="0" smtClean="0"/>
-              <a:t>       </a:t>
-            </a:r>
-            <a:r>
-              <a:rPr lang="en-US" sz="5400" dirty="0" smtClean="0"/>
-              <a:t>send </a:t>
-            </a:r>
-            <a:endParaRPr lang="en-US" sz="5400" dirty="0" smtClean="0">
-              <a:solidFill>
-                <a:schemeClr val="accent5">
-                  <a:lumMod val="50000"/>
-                </a:schemeClr>
-              </a:solidFill>
-            </a:endParaRPr>
-          </a:p>
-          <a:p>
-            <a:pPr eaLnBrk="1" hangingPunct="1"/>
-            <a:r>
-              <a:rPr lang="en-US" sz="5400" dirty="0" smtClean="0"/>
-              <a:t>Decoding </a:t>
-            </a:r>
-            <a:r>
-              <a:rPr lang="en-US" sz="5400" dirty="0" smtClean="0">
-                <a:solidFill>
-                  <a:schemeClr val="accent5">
-                    <a:lumMod val="50000"/>
-                  </a:schemeClr>
-                </a:solidFill>
-              </a:rPr>
-              <a:t>m^</a:t>
-            </a:r>
-            <a:r>
-              <a:rPr lang="en-US" sz="5400" dirty="0" smtClean="0"/>
-              <a:t>: </a:t>
-            </a:r>
-          </a:p>
-          <a:p>
-            <a:pPr eaLnBrk="1" hangingPunct="1">
-              <a:buFontTx/>
-              <a:buNone/>
-            </a:pPr>
-            <a:r>
-              <a:rPr lang="en-US" sz="5400" dirty="0" smtClean="0"/>
-              <a:t>  receiver computes</a:t>
-            </a:r>
-          </a:p>
-          <a:p>
-            <a:pPr eaLnBrk="1" hangingPunct="1">
-              <a:buFontTx/>
-              <a:buNone/>
-            </a:pPr>
-            <a:r>
-              <a:rPr lang="en-US" sz="5400" dirty="0" smtClean="0">
-                <a:solidFill>
-                  <a:srgbClr val="3333CC"/>
-                </a:solidFill>
-              </a:rPr>
-              <a:t>        </a:t>
-            </a:r>
-            <a:endParaRPr lang="en-US" sz="5400" dirty="0" smtClean="0">
-              <a:solidFill>
-                <a:schemeClr val="accent5">
-                  <a:lumMod val="50000"/>
-                </a:schemeClr>
-              </a:solidFill>
-            </a:endParaRPr>
-          </a:p>
-        </p:txBody>
-      </p:sp>
-      <p:sp>
-        <p:nvSpPr>
-          <p:cNvPr id="391172" name="Text Box 4"/>
-          <p:cNvSpPr txBox="1">
-            <a:spLocks noChangeArrowheads="1"/>
-          </p:cNvSpPr>
-          <p:nvPr/>
-        </p:nvSpPr>
-        <p:spPr bwMode="auto">
-          <a:xfrm>
-            <a:off x="1662476" y="4772561"/>
-            <a:ext cx="2225498" cy="1323439"/>
-          </a:xfrm>
-          <a:prstGeom prst="rect">
-            <a:avLst/>
-          </a:prstGeom>
-          <a:noFill/>
-          <a:ln w="9525">
-            <a:noFill/>
-            <a:miter lim="800000"/>
-            <a:headEnd/>
-            <a:tailEnd type="none" w="lg" len="lg"/>
-          </a:ln>
-        </p:spPr>
-        <p:txBody>
-          <a:bodyPr wrap="none">
-            <a:spAutoFit/>
-          </a:bodyPr>
-          <a:lstStyle/>
-          <a:p>
-            <a:r>
-              <a:rPr lang="en-US" sz="8000" dirty="0" smtClean="0">
-                <a:solidFill>
-                  <a:schemeClr val="accent5">
-                    <a:lumMod val="50000"/>
-                  </a:schemeClr>
-                </a:solidFill>
-                <a:latin typeface="Comic Sans MS" pitchFamily="66" charset="0"/>
-              </a:rPr>
-              <a:t>m </a:t>
-            </a:r>
-            <a:r>
-              <a:rPr lang="en-US" sz="7200" b="1" dirty="0" smtClean="0">
-                <a:solidFill>
-                  <a:srgbClr val="FF00FF"/>
-                </a:solidFill>
-                <a:latin typeface="Euclid Symbol" charset="2"/>
-                <a:cs typeface="Euclid Symbol" charset="2"/>
-              </a:rPr>
-              <a:t>=</a:t>
-            </a:r>
-            <a:endParaRPr lang="en-US" sz="7200" b="1" i="1" dirty="0">
-              <a:solidFill>
-                <a:srgbClr val="3333CC"/>
-              </a:solidFill>
-              <a:latin typeface="Euclid Symbol" charset="2"/>
-              <a:cs typeface="Euclid Symbol" charset="2"/>
-            </a:endParaRPr>
-          </a:p>
-        </p:txBody>
-      </p:sp>
-      <p:graphicFrame>
-        <p:nvGraphicFramePr>
-          <p:cNvPr id="2" name="Object 1"/>
-          <p:cNvGraphicFramePr>
-            <a:graphicFrameLocks noChangeAspect="1"/>
-          </p:cNvGraphicFramePr>
-          <p:nvPr>
-            <p:extLst>
-              <p:ext uri="{D42A27DB-BD31-4B8C-83A1-F6EECF244321}">
-                <p14:modId xmlns:p14="http://schemas.microsoft.com/office/powerpoint/2010/main" val="479663901"/>
-              </p:ext>
-            </p:extLst>
-          </p:nvPr>
-        </p:nvGraphicFramePr>
-        <p:xfrm>
-          <a:off x="3219450" y="1885950"/>
-          <a:ext cx="5086350" cy="1314450"/>
-        </p:xfrm>
-        <a:graphic>
-          <a:graphicData uri="http://schemas.openxmlformats.org/presentationml/2006/ole">
-            <mc:AlternateContent xmlns:mc="http://schemas.openxmlformats.org/markup-compatibility/2006">
-              <mc:Choice xmlns:v="urn:schemas-microsoft-com:vml" Requires="v">
-                <p:oleObj spid="_x0000_s1040" name="Equation" r:id="rId6" imgW="1130300" imgH="292100" progId="Equation.DSMT4">
-                  <p:embed/>
-                </p:oleObj>
-              </mc:Choice>
-              <mc:Fallback>
-                <p:oleObj name="Equation" r:id="rId6" imgW="1130300" imgH="292100" progId="Equation.DSMT4">
-                  <p:embed/>
-                  <p:pic>
-                    <p:nvPicPr>
-                      <p:cNvPr id="0" name=""/>
-                      <p:cNvPicPr/>
-                      <p:nvPr/>
-                    </p:nvPicPr>
-                    <p:blipFill>
-                      <a:blip r:embed="rId7"/>
-                      <a:stretch>
-                        <a:fillRect/>
-                      </a:stretch>
-                    </p:blipFill>
-                    <p:spPr>
-                      <a:xfrm>
-                        <a:off x="3219450" y="1885950"/>
-                        <a:ext cx="5086350" cy="1314450"/>
-                      </a:xfrm>
-                      <a:prstGeom prst="rect">
-                        <a:avLst/>
-                      </a:prstGeom>
-                    </p:spPr>
-                  </p:pic>
-                </p:oleObj>
-              </mc:Fallback>
-            </mc:AlternateContent>
-          </a:graphicData>
-        </a:graphic>
-      </p:graphicFrame>
-    </p:spTree>
-  </p:cSld>
-  <p:clrMapOvr>
-    <a:masterClrMapping/>
-  </p:clrMapOvr>
-  <p:transition xmlns:p14="http://schemas.microsoft.com/office/powerpoint/2010/main" spd="med">
-    <p:fade/>
-  </p:transition>
-  <p:timing>
-    <p:tnLst>
-      <p:par>
-        <p:cTn xmlns:p14="http://schemas.microsoft.com/office/powerpoint/2010/main" id="1" dur="indefinite" restart="never" nodeType="tmRoot">
-          <p:childTnLst>
-            <p:seq concurrent="1" nextAc="seek">
-              <p:cTn id="2" dur="indefinite" nodeType="mainSeq">
-                <p:childTnLst>
-                  <p:par>
-                    <p:cTn id="3" fill="hold">
-                      <p:stCondLst>
-                        <p:cond delay="indefinite"/>
-                      </p:stCondLst>
-                      <p:childTnLst>
-                        <p:par>
-                          <p:cTn id="4" fill="hold">
-                            <p:stCondLst>
-                              <p:cond delay="0"/>
-                            </p:stCondLst>
-                            <p:childTnLst>
-                              <p:par>
-                                <p:cTn id="5" presetID="9" presetClass="entr" presetSubtype="0" fill="hold" nodeType="clickEffect">
-                                  <p:stCondLst>
-                                    <p:cond delay="0"/>
-                                  </p:stCondLst>
-                                  <p:childTnLst>
-                                    <p:set>
-                                      <p:cBhvr>
-                                        <p:cTn id="6" dur="1" fill="hold">
-                                          <p:stCondLst>
-                                            <p:cond delay="0"/>
-                                          </p:stCondLst>
-                                        </p:cTn>
-                                        <p:tgtEl>
-                                          <p:spTgt spid="391171">
-                                            <p:txEl>
-                                              <p:pRg st="1" end="1"/>
-                                            </p:txEl>
-                                          </p:spTgt>
-                                        </p:tgtEl>
-                                        <p:attrNameLst>
-                                          <p:attrName>style.visibility</p:attrName>
-                                        </p:attrNameLst>
-                                      </p:cBhvr>
-                                      <p:to>
-                                        <p:strVal val="visible"/>
-                                      </p:to>
-                                    </p:set>
-                                    <p:animEffect transition="in" filter="dissolve">
-                                      <p:cBhvr>
-                                        <p:cTn id="7" dur="500"/>
-                                        <p:tgtEl>
-                                          <p:spTgt spid="391171">
-                                            <p:txEl>
-                                              <p:pRg st="1" end="1"/>
-                                            </p:txEl>
-                                          </p:spTgt>
-                                        </p:tgtEl>
-                                      </p:cBhvr>
-                                    </p:animEffect>
-                                  </p:childTnLst>
-                                </p:cTn>
-                              </p:par>
-                            </p:childTnLst>
-                          </p:cTn>
-                        </p:par>
-                        <p:par>
-                          <p:cTn id="8" fill="hold">
-                            <p:stCondLst>
-                              <p:cond delay="500"/>
-                            </p:stCondLst>
-                            <p:childTnLst>
-                              <p:par>
-                                <p:cTn id="9" presetID="22" presetClass="entr" presetSubtype="8" fill="hold" nodeType="afterEffect">
-                                  <p:stCondLst>
-                                    <p:cond delay="0"/>
-                                  </p:stCondLst>
-                                  <p:childTnLst>
-                                    <p:set>
-                                      <p:cBhvr>
-                                        <p:cTn id="10" dur="1" fill="hold">
-                                          <p:stCondLst>
-                                            <p:cond delay="0"/>
-                                          </p:stCondLst>
-                                        </p:cTn>
-                                        <p:tgtEl>
-                                          <p:spTgt spid="2"/>
-                                        </p:tgtEl>
-                                        <p:attrNameLst>
-                                          <p:attrName>style.visibility</p:attrName>
-                                        </p:attrNameLst>
-                                      </p:cBhvr>
-                                      <p:to>
-                                        <p:strVal val="visible"/>
-                                      </p:to>
-                                    </p:set>
-                                    <p:animEffect transition="in" filter="wipe(left)">
-                                      <p:cBhvr>
-                                        <p:cTn id="11" dur="1000"/>
-                                        <p:tgtEl>
-                                          <p:spTgt spid="2"/>
-                                        </p:tgtEl>
-                                      </p:cBhvr>
-                                    </p:animEffect>
-                                  </p:childTnLst>
-                                </p:cTn>
-                              </p:par>
-                            </p:childTnLst>
-                          </p:cTn>
-                        </p:par>
-                      </p:childTnLst>
-                    </p:cTn>
-                  </p:par>
-                  <p:par>
-                    <p:cTn id="12" fill="hold">
-                      <p:stCondLst>
-                        <p:cond delay="indefinite"/>
-                      </p:stCondLst>
-                      <p:childTnLst>
-                        <p:par>
-                          <p:cTn id="13" fill="hold">
-                            <p:stCondLst>
-                              <p:cond delay="0"/>
-                            </p:stCondLst>
-                            <p:childTnLst>
-                              <p:par>
-                                <p:cTn id="14" presetID="9" presetClass="entr" presetSubtype="0" fill="hold" nodeType="clickEffect">
-                                  <p:stCondLst>
-                                    <p:cond delay="0"/>
-                                  </p:stCondLst>
-                                  <p:childTnLst>
-                                    <p:set>
-                                      <p:cBhvr>
-                                        <p:cTn id="15" dur="1" fill="hold">
-                                          <p:stCondLst>
-                                            <p:cond delay="0"/>
-                                          </p:stCondLst>
-                                        </p:cTn>
-                                        <p:tgtEl>
-                                          <p:spTgt spid="391171">
-                                            <p:txEl>
-                                              <p:pRg st="2" end="2"/>
-                                            </p:txEl>
-                                          </p:spTgt>
-                                        </p:tgtEl>
-                                        <p:attrNameLst>
-                                          <p:attrName>style.visibility</p:attrName>
-                                        </p:attrNameLst>
-                                      </p:cBhvr>
-                                      <p:to>
-                                        <p:strVal val="visible"/>
-                                      </p:to>
-                                    </p:set>
-                                    <p:animEffect transition="in" filter="dissolve">
-                                      <p:cBhvr>
-                                        <p:cTn id="16" dur="500"/>
-                                        <p:tgtEl>
-                                          <p:spTgt spid="391171">
-                                            <p:txEl>
-                                              <p:pRg st="2" end="2"/>
-                                            </p:txEl>
-                                          </p:spTgt>
-                                        </p:tgtEl>
-                                      </p:cBhvr>
-                                    </p:animEffect>
-                                  </p:childTnLst>
-                                </p:cTn>
-                              </p:par>
-                            </p:childTnLst>
-                          </p:cTn>
-                        </p:par>
-                      </p:childTnLst>
-                    </p:cTn>
-                  </p:par>
-                  <p:par>
-                    <p:cTn id="17" fill="hold">
-                      <p:stCondLst>
-                        <p:cond delay="indefinite"/>
-                      </p:stCondLst>
-                      <p:childTnLst>
-                        <p:par>
-                          <p:cTn id="18" fill="hold">
-                            <p:stCondLst>
-                              <p:cond delay="0"/>
-                            </p:stCondLst>
-                            <p:childTnLst>
-                              <p:par>
-                                <p:cTn id="19" presetID="9" presetClass="entr" presetSubtype="0" fill="hold" nodeType="clickEffect">
-                                  <p:stCondLst>
-                                    <p:cond delay="0"/>
-                                  </p:stCondLst>
-                                  <p:childTnLst>
-                                    <p:set>
-                                      <p:cBhvr>
-                                        <p:cTn id="20" dur="1" fill="hold">
-                                          <p:stCondLst>
-                                            <p:cond delay="0"/>
-                                          </p:stCondLst>
-                                        </p:cTn>
-                                        <p:tgtEl>
-                                          <p:spTgt spid="391171">
-                                            <p:txEl>
-                                              <p:pRg st="3" end="3"/>
-                                            </p:txEl>
-                                          </p:spTgt>
-                                        </p:tgtEl>
-                                        <p:attrNameLst>
-                                          <p:attrName>style.visibility</p:attrName>
-                                        </p:attrNameLst>
-                                      </p:cBhvr>
-                                      <p:to>
-                                        <p:strVal val="visible"/>
-                                      </p:to>
-                                    </p:set>
-                                    <p:animEffect transition="in" filter="dissolve">
-                                      <p:cBhvr>
-                                        <p:cTn id="21" dur="500"/>
-                                        <p:tgtEl>
-                                          <p:spTgt spid="391171">
-                                            <p:txEl>
-                                              <p:pRg st="3" end="3"/>
-                                            </p:txEl>
-                                          </p:spTgt>
-                                        </p:tgtEl>
-                                      </p:cBhvr>
-                                    </p:animEffect>
-                                  </p:childTnLst>
-                                </p:cTn>
-                              </p:par>
-                            </p:childTnLst>
-                          </p:cTn>
-                        </p:par>
-                        <p:par>
-                          <p:cTn id="22" fill="hold">
-                            <p:stCondLst>
-                              <p:cond delay="500"/>
-                            </p:stCondLst>
-                            <p:childTnLst>
-                              <p:par>
-                                <p:cTn id="23" presetID="10" presetClass="entr" presetSubtype="0" fill="hold" nodeType="afterEffect">
-                                  <p:stCondLst>
-                                    <p:cond delay="0"/>
-                                  </p:stCondLst>
-                                  <p:childTnLst>
-                                    <p:set>
-                                      <p:cBhvr>
-                                        <p:cTn id="24" dur="1" fill="hold">
-                                          <p:stCondLst>
-                                            <p:cond delay="0"/>
-                                          </p:stCondLst>
-                                        </p:cTn>
-                                        <p:tgtEl>
-                                          <p:spTgt spid="3"/>
-                                        </p:tgtEl>
-                                        <p:attrNameLst>
-                                          <p:attrName>style.visibility</p:attrName>
-                                        </p:attrNameLst>
-                                      </p:cBhvr>
-                                      <p:to>
-                                        <p:strVal val="visible"/>
-                                      </p:to>
-                                    </p:set>
-                                    <p:animEffect transition="in" filter="fade">
-                                      <p:cBhvr>
-                                        <p:cTn id="25" dur="500"/>
-                                        <p:tgtEl>
-                                          <p:spTgt spid="3"/>
-                                        </p:tgtEl>
-                                      </p:cBhvr>
-                                    </p:animEffect>
-                                  </p:childTnLst>
-                                </p:cTn>
-                              </p:par>
-                            </p:childTnLst>
-                          </p:cTn>
-                        </p:par>
-                      </p:childTnLst>
-                    </p:cTn>
-                  </p:par>
-                  <p:par>
-                    <p:cTn id="26" fill="hold">
-                      <p:stCondLst>
-                        <p:cond delay="indefinite"/>
-                      </p:stCondLst>
-                      <p:childTnLst>
-                        <p:par>
-                          <p:cTn id="27" fill="hold">
-                            <p:stCondLst>
-                              <p:cond delay="0"/>
-                            </p:stCondLst>
-                            <p:childTnLst>
-                              <p:par>
-                                <p:cTn id="28" presetID="9" presetClass="entr" presetSubtype="0" fill="hold" grpId="0" nodeType="clickEffect">
-                                  <p:stCondLst>
-                                    <p:cond delay="0"/>
-                                  </p:stCondLst>
-                                  <p:childTnLst>
-                                    <p:set>
-                                      <p:cBhvr>
-                                        <p:cTn id="29" dur="1" fill="hold">
-                                          <p:stCondLst>
-                                            <p:cond delay="0"/>
-                                          </p:stCondLst>
-                                        </p:cTn>
-                                        <p:tgtEl>
-                                          <p:spTgt spid="391172"/>
-                                        </p:tgtEl>
-                                        <p:attrNameLst>
-                                          <p:attrName>style.visibility</p:attrName>
-                                        </p:attrNameLst>
-                                      </p:cBhvr>
-                                      <p:to>
-                                        <p:strVal val="visible"/>
-                                      </p:to>
-                                    </p:set>
-                                    <p:animEffect transition="in" filter="dissolve">
-                                      <p:cBhvr>
-                                        <p:cTn id="30" dur="500"/>
-                                        <p:tgtEl>
-                                          <p:spTgt spid="391172"/>
-                                        </p:tgtEl>
-                                      </p:cBhvr>
-                                    </p:animEffect>
-                                  </p:childTnLst>
-                                </p:cTn>
-                              </p:par>
-                            </p:childTnLst>
-                          </p:cTn>
-                        </p:par>
-                      </p:childTnLst>
-                    </p:cTn>
-                  </p:par>
-                </p:childTnLst>
-              </p:cTn>
-              <p:prevCondLst>
-                <p:cond evt="onPrev" delay="0">
-                  <p:tgtEl>
-                    <p:sldTgt/>
-                  </p:tgtEl>
-                </p:cond>
-              </p:prevCondLst>
-              <p:nextCondLst>
-                <p:cond evt="onNext" delay="0">
-                  <p:tgtEl>
-                    <p:sldTgt/>
-                  </p:tgtEl>
-                </p:cond>
-              </p:nextCondLst>
-            </p:seq>
-          </p:childTnLst>
-        </p:cTn>
-      </p:par>
-    </p:tnLst>
-    <p:bldLst>
-      <p:bldP spid="391172" grpId="0"/>
-    </p:bldLst>
-  </p:timing>
-</p:sld>
-</file>
-
-<file path=ppt/slides/slide5.xml><?xml version="1.0" encoding="utf-8"?>
-<p:sld xmlns:a="http://schemas.openxmlformats.org/drawingml/2006/main" xmlns:r="http://schemas.openxmlformats.org/officeDocument/2006/relationships" xmlns:p="http://schemas.openxmlformats.org/presentationml/2006/main">
-  <p:cSld>
-    <p:spTree>
-      <p:nvGrpSpPr>
-        <p:cNvPr id="1" name=""/>
-        <p:cNvGrpSpPr/>
-        <p:nvPr/>
-      </p:nvGrpSpPr>
-      <p:grpSpPr>
-        <a:xfrm>
-          <a:off x="0" y="0"/>
-          <a:ext cx="0" cy="0"/>
-          <a:chOff x="0" y="0"/>
-          <a:chExt cx="0" cy="0"/>
-        </a:xfrm>
-      </p:grpSpPr>
-      <p:sp>
-        <p:nvSpPr>
-          <p:cNvPr id="4" name="Slide Number Placeholder 3"/>
-          <p:cNvSpPr>
-            <a:spLocks noGrp="1"/>
-          </p:cNvSpPr>
-          <p:nvPr>
-            <p:ph type="sldNum" sz="quarter" idx="4"/>
-          </p:nvPr>
-        </p:nvSpPr>
-        <p:spPr>
-          <a:xfrm>
-            <a:off x="6477000" y="6553200"/>
-            <a:ext cx="2667000" cy="307777"/>
-          </a:xfrm>
-        </p:spPr>
-        <p:txBody>
-          <a:bodyPr/>
-          <a:lstStyle/>
-          <a:p>
-            <a:pPr>
-              <a:defRPr/>
-            </a:pPr>
-            <a:r>
-              <a:rPr lang="en-US" dirty="0" smtClean="0"/>
-              <a:t>RSA.</a:t>
-            </a:r>
-            <a:fld id="{3C84E341-AEF3-493B-A8EE-DBBF671E8583}" type="slidenum">
-              <a:rPr lang="en-US" smtClean="0"/>
-              <a:pPr>
-                <a:defRPr/>
-              </a:pPr>
-              <a:t>5</a:t>
-            </a:fld>
-            <a:endParaRPr lang="en-US" dirty="0"/>
-          </a:p>
-        </p:txBody>
-      </p:sp>
-      <p:sp>
-        <p:nvSpPr>
-          <p:cNvPr id="18435" name="Rectangle 2"/>
-          <p:cNvSpPr>
-            <a:spLocks noGrp="1" noChangeArrowheads="1"/>
-          </p:cNvSpPr>
-          <p:nvPr>
-            <p:ph type="title"/>
-          </p:nvPr>
-        </p:nvSpPr>
-        <p:spPr/>
-        <p:txBody>
-          <a:bodyPr/>
-          <a:lstStyle/>
-          <a:p>
-            <a:pPr eaLnBrk="1" hangingPunct="1"/>
-            <a:r>
-              <a:rPr lang="en-US" sz="4800" smtClean="0"/>
-              <a:t>Why does this work?</a:t>
-            </a:r>
-          </a:p>
-        </p:txBody>
-      </p:sp>
-      <p:sp>
-        <p:nvSpPr>
-          <p:cNvPr id="35844" name="Rectangle 4"/>
-          <p:cNvSpPr>
-            <a:spLocks noGrp="1" noChangeArrowheads="1"/>
-          </p:cNvSpPr>
-          <p:nvPr>
-            <p:ph type="body" idx="1"/>
-          </p:nvPr>
-        </p:nvSpPr>
-        <p:spPr>
-          <a:xfrm>
-            <a:off x="533400" y="1600200"/>
-            <a:ext cx="8026400" cy="3505200"/>
-          </a:xfrm>
-        </p:spPr>
-        <p:txBody>
-          <a:bodyPr/>
-          <a:lstStyle/>
-          <a:p>
-            <a:pPr eaLnBrk="1" hangingPunct="1">
-              <a:buFontTx/>
-              <a:buNone/>
-              <a:defRPr/>
-            </a:pPr>
-            <a:r>
-              <a:rPr lang="en-US" sz="6000" dirty="0" smtClean="0"/>
-              <a:t>follows easily from </a:t>
-            </a:r>
-          </a:p>
-          <a:p>
-            <a:pPr eaLnBrk="1" hangingPunct="1">
-              <a:buFontTx/>
-              <a:buNone/>
-              <a:defRPr/>
-            </a:pPr>
-            <a:r>
-              <a:rPr lang="en-US" sz="6000" dirty="0" smtClean="0"/>
-              <a:t>Euler’s Theorem when</a:t>
-            </a:r>
-          </a:p>
-        </p:txBody>
-      </p:sp>
-      <p:graphicFrame>
-        <p:nvGraphicFramePr>
-          <p:cNvPr id="2" name="Object 1"/>
-          <p:cNvGraphicFramePr>
-            <a:graphicFrameLocks noChangeAspect="1"/>
-          </p:cNvGraphicFramePr>
-          <p:nvPr>
-            <p:extLst>
-              <p:ext uri="{D42A27DB-BD31-4B8C-83A1-F6EECF244321}">
-                <p14:modId xmlns:p14="http://schemas.microsoft.com/office/powerpoint/2010/main" val="3226921343"/>
-              </p:ext>
-            </p:extLst>
-          </p:nvPr>
-        </p:nvGraphicFramePr>
-        <p:xfrm>
-          <a:off x="2971800" y="3810000"/>
-          <a:ext cx="2648778" cy="1562100"/>
-        </p:xfrm>
-        <a:graphic>
-          <a:graphicData uri="http://schemas.openxmlformats.org/presentationml/2006/ole">
-            <mc:AlternateContent xmlns:mc="http://schemas.openxmlformats.org/markup-compatibility/2006">
-              <mc:Choice xmlns:v="urn:schemas-microsoft-com:vml" Requires="v">
-                <p:oleObj spid="_x0000_s3078" name="Equation" r:id="rId4" imgW="495300" imgH="292100" progId="Equation.DSMT4">
-                  <p:embed/>
-                </p:oleObj>
-              </mc:Choice>
-              <mc:Fallback>
-                <p:oleObj name="Equation" r:id="rId4" imgW="495300" imgH="292100" progId="Equation.DSMT4">
-                  <p:embed/>
-                  <p:pic>
-                    <p:nvPicPr>
-                      <p:cNvPr id="0" name=""/>
-                      <p:cNvPicPr/>
-                      <p:nvPr/>
-                    </p:nvPicPr>
-                    <p:blipFill>
-                      <a:blip r:embed="rId5"/>
-                      <a:stretch>
-                        <a:fillRect/>
-                      </a:stretch>
-                    </p:blipFill>
-                    <p:spPr>
-                      <a:xfrm>
-                        <a:off x="2971800" y="3810000"/>
-                        <a:ext cx="2648778" cy="1562100"/>
-                      </a:xfrm>
-                      <a:prstGeom prst="rect">
-                        <a:avLst/>
-                      </a:prstGeom>
-                    </p:spPr>
-                  </p:pic>
-                </p:oleObj>
-              </mc:Fallback>
-            </mc:AlternateContent>
-          </a:graphicData>
-        </a:graphic>
-      </p:graphicFrame>
-    </p:spTree>
-  </p:cSld>
-  <p:clrMapOvr>
-    <a:masterClrMapping/>
-  </p:clrMapOvr>
-  <p:transition xmlns:p14="http://schemas.microsoft.com/office/powerpoint/2010/main" spd="slow">
-    <p:fade thruBlk="1"/>
-  </p:transition>
-  <p:timing>
-    <p:tnLst>
-      <p:par>
-        <p:cTn xmlns:p14="http://schemas.microsoft.com/office/powerpoint/2010/main" id="1" dur="indefinite" restart="never" nodeType="tmRoot"/>
-      </p:par>
-    </p:tnLst>
-  </p:timing>
-</p:sld>
-</file>
-
-<file path=ppt/slides/slide6.xml><?xml version="1.0" encoding="utf-8"?>
-<p:sld xmlns:a="http://schemas.openxmlformats.org/drawingml/2006/main" xmlns:r="http://schemas.openxmlformats.org/officeDocument/2006/relationships" xmlns:p="http://schemas.openxmlformats.org/presentationml/2006/main">
-  <p:cSld>
-    <p:spTree>
-      <p:nvGrpSpPr>
-        <p:cNvPr id="1" name=""/>
-        <p:cNvGrpSpPr/>
-        <p:nvPr/>
-      </p:nvGrpSpPr>
-      <p:grpSpPr>
-        <a:xfrm>
-          <a:off x="0" y="0"/>
-          <a:ext cx="0" cy="0"/>
-          <a:chOff x="0" y="0"/>
-          <a:chExt cx="0" cy="0"/>
-        </a:xfrm>
-      </p:grpSpPr>
-      <p:sp>
-        <p:nvSpPr>
-          <p:cNvPr id="4" name="Slide Number Placeholder 3"/>
-          <p:cNvSpPr>
-            <a:spLocks noGrp="1"/>
-          </p:cNvSpPr>
-          <p:nvPr>
-            <p:ph type="sldNum" sz="quarter" idx="4"/>
-          </p:nvPr>
-        </p:nvSpPr>
-        <p:spPr>
-          <a:xfrm>
-            <a:off x="6477000" y="6553200"/>
-            <a:ext cx="2667000" cy="307777"/>
-          </a:xfrm>
-        </p:spPr>
-        <p:txBody>
-          <a:bodyPr/>
-          <a:lstStyle/>
-          <a:p>
-            <a:pPr>
-              <a:defRPr/>
-            </a:pPr>
-            <a:r>
-              <a:rPr lang="en-US" dirty="0" smtClean="0"/>
-              <a:t>RSA.</a:t>
-            </a:r>
-            <a:fld id="{39475D55-F769-4D1E-BA0D-F03B0BEACB86}" type="slidenum">
-              <a:rPr lang="en-US" smtClean="0"/>
-              <a:pPr>
-                <a:defRPr/>
-              </a:pPr>
-              <a:t>6</a:t>
             </a:fld>
             <a:endParaRPr lang="en-US" dirty="0"/>
           </a:p>
@@ -7159,9 +3933,18 @@
   <p:clrMapOvr>
     <a:masterClrMapping/>
   </p:clrMapOvr>
-  <p:transition xmlns:p14="http://schemas.microsoft.com/office/powerpoint/2010/main">
-    <p:fade/>
-  </p:transition>
+  <mc:AlternateContent xmlns:mc="http://schemas.openxmlformats.org/markup-compatibility/2006">
+    <mc:Choice xmlns:p14="http://schemas.microsoft.com/office/powerpoint/2010/main" Requires="p14">
+      <p:transition spd="slow" p14:dur="900" advClick="0">
+        <p:fade/>
+      </p:transition>
+    </mc:Choice>
+    <mc:Fallback>
+      <p:transition xmlns:p14="http://schemas.microsoft.com/office/powerpoint/2010/main" spd="slow" advClick="0">
+        <p:fade/>
+      </p:transition>
+    </mc:Fallback>
+  </mc:AlternateContent>
   <p:timing>
     <p:tnLst>
       <p:par>
@@ -7251,7 +4034,7 @@
 </p:sld>
 </file>
 
-<file path=ppt/slides/slide7.xml><?xml version="1.0" encoding="utf-8"?>
+<file path=ppt/slides/slide12.xml><?xml version="1.0" encoding="utf-8"?>
 <p:sld xmlns:a="http://schemas.openxmlformats.org/drawingml/2006/main" xmlns:r="http://schemas.openxmlformats.org/officeDocument/2006/relationships" xmlns:p="http://schemas.openxmlformats.org/presentationml/2006/main">
   <p:cSld>
     <p:spTree>
@@ -7300,7 +4083,7 @@
               <a:pPr>
                 <a:defRPr/>
               </a:pPr>
-              <a:t>7</a:t>
+              <a:t>12</a:t>
             </a:fld>
             <a:endParaRPr lang="en-US" dirty="0"/>
           </a:p>
@@ -7543,7 +4326,7 @@
           <a:graphicData uri="http://schemas.openxmlformats.org/presentationml/2006/ole">
             <mc:AlternateContent xmlns:mc="http://schemas.openxmlformats.org/markup-compatibility/2006">
               <mc:Choice xmlns:v="urn:schemas-microsoft-com:vml" Requires="v">
-                <p:oleObj spid="_x0000_s4103" name="Equation" r:id="rId4" imgW="1016000" imgH="317500" progId="Equation.DSMT4">
+                <p:oleObj spid="_x0000_s4107" name="Equation" r:id="rId4" imgW="1016000" imgH="317500" progId="Equation.DSMT4">
                   <p:embed/>
                 </p:oleObj>
               </mc:Choice>
@@ -7583,7 +4366,7 @@
   <p:clrMapOvr>
     <a:masterClrMapping/>
   </p:clrMapOvr>
-  <p:transition xmlns:p14="http://schemas.microsoft.com/office/powerpoint/2010/main" spd="slow">
+  <p:transition xmlns:p14="http://schemas.microsoft.com/office/powerpoint/2010/main" spd="slow" advClick="0">
     <p:fade thruBlk="1"/>
   </p:transition>
   <p:timing>
@@ -8151,7 +4934,7 @@
 </p:sld>
 </file>
 
-<file path=ppt/slides/slide8.xml><?xml version="1.0" encoding="utf-8"?>
+<file path=ppt/slides/slide13.xml><?xml version="1.0" encoding="utf-8"?>
 <p:sld xmlns:a="http://schemas.openxmlformats.org/drawingml/2006/main" xmlns:r="http://schemas.openxmlformats.org/officeDocument/2006/relationships" xmlns:p="http://schemas.openxmlformats.org/presentationml/2006/main">
   <p:cSld>
     <p:spTree>
@@ -8200,7 +4983,7 @@
               <a:pPr>
                 <a:defRPr/>
               </a:pPr>
-              <a:t>8</a:t>
+              <a:t>13</a:t>
             </a:fld>
             <a:endParaRPr lang="en-US" dirty="0"/>
           </a:p>
@@ -8481,9 +5264,18 @@
   <p:clrMapOvr>
     <a:masterClrMapping/>
   </p:clrMapOvr>
-  <p:transition xmlns:p14="http://schemas.microsoft.com/office/powerpoint/2010/main" spd="slow">
-    <p:fade thruBlk="1"/>
-  </p:transition>
+  <mc:AlternateContent xmlns:mc="http://schemas.openxmlformats.org/markup-compatibility/2006">
+    <mc:Choice xmlns:p14="http://schemas.microsoft.com/office/powerpoint/2010/main" Requires="p14">
+      <p:transition spd="slow" p14:dur="900" advClick="0">
+        <p:fade/>
+      </p:transition>
+    </mc:Choice>
+    <mc:Fallback>
+      <p:transition xmlns:p14="http://schemas.microsoft.com/office/powerpoint/2010/main" spd="slow" advClick="0">
+        <p:fade/>
+      </p:transition>
+    </mc:Fallback>
+  </mc:AlternateContent>
   <p:timing>
     <p:tnLst>
       <p:par>
@@ -8877,7 +5669,7 @@
 </p:sld>
 </file>
 
-<file path=ppt/slides/slide9.xml><?xml version="1.0" encoding="utf-8"?>
+<file path=ppt/slides/slide14.xml><?xml version="1.0" encoding="utf-8"?>
 <p:sld xmlns:a="http://schemas.openxmlformats.org/drawingml/2006/main" xmlns:r="http://schemas.openxmlformats.org/officeDocument/2006/relationships" xmlns:p="http://schemas.openxmlformats.org/presentationml/2006/main">
   <p:cSld>
     <p:spTree>
@@ -8926,7 +5718,7 @@
               <a:pPr>
                 <a:defRPr/>
               </a:pPr>
-              <a:t>9</a:t>
+              <a:t>14</a:t>
             </a:fld>
             <a:endParaRPr lang="en-US" dirty="0"/>
           </a:p>
@@ -9076,14 +5868,14 @@
   <p:clrMapOvr>
     <a:masterClrMapping/>
   </p:clrMapOvr>
-  <mc:AlternateContent xmlns:mc="http://schemas.openxmlformats.org/markup-compatibility/2006" xmlns:p14="http://schemas.microsoft.com/office/powerpoint/2010/main">
-    <mc:Choice Requires="p14">
-      <p:transition spd="med" p14:dur="700">
+  <mc:AlternateContent xmlns:mc="http://schemas.openxmlformats.org/markup-compatibility/2006">
+    <mc:Choice xmlns:p14="http://schemas.microsoft.com/office/powerpoint/2010/main" Requires="p14">
+      <p:transition spd="slow" p14:dur="900" advClick="0">
         <p:fade/>
       </p:transition>
     </mc:Choice>
-    <mc:Fallback xmlns="">
-      <p:transition xmlns:p14="http://schemas.microsoft.com/office/powerpoint/2010/main" spd="med">
+    <mc:Fallback>
+      <p:transition xmlns:p14="http://schemas.microsoft.com/office/powerpoint/2010/main" spd="slow" advClick="0">
         <p:fade/>
       </p:transition>
     </mc:Fallback>
@@ -9094,6 +5886,4930 @@
         <p:cTn xmlns:p14="http://schemas.microsoft.com/office/powerpoint/2010/main" id="1" dur="indefinite" restart="never" nodeType="tmRoot"/>
       </p:par>
     </p:tnLst>
+  </p:timing>
+</p:sld>
+</file>
+
+<file path=ppt/slides/slide15.xml><?xml version="1.0" encoding="utf-8"?>
+<p:sld xmlns:a="http://schemas.openxmlformats.org/drawingml/2006/main" xmlns:r="http://schemas.openxmlformats.org/officeDocument/2006/relationships" xmlns:p="http://schemas.openxmlformats.org/presentationml/2006/main">
+  <p:cSld>
+    <p:spTree>
+      <p:nvGrpSpPr>
+        <p:cNvPr id="1" name=""/>
+        <p:cNvGrpSpPr/>
+        <p:nvPr/>
+      </p:nvGrpSpPr>
+      <p:grpSpPr>
+        <a:xfrm>
+          <a:off x="0" y="0"/>
+          <a:ext cx="0" cy="0"/>
+          <a:chOff x="0" y="0"/>
+          <a:chExt cx="0" cy="0"/>
+        </a:xfrm>
+      </p:grpSpPr>
+      <p:sp>
+        <p:nvSpPr>
+          <p:cNvPr id="4" name="Slide Number Placeholder 3"/>
+          <p:cNvSpPr>
+            <a:spLocks noGrp="1"/>
+          </p:cNvSpPr>
+          <p:nvPr>
+            <p:ph type="sldNum" sz="quarter" idx="4"/>
+          </p:nvPr>
+        </p:nvSpPr>
+        <p:spPr>
+          <a:xfrm>
+            <a:off x="6477000" y="6553200"/>
+            <a:ext cx="2667000" cy="307777"/>
+          </a:xfrm>
+        </p:spPr>
+        <p:txBody>
+          <a:bodyPr/>
+          <a:lstStyle/>
+          <a:p>
+            <a:pPr>
+              <a:defRPr/>
+            </a:pPr>
+            <a:r>
+              <a:rPr lang="en-US" dirty="0" smtClean="0"/>
+              <a:t>RSA.</a:t>
+            </a:r>
+            <a:fld id="{6A5E9C01-C108-4A5C-AE7A-FB77D488E7D9}" type="slidenum">
+              <a:rPr lang="en-US" smtClean="0"/>
+              <a:pPr>
+                <a:defRPr/>
+              </a:pPr>
+              <a:t>15</a:t>
+            </a:fld>
+            <a:endParaRPr lang="en-US" dirty="0"/>
+          </a:p>
+        </p:txBody>
+      </p:sp>
+      <p:sp>
+        <p:nvSpPr>
+          <p:cNvPr id="16387" name="Rectangle 2"/>
+          <p:cNvSpPr>
+            <a:spLocks noGrp="1" noChangeArrowheads="1"/>
+          </p:cNvSpPr>
+          <p:nvPr>
+            <p:ph type="title"/>
+          </p:nvPr>
+        </p:nvSpPr>
+        <p:spPr/>
+        <p:txBody>
+          <a:bodyPr/>
+          <a:lstStyle/>
+          <a:p>
+            <a:pPr eaLnBrk="1" hangingPunct="1"/>
+            <a:r>
+              <a:rPr lang="en-US" sz="4400" dirty="0" smtClean="0"/>
+              <a:t>Fermat </a:t>
+            </a:r>
+            <a:r>
+              <a:rPr lang="en-US" sz="4400" dirty="0" err="1" smtClean="0"/>
+              <a:t>Primality</a:t>
+            </a:r>
+            <a:r>
+              <a:rPr lang="en-US" sz="4400" dirty="0" smtClean="0"/>
+              <a:t> Test</a:t>
+            </a:r>
+          </a:p>
+        </p:txBody>
+      </p:sp>
+      <p:sp>
+        <p:nvSpPr>
+          <p:cNvPr id="408579" name="Rectangle 3"/>
+          <p:cNvSpPr>
+            <a:spLocks noGrp="1" noChangeArrowheads="1"/>
+          </p:cNvSpPr>
+          <p:nvPr>
+            <p:ph type="body" idx="1"/>
+          </p:nvPr>
+        </p:nvSpPr>
+        <p:spPr>
+          <a:xfrm>
+            <a:off x="457200" y="990600"/>
+            <a:ext cx="8229600" cy="4953000"/>
+          </a:xfrm>
+        </p:spPr>
+        <p:txBody>
+          <a:bodyPr/>
+          <a:lstStyle/>
+          <a:p>
+            <a:pPr eaLnBrk="1" hangingPunct="1"/>
+            <a:r>
+              <a:rPr lang="en-US" sz="4800" dirty="0" smtClean="0">
+                <a:solidFill>
+                  <a:srgbClr val="000000"/>
+                </a:solidFill>
+                <a:latin typeface="Comic Sans MS"/>
+                <a:cs typeface="Comic Sans MS"/>
+              </a:rPr>
+              <a:t>check if</a:t>
+            </a:r>
+          </a:p>
+          <a:p>
+            <a:pPr eaLnBrk="1" hangingPunct="1"/>
+            <a:endParaRPr lang="en-US" sz="4800" dirty="0" smtClean="0">
+              <a:solidFill>
+                <a:srgbClr val="000000"/>
+              </a:solidFill>
+              <a:latin typeface="Comic Sans MS"/>
+              <a:cs typeface="Comic Sans MS"/>
+            </a:endParaRPr>
+          </a:p>
+          <a:p>
+            <a:pPr eaLnBrk="1" hangingPunct="1"/>
+            <a:r>
+              <a:rPr lang="en-US" sz="4800" dirty="0" smtClean="0">
+                <a:solidFill>
+                  <a:schemeClr val="tx2"/>
+                </a:solidFill>
+                <a:latin typeface="Comic Sans MS"/>
+                <a:cs typeface="Comic Sans MS"/>
+              </a:rPr>
+              <a:t>if fails, not prime (Fermat)</a:t>
+            </a:r>
+          </a:p>
+          <a:p>
+            <a:pPr eaLnBrk="1" hangingPunct="1"/>
+            <a:r>
+              <a:rPr lang="en-US" sz="4800" dirty="0" smtClean="0">
+                <a:solidFill>
+                  <a:schemeClr val="tx2"/>
+                </a:solidFill>
+                <a:latin typeface="Comic Sans MS"/>
+                <a:cs typeface="Comic Sans MS"/>
+              </a:rPr>
+              <a:t>choose random</a:t>
+            </a:r>
+            <a:r>
+              <a:rPr lang="en-US" sz="4800" dirty="0" smtClean="0">
+                <a:solidFill>
+                  <a:schemeClr val="accent1">
+                    <a:lumMod val="50000"/>
+                  </a:schemeClr>
+                </a:solidFill>
+                <a:latin typeface="Comic Sans MS"/>
+                <a:cs typeface="Comic Sans MS"/>
+              </a:rPr>
+              <a:t> a</a:t>
+            </a:r>
+            <a:r>
+              <a:rPr lang="en-US" sz="4800" dirty="0" smtClean="0">
+                <a:solidFill>
+                  <a:schemeClr val="tx2"/>
+                </a:solidFill>
+                <a:latin typeface="Comic Sans MS"/>
+                <a:cs typeface="Comic Sans MS"/>
+              </a:rPr>
+              <a:t> in</a:t>
+            </a:r>
+            <a:r>
+              <a:rPr lang="en-US" sz="4800" dirty="0" smtClean="0">
+                <a:solidFill>
+                  <a:srgbClr val="0000E5"/>
+                </a:solidFill>
+                <a:latin typeface="Comic Sans MS"/>
+                <a:cs typeface="Comic Sans MS"/>
+              </a:rPr>
+              <a:t> [1,n)</a:t>
+            </a:r>
+            <a:r>
+              <a:rPr lang="en-US" sz="4800" dirty="0" smtClean="0">
+                <a:latin typeface="Comic Sans MS"/>
+                <a:cs typeface="Comic Sans MS"/>
+              </a:rPr>
+              <a:t>.</a:t>
+            </a:r>
+          </a:p>
+          <a:p>
+            <a:pPr eaLnBrk="1" hangingPunct="1"/>
+            <a:r>
+              <a:rPr lang="en-US" sz="4800" dirty="0" smtClean="0">
+                <a:latin typeface="Comic Sans MS"/>
+                <a:cs typeface="Comic Sans MS"/>
+              </a:rPr>
+              <a:t>if not prime, </a:t>
+            </a:r>
+            <a:r>
+              <a:rPr lang="en-US" sz="4800" dirty="0" err="1" smtClean="0">
+                <a:solidFill>
+                  <a:schemeClr val="accent1">
+                    <a:lumMod val="50000"/>
+                  </a:schemeClr>
+                </a:solidFill>
+                <a:latin typeface="Comic Sans MS"/>
+                <a:cs typeface="Comic Sans MS"/>
+              </a:rPr>
+              <a:t>Pr(fails</a:t>
+            </a:r>
+            <a:r>
+              <a:rPr lang="en-US" sz="4800" dirty="0" smtClean="0">
+                <a:solidFill>
+                  <a:schemeClr val="accent1">
+                    <a:lumMod val="50000"/>
+                  </a:schemeClr>
+                </a:solidFill>
+                <a:latin typeface="Comic Sans MS"/>
+                <a:cs typeface="Comic Sans MS"/>
+              </a:rPr>
+              <a:t>)</a:t>
+            </a:r>
+            <a:r>
+              <a:rPr lang="en-US" sz="4800" b="1" dirty="0" smtClean="0">
+                <a:solidFill>
+                  <a:schemeClr val="accent1">
+                    <a:lumMod val="50000"/>
+                  </a:schemeClr>
+                </a:solidFill>
+                <a:latin typeface="Euclid Symbol" charset="2"/>
+                <a:cs typeface="Euclid Symbol" charset="2"/>
+              </a:rPr>
+              <a:t>&gt;</a:t>
+            </a:r>
+            <a:r>
+              <a:rPr lang="en-US" sz="4800" dirty="0" smtClean="0">
+                <a:solidFill>
+                  <a:schemeClr val="accent1">
+                    <a:lumMod val="50000"/>
+                  </a:schemeClr>
+                </a:solidFill>
+                <a:latin typeface="Comic Sans MS"/>
+                <a:cs typeface="Comic Sans MS"/>
+              </a:rPr>
+              <a:t>1/2</a:t>
+            </a:r>
+          </a:p>
+          <a:p>
+            <a:pPr eaLnBrk="1" hangingPunct="1"/>
+            <a:r>
+              <a:rPr lang="en-US" sz="4000" dirty="0" smtClean="0">
+                <a:latin typeface="Comic Sans MS"/>
+                <a:cs typeface="Comic Sans MS"/>
+              </a:rPr>
+              <a:t>(with rare exceptions) </a:t>
+            </a:r>
+          </a:p>
+        </p:txBody>
+      </p:sp>
+      <p:graphicFrame>
+        <p:nvGraphicFramePr>
+          <p:cNvPr id="2" name="Object 1"/>
+          <p:cNvGraphicFramePr>
+            <a:graphicFrameLocks noChangeAspect="1"/>
+          </p:cNvGraphicFramePr>
+          <p:nvPr>
+            <p:extLst>
+              <p:ext uri="{D42A27DB-BD31-4B8C-83A1-F6EECF244321}">
+                <p14:modId xmlns:p14="http://schemas.microsoft.com/office/powerpoint/2010/main" val="625130842"/>
+              </p:ext>
+            </p:extLst>
+          </p:nvPr>
+        </p:nvGraphicFramePr>
+        <p:xfrm>
+          <a:off x="2057400" y="1524000"/>
+          <a:ext cx="4724400" cy="1393092"/>
+        </p:xfrm>
+        <a:graphic>
+          <a:graphicData uri="http://schemas.openxmlformats.org/presentationml/2006/ole">
+            <mc:AlternateContent xmlns:mc="http://schemas.openxmlformats.org/markup-compatibility/2006">
+              <mc:Choice xmlns:v="urn:schemas-microsoft-com:vml" Requires="v">
+                <p:oleObj spid="_x0000_s5130" name="Equation" r:id="rId4" imgW="990600" imgH="292100" progId="Equation.DSMT4">
+                  <p:embed/>
+                </p:oleObj>
+              </mc:Choice>
+              <mc:Fallback>
+                <p:oleObj name="Equation" r:id="rId4" imgW="990600" imgH="292100" progId="Equation.DSMT4">
+                  <p:embed/>
+                  <p:pic>
+                    <p:nvPicPr>
+                      <p:cNvPr id="0" name=""/>
+                      <p:cNvPicPr/>
+                      <p:nvPr/>
+                    </p:nvPicPr>
+                    <p:blipFill>
+                      <a:blip r:embed="rId5"/>
+                      <a:stretch>
+                        <a:fillRect/>
+                      </a:stretch>
+                    </p:blipFill>
+                    <p:spPr>
+                      <a:xfrm>
+                        <a:off x="2057400" y="1524000"/>
+                        <a:ext cx="4724400" cy="1393092"/>
+                      </a:xfrm>
+                      <a:prstGeom prst="rect">
+                        <a:avLst/>
+                      </a:prstGeom>
+                    </p:spPr>
+                  </p:pic>
+                </p:oleObj>
+              </mc:Fallback>
+            </mc:AlternateContent>
+          </a:graphicData>
+        </a:graphic>
+      </p:graphicFrame>
+    </p:spTree>
+  </p:cSld>
+  <p:clrMapOvr>
+    <a:masterClrMapping/>
+  </p:clrMapOvr>
+  <p:transition xmlns:p14="http://schemas.microsoft.com/office/powerpoint/2010/main" spd="slow" advClick="0">
+    <p:fade thruBlk="1"/>
+  </p:transition>
+  <p:timing>
+    <p:tnLst>
+      <p:par>
+        <p:cTn xmlns:p14="http://schemas.microsoft.com/office/powerpoint/2010/main" id="1" dur="indefinite" restart="never" nodeType="tmRoot">
+          <p:childTnLst>
+            <p:seq concurrent="1" nextAc="seek">
+              <p:cTn id="2" dur="indefinite" nodeType="mainSeq">
+                <p:childTnLst>
+                  <p:par>
+                    <p:cTn id="3" fill="hold">
+                      <p:stCondLst>
+                        <p:cond delay="indefinite"/>
+                      </p:stCondLst>
+                      <p:childTnLst>
+                        <p:par>
+                          <p:cTn id="4" fill="hold">
+                            <p:stCondLst>
+                              <p:cond delay="0"/>
+                            </p:stCondLst>
+                            <p:childTnLst>
+                              <p:par>
+                                <p:cTn id="5" presetID="10" presetClass="entr" presetSubtype="0" fill="hold" nodeType="clickEffect">
+                                  <p:stCondLst>
+                                    <p:cond delay="0"/>
+                                  </p:stCondLst>
+                                  <p:childTnLst>
+                                    <p:set>
+                                      <p:cBhvr>
+                                        <p:cTn id="6" dur="1" fill="hold">
+                                          <p:stCondLst>
+                                            <p:cond delay="0"/>
+                                          </p:stCondLst>
+                                        </p:cTn>
+                                        <p:tgtEl>
+                                          <p:spTgt spid="408579">
+                                            <p:txEl>
+                                              <p:pRg st="0" end="0"/>
+                                            </p:txEl>
+                                          </p:spTgt>
+                                        </p:tgtEl>
+                                        <p:attrNameLst>
+                                          <p:attrName>style.visibility</p:attrName>
+                                        </p:attrNameLst>
+                                      </p:cBhvr>
+                                      <p:to>
+                                        <p:strVal val="visible"/>
+                                      </p:to>
+                                    </p:set>
+                                    <p:animEffect transition="in" filter="fade">
+                                      <p:cBhvr>
+                                        <p:cTn id="7" dur="500"/>
+                                        <p:tgtEl>
+                                          <p:spTgt spid="408579">
+                                            <p:txEl>
+                                              <p:pRg st="0" end="0"/>
+                                            </p:txEl>
+                                          </p:spTgt>
+                                        </p:tgtEl>
+                                      </p:cBhvr>
+                                    </p:animEffect>
+                                  </p:childTnLst>
+                                </p:cTn>
+                              </p:par>
+                            </p:childTnLst>
+                          </p:cTn>
+                        </p:par>
+                        <p:par>
+                          <p:cTn id="8" fill="hold">
+                            <p:stCondLst>
+                              <p:cond delay="500"/>
+                            </p:stCondLst>
+                            <p:childTnLst>
+                              <p:par>
+                                <p:cTn id="9" presetID="22" presetClass="entr" presetSubtype="8" fill="hold" nodeType="afterEffect">
+                                  <p:stCondLst>
+                                    <p:cond delay="0"/>
+                                  </p:stCondLst>
+                                  <p:childTnLst>
+                                    <p:set>
+                                      <p:cBhvr>
+                                        <p:cTn id="10" dur="1" fill="hold">
+                                          <p:stCondLst>
+                                            <p:cond delay="0"/>
+                                          </p:stCondLst>
+                                        </p:cTn>
+                                        <p:tgtEl>
+                                          <p:spTgt spid="2"/>
+                                        </p:tgtEl>
+                                        <p:attrNameLst>
+                                          <p:attrName>style.visibility</p:attrName>
+                                        </p:attrNameLst>
+                                      </p:cBhvr>
+                                      <p:to>
+                                        <p:strVal val="visible"/>
+                                      </p:to>
+                                    </p:set>
+                                    <p:animEffect transition="in" filter="wipe(left)">
+                                      <p:cBhvr>
+                                        <p:cTn id="11" dur="1000"/>
+                                        <p:tgtEl>
+                                          <p:spTgt spid="2"/>
+                                        </p:tgtEl>
+                                      </p:cBhvr>
+                                    </p:animEffect>
+                                  </p:childTnLst>
+                                </p:cTn>
+                              </p:par>
+                            </p:childTnLst>
+                          </p:cTn>
+                        </p:par>
+                      </p:childTnLst>
+                    </p:cTn>
+                  </p:par>
+                  <p:par>
+                    <p:cTn id="12" fill="hold">
+                      <p:stCondLst>
+                        <p:cond delay="indefinite"/>
+                      </p:stCondLst>
+                      <p:childTnLst>
+                        <p:par>
+                          <p:cTn id="13" fill="hold">
+                            <p:stCondLst>
+                              <p:cond delay="0"/>
+                            </p:stCondLst>
+                            <p:childTnLst>
+                              <p:par>
+                                <p:cTn id="14" presetID="9" presetClass="entr" presetSubtype="0" fill="hold" grpId="0" nodeType="clickEffect">
+                                  <p:stCondLst>
+                                    <p:cond delay="0"/>
+                                  </p:stCondLst>
+                                  <p:childTnLst>
+                                    <p:set>
+                                      <p:cBhvr>
+                                        <p:cTn id="15" dur="1" fill="hold">
+                                          <p:stCondLst>
+                                            <p:cond delay="0"/>
+                                          </p:stCondLst>
+                                        </p:cTn>
+                                        <p:tgtEl>
+                                          <p:spTgt spid="408579">
+                                            <p:txEl>
+                                              <p:pRg st="2" end="2"/>
+                                            </p:txEl>
+                                          </p:spTgt>
+                                        </p:tgtEl>
+                                        <p:attrNameLst>
+                                          <p:attrName>style.visibility</p:attrName>
+                                        </p:attrNameLst>
+                                      </p:cBhvr>
+                                      <p:to>
+                                        <p:strVal val="visible"/>
+                                      </p:to>
+                                    </p:set>
+                                    <p:animEffect transition="in" filter="dissolve">
+                                      <p:cBhvr>
+                                        <p:cTn id="16" dur="500"/>
+                                        <p:tgtEl>
+                                          <p:spTgt spid="408579">
+                                            <p:txEl>
+                                              <p:pRg st="2" end="2"/>
+                                            </p:txEl>
+                                          </p:spTgt>
+                                        </p:tgtEl>
+                                      </p:cBhvr>
+                                    </p:animEffect>
+                                  </p:childTnLst>
+                                </p:cTn>
+                              </p:par>
+                            </p:childTnLst>
+                          </p:cTn>
+                        </p:par>
+                      </p:childTnLst>
+                    </p:cTn>
+                  </p:par>
+                  <p:par>
+                    <p:cTn id="17" fill="hold">
+                      <p:stCondLst>
+                        <p:cond delay="indefinite"/>
+                      </p:stCondLst>
+                      <p:childTnLst>
+                        <p:par>
+                          <p:cTn id="18" fill="hold">
+                            <p:stCondLst>
+                              <p:cond delay="0"/>
+                            </p:stCondLst>
+                            <p:childTnLst>
+                              <p:par>
+                                <p:cTn id="19" presetID="9" presetClass="entr" presetSubtype="0" fill="hold" grpId="0" nodeType="clickEffect">
+                                  <p:stCondLst>
+                                    <p:cond delay="0"/>
+                                  </p:stCondLst>
+                                  <p:childTnLst>
+                                    <p:set>
+                                      <p:cBhvr>
+                                        <p:cTn id="20" dur="1" fill="hold">
+                                          <p:stCondLst>
+                                            <p:cond delay="0"/>
+                                          </p:stCondLst>
+                                        </p:cTn>
+                                        <p:tgtEl>
+                                          <p:spTgt spid="408579">
+                                            <p:txEl>
+                                              <p:pRg st="3" end="3"/>
+                                            </p:txEl>
+                                          </p:spTgt>
+                                        </p:tgtEl>
+                                        <p:attrNameLst>
+                                          <p:attrName>style.visibility</p:attrName>
+                                        </p:attrNameLst>
+                                      </p:cBhvr>
+                                      <p:to>
+                                        <p:strVal val="visible"/>
+                                      </p:to>
+                                    </p:set>
+                                    <p:animEffect transition="in" filter="dissolve">
+                                      <p:cBhvr>
+                                        <p:cTn id="21" dur="500"/>
+                                        <p:tgtEl>
+                                          <p:spTgt spid="408579">
+                                            <p:txEl>
+                                              <p:pRg st="3" end="3"/>
+                                            </p:txEl>
+                                          </p:spTgt>
+                                        </p:tgtEl>
+                                      </p:cBhvr>
+                                    </p:animEffect>
+                                  </p:childTnLst>
+                                </p:cTn>
+                              </p:par>
+                            </p:childTnLst>
+                          </p:cTn>
+                        </p:par>
+                      </p:childTnLst>
+                    </p:cTn>
+                  </p:par>
+                  <p:par>
+                    <p:cTn id="22" fill="hold">
+                      <p:stCondLst>
+                        <p:cond delay="indefinite"/>
+                      </p:stCondLst>
+                      <p:childTnLst>
+                        <p:par>
+                          <p:cTn id="23" fill="hold">
+                            <p:stCondLst>
+                              <p:cond delay="0"/>
+                            </p:stCondLst>
+                            <p:childTnLst>
+                              <p:par>
+                                <p:cTn id="24" presetID="9" presetClass="entr" presetSubtype="0" fill="hold" grpId="0" nodeType="clickEffect">
+                                  <p:stCondLst>
+                                    <p:cond delay="0"/>
+                                  </p:stCondLst>
+                                  <p:childTnLst>
+                                    <p:set>
+                                      <p:cBhvr>
+                                        <p:cTn id="25" dur="1" fill="hold">
+                                          <p:stCondLst>
+                                            <p:cond delay="0"/>
+                                          </p:stCondLst>
+                                        </p:cTn>
+                                        <p:tgtEl>
+                                          <p:spTgt spid="408579">
+                                            <p:txEl>
+                                              <p:pRg st="4" end="4"/>
+                                            </p:txEl>
+                                          </p:spTgt>
+                                        </p:tgtEl>
+                                        <p:attrNameLst>
+                                          <p:attrName>style.visibility</p:attrName>
+                                        </p:attrNameLst>
+                                      </p:cBhvr>
+                                      <p:to>
+                                        <p:strVal val="visible"/>
+                                      </p:to>
+                                    </p:set>
+                                    <p:animEffect transition="in" filter="dissolve">
+                                      <p:cBhvr>
+                                        <p:cTn id="26" dur="500"/>
+                                        <p:tgtEl>
+                                          <p:spTgt spid="408579">
+                                            <p:txEl>
+                                              <p:pRg st="4" end="4"/>
+                                            </p:txEl>
+                                          </p:spTgt>
+                                        </p:tgtEl>
+                                      </p:cBhvr>
+                                    </p:animEffect>
+                                  </p:childTnLst>
+                                </p:cTn>
+                              </p:par>
+                            </p:childTnLst>
+                          </p:cTn>
+                        </p:par>
+                        <p:par>
+                          <p:cTn id="27" fill="hold">
+                            <p:stCondLst>
+                              <p:cond delay="500"/>
+                            </p:stCondLst>
+                            <p:childTnLst>
+                              <p:par>
+                                <p:cTn id="28" presetID="9" presetClass="entr" presetSubtype="0" fill="hold" grpId="0" nodeType="afterEffect">
+                                  <p:stCondLst>
+                                    <p:cond delay="0"/>
+                                  </p:stCondLst>
+                                  <p:childTnLst>
+                                    <p:set>
+                                      <p:cBhvr>
+                                        <p:cTn id="29" dur="1" fill="hold">
+                                          <p:stCondLst>
+                                            <p:cond delay="0"/>
+                                          </p:stCondLst>
+                                        </p:cTn>
+                                        <p:tgtEl>
+                                          <p:spTgt spid="408579">
+                                            <p:txEl>
+                                              <p:pRg st="5" end="5"/>
+                                            </p:txEl>
+                                          </p:spTgt>
+                                        </p:tgtEl>
+                                        <p:attrNameLst>
+                                          <p:attrName>style.visibility</p:attrName>
+                                        </p:attrNameLst>
+                                      </p:cBhvr>
+                                      <p:to>
+                                        <p:strVal val="visible"/>
+                                      </p:to>
+                                    </p:set>
+                                    <p:animEffect transition="in" filter="dissolve">
+                                      <p:cBhvr>
+                                        <p:cTn id="30" dur="500"/>
+                                        <p:tgtEl>
+                                          <p:spTgt spid="408579">
+                                            <p:txEl>
+                                              <p:pRg st="5" end="5"/>
+                                            </p:txEl>
+                                          </p:spTgt>
+                                        </p:tgtEl>
+                                      </p:cBhvr>
+                                    </p:animEffect>
+                                  </p:childTnLst>
+                                </p:cTn>
+                              </p:par>
+                            </p:childTnLst>
+                          </p:cTn>
+                        </p:par>
+                      </p:childTnLst>
+                    </p:cTn>
+                  </p:par>
+                </p:childTnLst>
+              </p:cTn>
+              <p:prevCondLst>
+                <p:cond evt="onPrev" delay="0">
+                  <p:tgtEl>
+                    <p:sldTgt/>
+                  </p:tgtEl>
+                </p:cond>
+              </p:prevCondLst>
+              <p:nextCondLst>
+                <p:cond evt="onNext" delay="0">
+                  <p:tgtEl>
+                    <p:sldTgt/>
+                  </p:tgtEl>
+                </p:cond>
+              </p:nextCondLst>
+            </p:seq>
+          </p:childTnLst>
+        </p:cTn>
+      </p:par>
+    </p:tnLst>
+    <p:bldLst>
+      <p:bldP spid="408579" grpId="0" build="p"/>
+    </p:bldLst>
+  </p:timing>
+</p:sld>
+</file>
+
+<file path=ppt/slides/slide16.xml><?xml version="1.0" encoding="utf-8"?>
+<p:sld xmlns:a="http://schemas.openxmlformats.org/drawingml/2006/main" xmlns:r="http://schemas.openxmlformats.org/officeDocument/2006/relationships" xmlns:p="http://schemas.openxmlformats.org/presentationml/2006/main">
+  <p:cSld>
+    <p:spTree>
+      <p:nvGrpSpPr>
+        <p:cNvPr id="1" name=""/>
+        <p:cNvGrpSpPr/>
+        <p:nvPr/>
+      </p:nvGrpSpPr>
+      <p:grpSpPr>
+        <a:xfrm>
+          <a:off x="0" y="0"/>
+          <a:ext cx="0" cy="0"/>
+          <a:chOff x="0" y="0"/>
+          <a:chExt cx="0" cy="0"/>
+        </a:xfrm>
+      </p:grpSpPr>
+      <p:sp>
+        <p:nvSpPr>
+          <p:cNvPr id="4" name="Slide Number Placeholder 3"/>
+          <p:cNvSpPr>
+            <a:spLocks noGrp="1"/>
+          </p:cNvSpPr>
+          <p:nvPr>
+            <p:ph type="sldNum" sz="quarter" idx="4"/>
+          </p:nvPr>
+        </p:nvSpPr>
+        <p:spPr>
+          <a:xfrm>
+            <a:off x="6477000" y="6553200"/>
+            <a:ext cx="2667000" cy="307777"/>
+          </a:xfrm>
+        </p:spPr>
+        <p:txBody>
+          <a:bodyPr/>
+          <a:lstStyle/>
+          <a:p>
+            <a:pPr>
+              <a:defRPr/>
+            </a:pPr>
+            <a:r>
+              <a:rPr lang="en-US" dirty="0" smtClean="0"/>
+              <a:t>RSA.</a:t>
+            </a:r>
+            <a:fld id="{F389C0C6-D6B8-4BCF-9EE6-7CFCBB0EDCA3}" type="slidenum">
+              <a:rPr lang="en-US" smtClean="0"/>
+              <a:pPr>
+                <a:defRPr/>
+              </a:pPr>
+              <a:t>16</a:t>
+            </a:fld>
+            <a:endParaRPr lang="en-US" dirty="0"/>
+          </a:p>
+        </p:txBody>
+      </p:sp>
+      <p:sp>
+        <p:nvSpPr>
+          <p:cNvPr id="20483" name="Rectangle 2"/>
+          <p:cNvSpPr>
+            <a:spLocks noGrp="1" noChangeArrowheads="1"/>
+          </p:cNvSpPr>
+          <p:nvPr>
+            <p:ph type="title"/>
+          </p:nvPr>
+        </p:nvSpPr>
+        <p:spPr/>
+        <p:txBody>
+          <a:bodyPr/>
+          <a:lstStyle/>
+          <a:p>
+            <a:pPr eaLnBrk="1" hangingPunct="1"/>
+            <a:r>
+              <a:rPr lang="en-US" sz="5400" smtClean="0"/>
+              <a:t>Why is it secure?</a:t>
+            </a:r>
+          </a:p>
+        </p:txBody>
+      </p:sp>
+      <p:sp>
+        <p:nvSpPr>
+          <p:cNvPr id="397315" name="Rectangle 3"/>
+          <p:cNvSpPr>
+            <a:spLocks noGrp="1" noChangeArrowheads="1"/>
+          </p:cNvSpPr>
+          <p:nvPr>
+            <p:ph type="body" idx="1"/>
+          </p:nvPr>
+        </p:nvSpPr>
+        <p:spPr>
+          <a:xfrm>
+            <a:off x="152400" y="1066800"/>
+            <a:ext cx="8839200" cy="5257800"/>
+          </a:xfrm>
+        </p:spPr>
+        <p:txBody>
+          <a:bodyPr/>
+          <a:lstStyle/>
+          <a:p>
+            <a:pPr eaLnBrk="1" hangingPunct="1">
+              <a:lnSpc>
+                <a:spcPct val="90000"/>
+              </a:lnSpc>
+              <a:buFont typeface="Arial" pitchFamily="34" charset="0"/>
+              <a:buChar char="•"/>
+            </a:pPr>
+            <a:r>
+              <a:rPr lang="en-US" sz="4800" dirty="0" smtClean="0"/>
+              <a:t>easy to break </a:t>
+            </a:r>
+            <a:r>
+              <a:rPr lang="en-US" sz="4800" i="1" dirty="0" smtClean="0"/>
+              <a:t>if</a:t>
+            </a:r>
+            <a:r>
+              <a:rPr lang="en-US" sz="4800" dirty="0" smtClean="0"/>
+              <a:t> can factor </a:t>
+            </a:r>
+            <a:r>
+              <a:rPr lang="en-US" sz="4800" dirty="0" smtClean="0">
+                <a:solidFill>
+                  <a:schemeClr val="accent5">
+                    <a:lumMod val="50000"/>
+                  </a:schemeClr>
+                </a:solidFill>
+              </a:rPr>
+              <a:t>n</a:t>
+            </a:r>
+          </a:p>
+          <a:p>
+            <a:pPr eaLnBrk="1" hangingPunct="1">
+              <a:lnSpc>
+                <a:spcPct val="90000"/>
+              </a:lnSpc>
+              <a:buFontTx/>
+              <a:buNone/>
+            </a:pPr>
+            <a:r>
+              <a:rPr lang="en-US" sz="4400" dirty="0" smtClean="0"/>
+              <a:t>  (find </a:t>
+            </a:r>
+            <a:r>
+              <a:rPr lang="en-US" sz="4400" dirty="0" smtClean="0">
+                <a:solidFill>
+                  <a:schemeClr val="accent5">
+                    <a:lumMod val="50000"/>
+                  </a:schemeClr>
+                </a:solidFill>
+              </a:rPr>
+              <a:t>d</a:t>
+            </a:r>
+            <a:r>
+              <a:rPr lang="en-US" sz="4400" dirty="0" smtClean="0">
+                <a:solidFill>
+                  <a:srgbClr val="3333CC"/>
+                </a:solidFill>
+              </a:rPr>
+              <a:t> </a:t>
+            </a:r>
+            <a:r>
+              <a:rPr lang="en-US" sz="4400" dirty="0" smtClean="0"/>
+              <a:t>same way receiver did)</a:t>
+            </a:r>
+          </a:p>
+          <a:p>
+            <a:pPr eaLnBrk="1" hangingPunct="1">
+              <a:lnSpc>
+                <a:spcPct val="90000"/>
+              </a:lnSpc>
+              <a:buFont typeface="Arial" pitchFamily="34" charset="0"/>
+              <a:buChar char="•"/>
+            </a:pPr>
+            <a:r>
+              <a:rPr lang="en-US" sz="4400" dirty="0" smtClean="0"/>
+              <a:t>conversely, from </a:t>
+            </a:r>
+            <a:r>
+              <a:rPr lang="en-US" sz="4400" dirty="0" smtClean="0">
+                <a:solidFill>
+                  <a:schemeClr val="accent5">
+                    <a:lumMod val="50000"/>
+                  </a:schemeClr>
+                </a:solidFill>
+              </a:rPr>
+              <a:t>d</a:t>
+            </a:r>
+            <a:r>
+              <a:rPr lang="en-US" sz="4400" dirty="0" smtClean="0">
+                <a:solidFill>
+                  <a:srgbClr val="3333CC"/>
+                </a:solidFill>
+              </a:rPr>
+              <a:t> </a:t>
+            </a:r>
+            <a:r>
+              <a:rPr lang="en-US" sz="4400" dirty="0" smtClean="0"/>
+              <a:t>can factor </a:t>
+            </a:r>
+            <a:r>
+              <a:rPr lang="en-US" sz="4400" dirty="0" smtClean="0">
+                <a:solidFill>
+                  <a:schemeClr val="accent5">
+                    <a:lumMod val="50000"/>
+                  </a:schemeClr>
+                </a:solidFill>
+              </a:rPr>
+              <a:t>n</a:t>
+            </a:r>
+            <a:endParaRPr lang="en-US" sz="4400" dirty="0" smtClean="0"/>
+          </a:p>
+          <a:p>
+            <a:pPr eaLnBrk="1" hangingPunct="1">
+              <a:lnSpc>
+                <a:spcPct val="90000"/>
+              </a:lnSpc>
+              <a:buFontTx/>
+              <a:buNone/>
+            </a:pPr>
+            <a:r>
+              <a:rPr lang="en-US" sz="4400" dirty="0" smtClean="0"/>
+              <a:t>  (but </a:t>
+            </a:r>
+            <a:r>
+              <a:rPr lang="en-US" sz="4400" dirty="0" smtClean="0">
+                <a:solidFill>
+                  <a:srgbClr val="FF00FF"/>
+                </a:solidFill>
+              </a:rPr>
+              <a:t>factoring appears hard</a:t>
+            </a:r>
+          </a:p>
+          <a:p>
+            <a:pPr eaLnBrk="1" hangingPunct="1">
+              <a:lnSpc>
+                <a:spcPct val="90000"/>
+              </a:lnSpc>
+              <a:buFontTx/>
+              <a:buNone/>
+            </a:pPr>
+            <a:r>
+              <a:rPr lang="en-US" sz="4400" dirty="0" smtClean="0">
+                <a:solidFill>
+                  <a:srgbClr val="FF00FF"/>
+                </a:solidFill>
+              </a:rPr>
+              <a:t>   </a:t>
+            </a:r>
+            <a:r>
+              <a:rPr lang="en-US" sz="4400" dirty="0" smtClean="0"/>
+              <a:t>so finding </a:t>
+            </a:r>
+            <a:r>
+              <a:rPr lang="en-US" sz="4400" dirty="0" smtClean="0">
+                <a:solidFill>
+                  <a:schemeClr val="accent5">
+                    <a:lumMod val="50000"/>
+                  </a:schemeClr>
+                </a:solidFill>
+              </a:rPr>
+              <a:t>d</a:t>
+            </a:r>
+            <a:r>
+              <a:rPr lang="en-US" sz="4400" dirty="0" smtClean="0"/>
+              <a:t> must also be hard)</a:t>
+            </a:r>
+          </a:p>
+          <a:p>
+            <a:pPr eaLnBrk="1" hangingPunct="1">
+              <a:lnSpc>
+                <a:spcPct val="90000"/>
+              </a:lnSpc>
+              <a:buFont typeface="Arial" pitchFamily="34" charset="0"/>
+              <a:buChar char="•"/>
+            </a:pPr>
+            <a:r>
+              <a:rPr lang="en-US" sz="4400" dirty="0" smtClean="0"/>
+              <a:t> RSA has withstood 35 years of attacks</a:t>
+            </a:r>
+          </a:p>
+        </p:txBody>
+      </p:sp>
+    </p:spTree>
+  </p:cSld>
+  <p:clrMapOvr>
+    <a:masterClrMapping/>
+  </p:clrMapOvr>
+  <p:transition xmlns:p14="http://schemas.microsoft.com/office/powerpoint/2010/main" spd="slow" advClick="0">
+    <p:fade thruBlk="1"/>
+  </p:transition>
+  <p:timing>
+    <p:tnLst>
+      <p:par>
+        <p:cTn xmlns:p14="http://schemas.microsoft.com/office/powerpoint/2010/main" id="1" dur="indefinite" restart="never" nodeType="tmRoot">
+          <p:childTnLst>
+            <p:seq concurrent="1" nextAc="seek">
+              <p:cTn id="2" dur="indefinite" nodeType="mainSeq">
+                <p:childTnLst>
+                  <p:par>
+                    <p:cTn id="3" fill="hold">
+                      <p:stCondLst>
+                        <p:cond delay="indefinite"/>
+                      </p:stCondLst>
+                      <p:childTnLst>
+                        <p:par>
+                          <p:cTn id="4" fill="hold">
+                            <p:stCondLst>
+                              <p:cond delay="0"/>
+                            </p:stCondLst>
+                            <p:childTnLst>
+                              <p:par>
+                                <p:cTn id="5" presetID="10" presetClass="entr" presetSubtype="0" fill="hold" nodeType="clickEffect">
+                                  <p:stCondLst>
+                                    <p:cond delay="0"/>
+                                  </p:stCondLst>
+                                  <p:childTnLst>
+                                    <p:set>
+                                      <p:cBhvr>
+                                        <p:cTn id="6" dur="1" fill="hold">
+                                          <p:stCondLst>
+                                            <p:cond delay="0"/>
+                                          </p:stCondLst>
+                                        </p:cTn>
+                                        <p:tgtEl>
+                                          <p:spTgt spid="397315">
+                                            <p:txEl>
+                                              <p:pRg st="0" end="0"/>
+                                            </p:txEl>
+                                          </p:spTgt>
+                                        </p:tgtEl>
+                                        <p:attrNameLst>
+                                          <p:attrName>style.visibility</p:attrName>
+                                        </p:attrNameLst>
+                                      </p:cBhvr>
+                                      <p:to>
+                                        <p:strVal val="visible"/>
+                                      </p:to>
+                                    </p:set>
+                                    <p:animEffect transition="in" filter="fade">
+                                      <p:cBhvr>
+                                        <p:cTn id="7" dur="500"/>
+                                        <p:tgtEl>
+                                          <p:spTgt spid="397315">
+                                            <p:txEl>
+                                              <p:pRg st="0" end="0"/>
+                                            </p:txEl>
+                                          </p:spTgt>
+                                        </p:tgtEl>
+                                      </p:cBhvr>
+                                    </p:animEffect>
+                                  </p:childTnLst>
+                                </p:cTn>
+                              </p:par>
+                              <p:par>
+                                <p:cTn id="8" presetID="10" presetClass="entr" presetSubtype="0" fill="hold" nodeType="withEffect">
+                                  <p:stCondLst>
+                                    <p:cond delay="0"/>
+                                  </p:stCondLst>
+                                  <p:childTnLst>
+                                    <p:set>
+                                      <p:cBhvr>
+                                        <p:cTn id="9" dur="1" fill="hold">
+                                          <p:stCondLst>
+                                            <p:cond delay="0"/>
+                                          </p:stCondLst>
+                                        </p:cTn>
+                                        <p:tgtEl>
+                                          <p:spTgt spid="397315">
+                                            <p:txEl>
+                                              <p:pRg st="1" end="1"/>
+                                            </p:txEl>
+                                          </p:spTgt>
+                                        </p:tgtEl>
+                                        <p:attrNameLst>
+                                          <p:attrName>style.visibility</p:attrName>
+                                        </p:attrNameLst>
+                                      </p:cBhvr>
+                                      <p:to>
+                                        <p:strVal val="visible"/>
+                                      </p:to>
+                                    </p:set>
+                                    <p:animEffect transition="in" filter="fade">
+                                      <p:cBhvr>
+                                        <p:cTn id="10" dur="500"/>
+                                        <p:tgtEl>
+                                          <p:spTgt spid="397315">
+                                            <p:txEl>
+                                              <p:pRg st="1" end="1"/>
+                                            </p:txEl>
+                                          </p:spTgt>
+                                        </p:tgtEl>
+                                      </p:cBhvr>
+                                    </p:animEffect>
+                                  </p:childTnLst>
+                                </p:cTn>
+                              </p:par>
+                            </p:childTnLst>
+                          </p:cTn>
+                        </p:par>
+                      </p:childTnLst>
+                    </p:cTn>
+                  </p:par>
+                  <p:par>
+                    <p:cTn id="11" fill="hold">
+                      <p:stCondLst>
+                        <p:cond delay="indefinite"/>
+                      </p:stCondLst>
+                      <p:childTnLst>
+                        <p:par>
+                          <p:cTn id="12" fill="hold">
+                            <p:stCondLst>
+                              <p:cond delay="0"/>
+                            </p:stCondLst>
+                            <p:childTnLst>
+                              <p:par>
+                                <p:cTn id="13" presetID="10" presetClass="entr" presetSubtype="0" fill="hold" nodeType="clickEffect">
+                                  <p:stCondLst>
+                                    <p:cond delay="0"/>
+                                  </p:stCondLst>
+                                  <p:childTnLst>
+                                    <p:set>
+                                      <p:cBhvr>
+                                        <p:cTn id="14" dur="1" fill="hold">
+                                          <p:stCondLst>
+                                            <p:cond delay="0"/>
+                                          </p:stCondLst>
+                                        </p:cTn>
+                                        <p:tgtEl>
+                                          <p:spTgt spid="397315">
+                                            <p:txEl>
+                                              <p:pRg st="2" end="2"/>
+                                            </p:txEl>
+                                          </p:spTgt>
+                                        </p:tgtEl>
+                                        <p:attrNameLst>
+                                          <p:attrName>style.visibility</p:attrName>
+                                        </p:attrNameLst>
+                                      </p:cBhvr>
+                                      <p:to>
+                                        <p:strVal val="visible"/>
+                                      </p:to>
+                                    </p:set>
+                                    <p:animEffect transition="in" filter="fade">
+                                      <p:cBhvr>
+                                        <p:cTn id="15" dur="500"/>
+                                        <p:tgtEl>
+                                          <p:spTgt spid="397315">
+                                            <p:txEl>
+                                              <p:pRg st="2" end="2"/>
+                                            </p:txEl>
+                                          </p:spTgt>
+                                        </p:tgtEl>
+                                      </p:cBhvr>
+                                    </p:animEffect>
+                                  </p:childTnLst>
+                                </p:cTn>
+                              </p:par>
+                            </p:childTnLst>
+                          </p:cTn>
+                        </p:par>
+                      </p:childTnLst>
+                    </p:cTn>
+                  </p:par>
+                  <p:par>
+                    <p:cTn id="16" fill="hold">
+                      <p:stCondLst>
+                        <p:cond delay="indefinite"/>
+                      </p:stCondLst>
+                      <p:childTnLst>
+                        <p:par>
+                          <p:cTn id="17" fill="hold">
+                            <p:stCondLst>
+                              <p:cond delay="0"/>
+                            </p:stCondLst>
+                            <p:childTnLst>
+                              <p:par>
+                                <p:cTn id="18" presetID="10" presetClass="entr" presetSubtype="0" fill="hold" nodeType="clickEffect">
+                                  <p:stCondLst>
+                                    <p:cond delay="0"/>
+                                  </p:stCondLst>
+                                  <p:childTnLst>
+                                    <p:set>
+                                      <p:cBhvr>
+                                        <p:cTn id="19" dur="1" fill="hold">
+                                          <p:stCondLst>
+                                            <p:cond delay="0"/>
+                                          </p:stCondLst>
+                                        </p:cTn>
+                                        <p:tgtEl>
+                                          <p:spTgt spid="397315">
+                                            <p:txEl>
+                                              <p:pRg st="3" end="3"/>
+                                            </p:txEl>
+                                          </p:spTgt>
+                                        </p:tgtEl>
+                                        <p:attrNameLst>
+                                          <p:attrName>style.visibility</p:attrName>
+                                        </p:attrNameLst>
+                                      </p:cBhvr>
+                                      <p:to>
+                                        <p:strVal val="visible"/>
+                                      </p:to>
+                                    </p:set>
+                                    <p:animEffect transition="in" filter="fade">
+                                      <p:cBhvr>
+                                        <p:cTn id="20" dur="500"/>
+                                        <p:tgtEl>
+                                          <p:spTgt spid="397315">
+                                            <p:txEl>
+                                              <p:pRg st="3" end="3"/>
+                                            </p:txEl>
+                                          </p:spTgt>
+                                        </p:tgtEl>
+                                      </p:cBhvr>
+                                    </p:animEffect>
+                                  </p:childTnLst>
+                                </p:cTn>
+                              </p:par>
+                            </p:childTnLst>
+                          </p:cTn>
+                        </p:par>
+                      </p:childTnLst>
+                    </p:cTn>
+                  </p:par>
+                  <p:par>
+                    <p:cTn id="21" fill="hold">
+                      <p:stCondLst>
+                        <p:cond delay="indefinite"/>
+                      </p:stCondLst>
+                      <p:childTnLst>
+                        <p:par>
+                          <p:cTn id="22" fill="hold">
+                            <p:stCondLst>
+                              <p:cond delay="0"/>
+                            </p:stCondLst>
+                            <p:childTnLst>
+                              <p:par>
+                                <p:cTn id="23" presetID="10" presetClass="entr" presetSubtype="0" fill="hold" nodeType="clickEffect">
+                                  <p:stCondLst>
+                                    <p:cond delay="0"/>
+                                  </p:stCondLst>
+                                  <p:childTnLst>
+                                    <p:set>
+                                      <p:cBhvr>
+                                        <p:cTn id="24" dur="1" fill="hold">
+                                          <p:stCondLst>
+                                            <p:cond delay="0"/>
+                                          </p:stCondLst>
+                                        </p:cTn>
+                                        <p:tgtEl>
+                                          <p:spTgt spid="397315">
+                                            <p:txEl>
+                                              <p:pRg st="4" end="4"/>
+                                            </p:txEl>
+                                          </p:spTgt>
+                                        </p:tgtEl>
+                                        <p:attrNameLst>
+                                          <p:attrName>style.visibility</p:attrName>
+                                        </p:attrNameLst>
+                                      </p:cBhvr>
+                                      <p:to>
+                                        <p:strVal val="visible"/>
+                                      </p:to>
+                                    </p:set>
+                                    <p:animEffect transition="in" filter="fade">
+                                      <p:cBhvr>
+                                        <p:cTn id="25" dur="500"/>
+                                        <p:tgtEl>
+                                          <p:spTgt spid="397315">
+                                            <p:txEl>
+                                              <p:pRg st="4" end="4"/>
+                                            </p:txEl>
+                                          </p:spTgt>
+                                        </p:tgtEl>
+                                      </p:cBhvr>
+                                    </p:animEffect>
+                                  </p:childTnLst>
+                                </p:cTn>
+                              </p:par>
+                            </p:childTnLst>
+                          </p:cTn>
+                        </p:par>
+                      </p:childTnLst>
+                    </p:cTn>
+                  </p:par>
+                  <p:par>
+                    <p:cTn id="26" fill="hold">
+                      <p:stCondLst>
+                        <p:cond delay="indefinite"/>
+                      </p:stCondLst>
+                      <p:childTnLst>
+                        <p:par>
+                          <p:cTn id="27" fill="hold">
+                            <p:stCondLst>
+                              <p:cond delay="0"/>
+                            </p:stCondLst>
+                            <p:childTnLst>
+                              <p:par>
+                                <p:cTn id="28" presetID="10" presetClass="entr" presetSubtype="0" fill="hold" nodeType="clickEffect">
+                                  <p:stCondLst>
+                                    <p:cond delay="0"/>
+                                  </p:stCondLst>
+                                  <p:childTnLst>
+                                    <p:set>
+                                      <p:cBhvr>
+                                        <p:cTn id="29" dur="1" fill="hold">
+                                          <p:stCondLst>
+                                            <p:cond delay="0"/>
+                                          </p:stCondLst>
+                                        </p:cTn>
+                                        <p:tgtEl>
+                                          <p:spTgt spid="397315">
+                                            <p:txEl>
+                                              <p:pRg st="5" end="5"/>
+                                            </p:txEl>
+                                          </p:spTgt>
+                                        </p:tgtEl>
+                                        <p:attrNameLst>
+                                          <p:attrName>style.visibility</p:attrName>
+                                        </p:attrNameLst>
+                                      </p:cBhvr>
+                                      <p:to>
+                                        <p:strVal val="visible"/>
+                                      </p:to>
+                                    </p:set>
+                                    <p:animEffect transition="in" filter="fade">
+                                      <p:cBhvr>
+                                        <p:cTn id="30" dur="500"/>
+                                        <p:tgtEl>
+                                          <p:spTgt spid="397315">
+                                            <p:txEl>
+                                              <p:pRg st="5" end="5"/>
+                                            </p:txEl>
+                                          </p:spTgt>
+                                        </p:tgtEl>
+                                      </p:cBhvr>
+                                    </p:animEffect>
+                                  </p:childTnLst>
+                                </p:cTn>
+                              </p:par>
+                            </p:childTnLst>
+                          </p:cTn>
+                        </p:par>
+                      </p:childTnLst>
+                    </p:cTn>
+                  </p:par>
+                </p:childTnLst>
+              </p:cTn>
+              <p:prevCondLst>
+                <p:cond evt="onPrev" delay="0">
+                  <p:tgtEl>
+                    <p:sldTgt/>
+                  </p:tgtEl>
+                </p:cond>
+              </p:prevCondLst>
+              <p:nextCondLst>
+                <p:cond evt="onNext" delay="0">
+                  <p:tgtEl>
+                    <p:sldTgt/>
+                  </p:tgtEl>
+                </p:cond>
+              </p:nextCondLst>
+            </p:seq>
+          </p:childTnLst>
+        </p:cTn>
+      </p:par>
+    </p:tnLst>
+  </p:timing>
+</p:sld>
+</file>
+
+<file path=ppt/slides/slide2.xml><?xml version="1.0" encoding="utf-8"?>
+<p:sld xmlns:a="http://schemas.openxmlformats.org/drawingml/2006/main" xmlns:r="http://schemas.openxmlformats.org/officeDocument/2006/relationships" xmlns:p="http://schemas.openxmlformats.org/presentationml/2006/main">
+  <p:cSld>
+    <p:spTree>
+      <p:nvGrpSpPr>
+        <p:cNvPr id="1" name=""/>
+        <p:cNvGrpSpPr/>
+        <p:nvPr/>
+      </p:nvGrpSpPr>
+      <p:grpSpPr>
+        <a:xfrm>
+          <a:off x="0" y="0"/>
+          <a:ext cx="0" cy="0"/>
+          <a:chOff x="0" y="0"/>
+          <a:chExt cx="0" cy="0"/>
+        </a:xfrm>
+      </p:grpSpPr>
+      <p:sp>
+        <p:nvSpPr>
+          <p:cNvPr id="2" name="Title 1"/>
+          <p:cNvSpPr>
+            <a:spLocks noGrp="1"/>
+          </p:cNvSpPr>
+          <p:nvPr>
+            <p:ph type="title"/>
+          </p:nvPr>
+        </p:nvSpPr>
+        <p:spPr/>
+        <p:txBody>
+          <a:bodyPr/>
+          <a:lstStyle/>
+          <a:p>
+            <a:r>
+              <a:rPr lang="en-US" dirty="0" smtClean="0"/>
+              <a:t>Public Key Cryptosystem</a:t>
+            </a:r>
+            <a:endParaRPr lang="en-US" dirty="0"/>
+          </a:p>
+        </p:txBody>
+      </p:sp>
+      <p:sp>
+        <p:nvSpPr>
+          <p:cNvPr id="3" name="Content Placeholder 2"/>
+          <p:cNvSpPr>
+            <a:spLocks noGrp="1"/>
+          </p:cNvSpPr>
+          <p:nvPr>
+            <p:ph idx="1"/>
+          </p:nvPr>
+        </p:nvSpPr>
+        <p:spPr>
+          <a:xfrm>
+            <a:off x="685800" y="1447800"/>
+            <a:ext cx="7772400" cy="4114800"/>
+          </a:xfrm>
+        </p:spPr>
+        <p:txBody>
+          <a:bodyPr/>
+          <a:lstStyle/>
+          <a:p>
+            <a:r>
+              <a:rPr lang="en-US" sz="4400" dirty="0" smtClean="0">
+                <a:solidFill>
+                  <a:srgbClr val="0000FF"/>
+                </a:solidFill>
+              </a:rPr>
+              <a:t>Anyone</a:t>
+            </a:r>
+            <a:r>
+              <a:rPr lang="en-US" sz="4400" dirty="0" smtClean="0"/>
+              <a:t> can send a secret </a:t>
+            </a:r>
+          </a:p>
+          <a:p>
+            <a:r>
+              <a:rPr lang="en-US" sz="4400" dirty="0" smtClean="0"/>
+              <a:t>(encrypted) message to the </a:t>
+            </a:r>
+          </a:p>
+          <a:p>
+            <a:r>
+              <a:rPr lang="en-US" sz="4400" dirty="0" smtClean="0"/>
+              <a:t>receiver, without any prior </a:t>
+            </a:r>
+          </a:p>
+          <a:p>
+            <a:r>
+              <a:rPr lang="en-US" sz="4400" dirty="0" smtClean="0"/>
+              <a:t>contact, </a:t>
+            </a:r>
+            <a:r>
+              <a:rPr lang="en-US" sz="4400" dirty="0" smtClean="0">
+                <a:solidFill>
+                  <a:srgbClr val="0000FF"/>
+                </a:solidFill>
+              </a:rPr>
+              <a:t>using publicly </a:t>
+            </a:r>
+          </a:p>
+          <a:p>
+            <a:r>
+              <a:rPr lang="en-US" sz="4400" dirty="0" smtClean="0">
+                <a:solidFill>
+                  <a:srgbClr val="0000FF"/>
+                </a:solidFill>
+              </a:rPr>
+              <a:t>available info</a:t>
+            </a:r>
+            <a:r>
+              <a:rPr lang="en-US" sz="4400" dirty="0" smtClean="0"/>
+              <a:t>.</a:t>
+            </a:r>
+            <a:endParaRPr lang="en-US" sz="4400" dirty="0"/>
+          </a:p>
+        </p:txBody>
+      </p:sp>
+      <p:sp>
+        <p:nvSpPr>
+          <p:cNvPr id="4" name="Slide Number Placeholder 3"/>
+          <p:cNvSpPr>
+            <a:spLocks noGrp="1"/>
+          </p:cNvSpPr>
+          <p:nvPr>
+            <p:ph type="sldNum" sz="quarter" idx="4"/>
+          </p:nvPr>
+        </p:nvSpPr>
+        <p:spPr/>
+        <p:txBody>
+          <a:bodyPr/>
+          <a:lstStyle/>
+          <a:p>
+            <a:pPr>
+              <a:defRPr/>
+            </a:pPr>
+            <a:r>
+              <a:rPr lang="en-US" smtClean="0"/>
+              <a:t>RSA</a:t>
+            </a:r>
+            <a:r>
+              <a:rPr lang="en-US" sz="1200" smtClean="0"/>
+              <a:t>.‹#›</a:t>
+            </a:r>
+            <a:endParaRPr lang="en-US" sz="1200" dirty="0"/>
+          </a:p>
+        </p:txBody>
+      </p:sp>
+    </p:spTree>
+    <p:extLst>
+      <p:ext uri="{BB962C8B-B14F-4D97-AF65-F5344CB8AC3E}">
+        <p14:creationId xmlns:p14="http://schemas.microsoft.com/office/powerpoint/2010/main" val="2806079854"/>
+      </p:ext>
+    </p:extLst>
+  </p:cSld>
+  <p:clrMapOvr>
+    <a:masterClrMapping/>
+  </p:clrMapOvr>
+  <mc:AlternateContent xmlns:mc="http://schemas.openxmlformats.org/markup-compatibility/2006">
+    <mc:Choice xmlns:p14="http://schemas.microsoft.com/office/powerpoint/2010/main" Requires="p14">
+      <p:transition spd="slow" p14:dur="900" advClick="0">
+        <p:fade/>
+      </p:transition>
+    </mc:Choice>
+    <mc:Fallback>
+      <p:transition xmlns:p14="http://schemas.microsoft.com/office/powerpoint/2010/main" spd="slow" advClick="0">
+        <p:fade/>
+      </p:transition>
+    </mc:Fallback>
+  </mc:AlternateContent>
+  <p:timing>
+    <p:tnLst>
+      <p:par>
+        <p:cTn xmlns:p14="http://schemas.microsoft.com/office/powerpoint/2010/main" id="1" dur="indefinite" restart="never" nodeType="tmRoot">
+          <p:childTnLst>
+            <p:seq concurrent="1" nextAc="seek">
+              <p:cTn id="2" dur="indefinite" nodeType="mainSeq">
+                <p:childTnLst>
+                  <p:par>
+                    <p:cTn id="3" fill="hold">
+                      <p:stCondLst>
+                        <p:cond delay="indefinite"/>
+                      </p:stCondLst>
+                      <p:childTnLst>
+                        <p:par>
+                          <p:cTn id="4" fill="hold">
+                            <p:stCondLst>
+                              <p:cond delay="0"/>
+                            </p:stCondLst>
+                            <p:childTnLst>
+                              <p:par>
+                                <p:cTn id="5" presetID="10" presetClass="entr" presetSubtype="0" fill="hold" grpId="0" nodeType="clickEffect">
+                                  <p:stCondLst>
+                                    <p:cond delay="0"/>
+                                  </p:stCondLst>
+                                  <p:childTnLst>
+                                    <p:set>
+                                      <p:cBhvr>
+                                        <p:cTn id="6" dur="1" fill="hold">
+                                          <p:stCondLst>
+                                            <p:cond delay="0"/>
+                                          </p:stCondLst>
+                                        </p:cTn>
+                                        <p:tgtEl>
+                                          <p:spTgt spid="3"/>
+                                        </p:tgtEl>
+                                        <p:attrNameLst>
+                                          <p:attrName>style.visibility</p:attrName>
+                                        </p:attrNameLst>
+                                      </p:cBhvr>
+                                      <p:to>
+                                        <p:strVal val="visible"/>
+                                      </p:to>
+                                    </p:set>
+                                    <p:animEffect transition="in" filter="fade">
+                                      <p:cBhvr>
+                                        <p:cTn id="7" dur="500"/>
+                                        <p:tgtEl>
+                                          <p:spTgt spid="3"/>
+                                        </p:tgtEl>
+                                      </p:cBhvr>
+                                    </p:animEffect>
+                                  </p:childTnLst>
+                                </p:cTn>
+                              </p:par>
+                            </p:childTnLst>
+                          </p:cTn>
+                        </p:par>
+                      </p:childTnLst>
+                    </p:cTn>
+                  </p:par>
+                </p:childTnLst>
+              </p:cTn>
+              <p:prevCondLst>
+                <p:cond evt="onPrev" delay="0">
+                  <p:tgtEl>
+                    <p:sldTgt/>
+                  </p:tgtEl>
+                </p:cond>
+              </p:prevCondLst>
+              <p:nextCondLst>
+                <p:cond evt="onNext" delay="0">
+                  <p:tgtEl>
+                    <p:sldTgt/>
+                  </p:tgtEl>
+                </p:cond>
+              </p:nextCondLst>
+            </p:seq>
+          </p:childTnLst>
+        </p:cTn>
+      </p:par>
+    </p:tnLst>
+    <p:bldLst>
+      <p:bldP spid="3" grpId="0"/>
+    </p:bldLst>
+  </p:timing>
+</p:sld>
+</file>
+
+<file path=ppt/slides/slide3.xml><?xml version="1.0" encoding="utf-8"?>
+<p:sld xmlns:a="http://schemas.openxmlformats.org/drawingml/2006/main" xmlns:r="http://schemas.openxmlformats.org/officeDocument/2006/relationships" xmlns:p="http://schemas.openxmlformats.org/presentationml/2006/main">
+  <p:cSld>
+    <p:spTree>
+      <p:nvGrpSpPr>
+        <p:cNvPr id="1" name=""/>
+        <p:cNvGrpSpPr/>
+        <p:nvPr/>
+      </p:nvGrpSpPr>
+      <p:grpSpPr>
+        <a:xfrm>
+          <a:off x="0" y="0"/>
+          <a:ext cx="0" cy="0"/>
+          <a:chOff x="0" y="0"/>
+          <a:chExt cx="0" cy="0"/>
+        </a:xfrm>
+      </p:grpSpPr>
+      <p:sp>
+        <p:nvSpPr>
+          <p:cNvPr id="2" name="Title 1"/>
+          <p:cNvSpPr>
+            <a:spLocks noGrp="1"/>
+          </p:cNvSpPr>
+          <p:nvPr>
+            <p:ph type="title"/>
+          </p:nvPr>
+        </p:nvSpPr>
+        <p:spPr/>
+        <p:txBody>
+          <a:bodyPr/>
+          <a:lstStyle/>
+          <a:p>
+            <a:r>
+              <a:rPr lang="en-US" dirty="0" smtClean="0"/>
+              <a:t>Public Key Cryptosystem</a:t>
+            </a:r>
+            <a:endParaRPr lang="en-US" dirty="0"/>
+          </a:p>
+        </p:txBody>
+      </p:sp>
+      <p:sp>
+        <p:nvSpPr>
+          <p:cNvPr id="3" name="Content Placeholder 2"/>
+          <p:cNvSpPr>
+            <a:spLocks noGrp="1"/>
+          </p:cNvSpPr>
+          <p:nvPr>
+            <p:ph idx="1"/>
+          </p:nvPr>
+        </p:nvSpPr>
+        <p:spPr>
+          <a:xfrm>
+            <a:off x="457200" y="1447800"/>
+            <a:ext cx="8229600" cy="4191000"/>
+          </a:xfrm>
+        </p:spPr>
+        <p:txBody>
+          <a:bodyPr/>
+          <a:lstStyle/>
+          <a:p>
+            <a:r>
+              <a:rPr lang="en-US" sz="4400" dirty="0" smtClean="0"/>
+              <a:t>This sounds </a:t>
+            </a:r>
+            <a:r>
+              <a:rPr lang="en-US" sz="4400" dirty="0" smtClean="0">
+                <a:solidFill>
+                  <a:schemeClr val="accent1">
+                    <a:lumMod val="50000"/>
+                  </a:schemeClr>
+                </a:solidFill>
+              </a:rPr>
+              <a:t>paradoxical</a:t>
+            </a:r>
+            <a:r>
+              <a:rPr lang="en-US" sz="4400" dirty="0" smtClean="0"/>
+              <a:t>: how </a:t>
+            </a:r>
+          </a:p>
+          <a:p>
+            <a:r>
+              <a:rPr lang="en-US" sz="4400" dirty="0" smtClean="0"/>
+              <a:t>can </a:t>
+            </a:r>
+            <a:r>
+              <a:rPr lang="en-US" sz="4400" dirty="0" smtClean="0">
+                <a:solidFill>
+                  <a:srgbClr val="FF0000"/>
+                </a:solidFill>
+              </a:rPr>
+              <a:t>secrecy</a:t>
+            </a:r>
+            <a:r>
+              <a:rPr lang="en-US" sz="4400" dirty="0" smtClean="0"/>
+              <a:t> be possible using </a:t>
+            </a:r>
+          </a:p>
+          <a:p>
+            <a:r>
+              <a:rPr lang="en-US" sz="4400" dirty="0" smtClean="0"/>
+              <a:t>only </a:t>
+            </a:r>
+            <a:r>
+              <a:rPr lang="en-US" sz="4400" dirty="0" smtClean="0">
+                <a:solidFill>
+                  <a:srgbClr val="0000CC"/>
+                </a:solidFill>
+              </a:rPr>
+              <a:t>public</a:t>
+            </a:r>
+            <a:r>
+              <a:rPr lang="en-US" sz="4400" dirty="0" smtClean="0"/>
+              <a:t> info?</a:t>
+            </a:r>
+          </a:p>
+          <a:p>
+            <a:r>
+              <a:rPr lang="en-US" sz="4400" dirty="0" smtClean="0"/>
+              <a:t>Actually has paradoxical</a:t>
+            </a:r>
+          </a:p>
+          <a:p>
+            <a:r>
+              <a:rPr lang="en-US" sz="4400" dirty="0" smtClean="0"/>
+              <a:t>consequences.</a:t>
+            </a:r>
+            <a:endParaRPr lang="en-US" sz="4400" dirty="0"/>
+          </a:p>
+        </p:txBody>
+      </p:sp>
+      <p:sp>
+        <p:nvSpPr>
+          <p:cNvPr id="4" name="Slide Number Placeholder 3"/>
+          <p:cNvSpPr>
+            <a:spLocks noGrp="1"/>
+          </p:cNvSpPr>
+          <p:nvPr>
+            <p:ph type="sldNum" sz="quarter" idx="4"/>
+          </p:nvPr>
+        </p:nvSpPr>
+        <p:spPr/>
+        <p:txBody>
+          <a:bodyPr/>
+          <a:lstStyle/>
+          <a:p>
+            <a:pPr>
+              <a:defRPr/>
+            </a:pPr>
+            <a:r>
+              <a:rPr lang="en-US" smtClean="0"/>
+              <a:t>RSA</a:t>
+            </a:r>
+            <a:r>
+              <a:rPr lang="en-US" sz="1200" smtClean="0"/>
+              <a:t>.‹#›</a:t>
+            </a:r>
+            <a:endParaRPr lang="en-US" sz="1200" dirty="0"/>
+          </a:p>
+        </p:txBody>
+      </p:sp>
+    </p:spTree>
+    <p:extLst>
+      <p:ext uri="{BB962C8B-B14F-4D97-AF65-F5344CB8AC3E}">
+        <p14:creationId xmlns:p14="http://schemas.microsoft.com/office/powerpoint/2010/main" val="3265677653"/>
+      </p:ext>
+    </p:extLst>
+  </p:cSld>
+  <p:clrMapOvr>
+    <a:masterClrMapping/>
+  </p:clrMapOvr>
+  <mc:AlternateContent xmlns:mc="http://schemas.openxmlformats.org/markup-compatibility/2006">
+    <mc:Choice xmlns:p14="http://schemas.microsoft.com/office/powerpoint/2010/main" Requires="p14">
+      <p:transition spd="slow" p14:dur="900" advClick="0">
+        <p:fade/>
+      </p:transition>
+    </mc:Choice>
+    <mc:Fallback>
+      <p:transition xmlns:p14="http://schemas.microsoft.com/office/powerpoint/2010/main" spd="slow" advClick="0">
+        <p:fade/>
+      </p:transition>
+    </mc:Fallback>
+  </mc:AlternateContent>
+  <p:timing>
+    <p:tnLst>
+      <p:par>
+        <p:cTn xmlns:p14="http://schemas.microsoft.com/office/powerpoint/2010/main" id="1" dur="indefinite" restart="never" nodeType="tmRoot"/>
+      </p:par>
+    </p:tnLst>
+  </p:timing>
+</p:sld>
+</file>
+
+<file path=ppt/slides/slide4.xml><?xml version="1.0" encoding="utf-8"?>
+<p:sld xmlns:a="http://schemas.openxmlformats.org/drawingml/2006/main" xmlns:r="http://schemas.openxmlformats.org/officeDocument/2006/relationships" xmlns:p="http://schemas.openxmlformats.org/presentationml/2006/main">
+  <p:cSld>
+    <p:spTree>
+      <p:nvGrpSpPr>
+        <p:cNvPr id="1" name=""/>
+        <p:cNvGrpSpPr/>
+        <p:nvPr/>
+      </p:nvGrpSpPr>
+      <p:grpSpPr>
+        <a:xfrm>
+          <a:off x="0" y="0"/>
+          <a:ext cx="0" cy="0"/>
+          <a:chOff x="0" y="0"/>
+          <a:chExt cx="0" cy="0"/>
+        </a:xfrm>
+      </p:grpSpPr>
+      <p:sp>
+        <p:nvSpPr>
+          <p:cNvPr id="2" name="Title 1"/>
+          <p:cNvSpPr>
+            <a:spLocks noGrp="1"/>
+          </p:cNvSpPr>
+          <p:nvPr>
+            <p:ph type="title"/>
+          </p:nvPr>
+        </p:nvSpPr>
+        <p:spPr>
+          <a:xfrm>
+            <a:off x="1943100" y="-17874"/>
+            <a:ext cx="5257800" cy="1143000"/>
+          </a:xfrm>
+        </p:spPr>
+        <p:txBody>
+          <a:bodyPr/>
+          <a:lstStyle/>
+          <a:p>
+            <a:r>
+              <a:rPr lang="en-US" sz="4000" dirty="0" smtClean="0"/>
+              <a:t>Mental Chess</a:t>
+            </a:r>
+            <a:endParaRPr lang="en-US" sz="4000" dirty="0"/>
+          </a:p>
+        </p:txBody>
+      </p:sp>
+      <p:sp>
+        <p:nvSpPr>
+          <p:cNvPr id="3" name="Content Placeholder 2"/>
+          <p:cNvSpPr>
+            <a:spLocks noGrp="1"/>
+          </p:cNvSpPr>
+          <p:nvPr>
+            <p:ph idx="1"/>
+          </p:nvPr>
+        </p:nvSpPr>
+        <p:spPr>
+          <a:xfrm>
+            <a:off x="228600" y="990600"/>
+            <a:ext cx="8458200" cy="3429000"/>
+          </a:xfrm>
+        </p:spPr>
+        <p:txBody>
+          <a:bodyPr/>
+          <a:lstStyle/>
+          <a:p>
+            <a:r>
+              <a:rPr lang="en-US" sz="4400" dirty="0" smtClean="0"/>
+              <a:t>Chess </a:t>
+            </a:r>
+            <a:r>
+              <a:rPr lang="en-US" sz="4400" dirty="0"/>
+              <a:t>masters </a:t>
+            </a:r>
+            <a:r>
+              <a:rPr lang="en-US" sz="4400" dirty="0" smtClean="0"/>
+              <a:t>can play without </a:t>
+            </a:r>
+          </a:p>
+          <a:p>
+            <a:r>
+              <a:rPr lang="en-US" sz="4400" dirty="0" smtClean="0"/>
+              <a:t>having a chess board:</a:t>
+            </a:r>
+          </a:p>
+          <a:p>
+            <a:pPr algn="ctr"/>
+            <a:r>
+              <a:rPr lang="en-US" sz="4400" dirty="0" smtClean="0"/>
+              <a:t>“</a:t>
+            </a:r>
+            <a:r>
+              <a:rPr lang="en-US" sz="4400" dirty="0"/>
+              <a:t>mental </a:t>
+            </a:r>
+            <a:r>
+              <a:rPr lang="en-US" sz="4400" dirty="0" smtClean="0"/>
+              <a:t>chess.”</a:t>
+            </a:r>
+          </a:p>
+          <a:p>
+            <a:r>
+              <a:rPr lang="en-US" sz="4400" dirty="0" smtClean="0"/>
+              <a:t>OK, how about “</a:t>
+            </a:r>
+            <a:r>
+              <a:rPr lang="en-US" sz="4400" dirty="0" smtClean="0">
+                <a:solidFill>
+                  <a:srgbClr val="0000FF"/>
+                </a:solidFill>
+              </a:rPr>
+              <a:t>mental poker</a:t>
+            </a:r>
+            <a:r>
+              <a:rPr lang="en-US" sz="4400" dirty="0" smtClean="0">
+                <a:solidFill>
+                  <a:srgbClr val="000000"/>
+                </a:solidFill>
+              </a:rPr>
+              <a:t>”?</a:t>
+            </a:r>
+          </a:p>
+          <a:p>
+            <a:endParaRPr lang="en-US" sz="4400" dirty="0"/>
+          </a:p>
+        </p:txBody>
+      </p:sp>
+      <p:sp>
+        <p:nvSpPr>
+          <p:cNvPr id="4" name="Slide Number Placeholder 3"/>
+          <p:cNvSpPr>
+            <a:spLocks noGrp="1"/>
+          </p:cNvSpPr>
+          <p:nvPr>
+            <p:ph type="sldNum" sz="quarter" idx="4"/>
+          </p:nvPr>
+        </p:nvSpPr>
+        <p:spPr/>
+        <p:txBody>
+          <a:bodyPr/>
+          <a:lstStyle/>
+          <a:p>
+            <a:pPr>
+              <a:defRPr/>
+            </a:pPr>
+            <a:r>
+              <a:rPr lang="en-US" smtClean="0"/>
+              <a:t>RSA</a:t>
+            </a:r>
+            <a:r>
+              <a:rPr lang="en-US" sz="1200" smtClean="0"/>
+              <a:t>.‹#›</a:t>
+            </a:r>
+            <a:endParaRPr lang="en-US" sz="1200" dirty="0"/>
+          </a:p>
+        </p:txBody>
+      </p:sp>
+      <p:sp>
+        <p:nvSpPr>
+          <p:cNvPr id="5" name="TextBox 4"/>
+          <p:cNvSpPr txBox="1"/>
+          <p:nvPr/>
+        </p:nvSpPr>
+        <p:spPr>
+          <a:xfrm>
+            <a:off x="304800" y="4191000"/>
+            <a:ext cx="4144547" cy="923330"/>
+          </a:xfrm>
+          <a:prstGeom prst="rect">
+            <a:avLst/>
+          </a:prstGeom>
+          <a:noFill/>
+        </p:spPr>
+        <p:txBody>
+          <a:bodyPr wrap="none" rtlCol="0">
+            <a:spAutoFit/>
+          </a:bodyPr>
+          <a:lstStyle/>
+          <a:p>
+            <a:pPr marL="342900" lvl="0" indent="-342900">
+              <a:spcBef>
+                <a:spcPct val="20000"/>
+              </a:spcBef>
+            </a:pPr>
+            <a:r>
+              <a:rPr lang="en-US" sz="5400" kern="0" dirty="0">
+                <a:solidFill>
+                  <a:srgbClr val="000000"/>
+                </a:solidFill>
+                <a:latin typeface="Comic Sans MS"/>
+              </a:rPr>
+              <a:t>--</a:t>
+            </a:r>
+            <a:r>
+              <a:rPr lang="en-US" sz="5400" kern="0" dirty="0">
+                <a:solidFill>
+                  <a:srgbClr val="0000CC"/>
+                </a:solidFill>
+                <a:latin typeface="Comic Sans MS"/>
+              </a:rPr>
+              <a:t>I’ll </a:t>
+            </a:r>
+            <a:r>
+              <a:rPr lang="en-US" sz="5400" kern="0" dirty="0" smtClean="0">
+                <a:solidFill>
+                  <a:srgbClr val="0000CC"/>
+                </a:solidFill>
+                <a:latin typeface="Comic Sans MS"/>
+              </a:rPr>
+              <a:t>deal</a:t>
+            </a:r>
+            <a:r>
+              <a:rPr lang="en-US" sz="5400" kern="0" dirty="0" smtClean="0">
+                <a:latin typeface="Comic Sans MS"/>
+              </a:rPr>
+              <a:t>.</a:t>
+            </a:r>
+            <a:r>
+              <a:rPr lang="en-US" sz="5400" kern="0" dirty="0" smtClean="0">
+                <a:solidFill>
+                  <a:srgbClr val="0000CC"/>
+                </a:solidFill>
+                <a:latin typeface="Comic Sans MS"/>
+              </a:rPr>
+              <a:t> </a:t>
+            </a:r>
+            <a:r>
+              <a:rPr lang="en-US" sz="5400" kern="0" dirty="0" smtClean="0">
+                <a:solidFill>
+                  <a:srgbClr val="FFFF00"/>
+                </a:solidFill>
+                <a:latin typeface="Comic Sans MS"/>
+                <a:sym typeface="Wingdings"/>
+              </a:rPr>
+              <a:t></a:t>
+            </a:r>
+            <a:endParaRPr lang="en-US" sz="5400" kern="0" dirty="0">
+              <a:solidFill>
+                <a:srgbClr val="FFFF00"/>
+              </a:solidFill>
+              <a:latin typeface="Comic Sans MS"/>
+            </a:endParaRPr>
+          </a:p>
+        </p:txBody>
+      </p:sp>
+      <p:sp>
+        <p:nvSpPr>
+          <p:cNvPr id="6" name="TextBox 5"/>
+          <p:cNvSpPr txBox="1"/>
+          <p:nvPr/>
+        </p:nvSpPr>
+        <p:spPr>
+          <a:xfrm>
+            <a:off x="381000" y="5181600"/>
+            <a:ext cx="7411592" cy="923330"/>
+          </a:xfrm>
+          <a:prstGeom prst="rect">
+            <a:avLst/>
+          </a:prstGeom>
+          <a:noFill/>
+        </p:spPr>
+        <p:txBody>
+          <a:bodyPr wrap="none" rtlCol="0">
+            <a:spAutoFit/>
+          </a:bodyPr>
+          <a:lstStyle/>
+          <a:p>
+            <a:r>
+              <a:rPr lang="en-US" sz="5400" dirty="0" smtClean="0">
+                <a:latin typeface="+mj-lt"/>
+              </a:rPr>
+              <a:t>No joke!  It’s possible.</a:t>
+            </a:r>
+            <a:endParaRPr lang="en-US" sz="5400" dirty="0" smtClean="0">
+              <a:latin typeface="+mj-lt"/>
+            </a:endParaRPr>
+          </a:p>
+        </p:txBody>
+      </p:sp>
+      <p:grpSp>
+        <p:nvGrpSpPr>
+          <p:cNvPr id="18" name="Group 17"/>
+          <p:cNvGrpSpPr/>
+          <p:nvPr/>
+        </p:nvGrpSpPr>
+        <p:grpSpPr>
+          <a:xfrm>
+            <a:off x="3733800" y="4343400"/>
+            <a:ext cx="609600" cy="685800"/>
+            <a:chOff x="3733800" y="4343400"/>
+            <a:chExt cx="609600" cy="685800"/>
+          </a:xfrm>
+        </p:grpSpPr>
+        <p:cxnSp>
+          <p:nvCxnSpPr>
+            <p:cNvPr id="8" name="Straight Connector 7"/>
+            <p:cNvCxnSpPr/>
+            <p:nvPr/>
+          </p:nvCxnSpPr>
+          <p:spPr bwMode="auto">
+            <a:xfrm flipV="1">
+              <a:off x="3733800" y="4343400"/>
+              <a:ext cx="609600" cy="685800"/>
+            </a:xfrm>
+            <a:prstGeom prst="line">
+              <a:avLst/>
+            </a:prstGeom>
+            <a:noFill/>
+            <a:ln w="38100" cap="flat" cmpd="sng" algn="ctr">
+              <a:solidFill>
+                <a:srgbClr val="FF0000"/>
+              </a:solidFill>
+              <a:prstDash val="solid"/>
+              <a:round/>
+              <a:headEnd type="none" w="med" len="med"/>
+              <a:tailEnd type="none"/>
+            </a:ln>
+            <a:effectLst/>
+          </p:spPr>
+        </p:cxnSp>
+        <p:cxnSp>
+          <p:nvCxnSpPr>
+            <p:cNvPr id="11" name="Straight Connector 10"/>
+            <p:cNvCxnSpPr/>
+            <p:nvPr/>
+          </p:nvCxnSpPr>
+          <p:spPr bwMode="auto">
+            <a:xfrm flipH="1" flipV="1">
+              <a:off x="3733800" y="4343400"/>
+              <a:ext cx="609600" cy="685800"/>
+            </a:xfrm>
+            <a:prstGeom prst="line">
+              <a:avLst/>
+            </a:prstGeom>
+            <a:noFill/>
+            <a:ln w="38100" cap="flat" cmpd="sng" algn="ctr">
+              <a:solidFill>
+                <a:srgbClr val="FF0000"/>
+              </a:solidFill>
+              <a:prstDash val="solid"/>
+              <a:round/>
+              <a:headEnd type="none" w="med" len="med"/>
+              <a:tailEnd type="none"/>
+            </a:ln>
+            <a:effectLst/>
+          </p:spPr>
+        </p:cxnSp>
+      </p:grpSp>
+    </p:spTree>
+    <p:extLst>
+      <p:ext uri="{BB962C8B-B14F-4D97-AF65-F5344CB8AC3E}">
+        <p14:creationId xmlns:p14="http://schemas.microsoft.com/office/powerpoint/2010/main" val="3909147790"/>
+      </p:ext>
+    </p:extLst>
+  </p:cSld>
+  <p:clrMapOvr>
+    <a:masterClrMapping/>
+  </p:clrMapOvr>
+  <mc:AlternateContent xmlns:mc="http://schemas.openxmlformats.org/markup-compatibility/2006">
+    <mc:Choice xmlns:p14="http://schemas.microsoft.com/office/powerpoint/2010/main" Requires="p14">
+      <p:transition spd="slow" p14:dur="900" advClick="0">
+        <p:fade/>
+      </p:transition>
+    </mc:Choice>
+    <mc:Fallback>
+      <p:transition xmlns:p14="http://schemas.microsoft.com/office/powerpoint/2010/main" spd="slow" advClick="0">
+        <p:fade/>
+      </p:transition>
+    </mc:Fallback>
+  </mc:AlternateContent>
+  <p:timing>
+    <p:tnLst>
+      <p:par>
+        <p:cTn xmlns:p14="http://schemas.microsoft.com/office/powerpoint/2010/main" id="1" dur="indefinite" restart="never" nodeType="tmRoot">
+          <p:childTnLst>
+            <p:seq concurrent="1" nextAc="seek">
+              <p:cTn id="2" dur="indefinite" nodeType="mainSeq">
+                <p:childTnLst>
+                  <p:par>
+                    <p:cTn id="3" fill="hold">
+                      <p:stCondLst>
+                        <p:cond delay="indefinite"/>
+                      </p:stCondLst>
+                      <p:childTnLst>
+                        <p:par>
+                          <p:cTn id="4" fill="hold">
+                            <p:stCondLst>
+                              <p:cond delay="0"/>
+                            </p:stCondLst>
+                            <p:childTnLst>
+                              <p:par>
+                                <p:cTn id="5" presetID="10" presetClass="entr" presetSubtype="0" fill="hold" nodeType="clickEffect">
+                                  <p:stCondLst>
+                                    <p:cond delay="0"/>
+                                  </p:stCondLst>
+                                  <p:childTnLst>
+                                    <p:set>
+                                      <p:cBhvr>
+                                        <p:cTn id="6" dur="1" fill="hold">
+                                          <p:stCondLst>
+                                            <p:cond delay="0"/>
+                                          </p:stCondLst>
+                                        </p:cTn>
+                                        <p:tgtEl>
+                                          <p:spTgt spid="3">
+                                            <p:txEl>
+                                              <p:pRg st="3" end="3"/>
+                                            </p:txEl>
+                                          </p:spTgt>
+                                        </p:tgtEl>
+                                        <p:attrNameLst>
+                                          <p:attrName>style.visibility</p:attrName>
+                                        </p:attrNameLst>
+                                      </p:cBhvr>
+                                      <p:to>
+                                        <p:strVal val="visible"/>
+                                      </p:to>
+                                    </p:set>
+                                    <p:animEffect transition="in" filter="fade">
+                                      <p:cBhvr>
+                                        <p:cTn id="7" dur="500"/>
+                                        <p:tgtEl>
+                                          <p:spTgt spid="3">
+                                            <p:txEl>
+                                              <p:pRg st="3" end="3"/>
+                                            </p:txEl>
+                                          </p:spTgt>
+                                        </p:tgtEl>
+                                      </p:cBhvr>
+                                    </p:animEffect>
+                                  </p:childTnLst>
+                                </p:cTn>
+                              </p:par>
+                            </p:childTnLst>
+                          </p:cTn>
+                        </p:par>
+                      </p:childTnLst>
+                    </p:cTn>
+                  </p:par>
+                  <p:par>
+                    <p:cTn id="8" fill="hold">
+                      <p:stCondLst>
+                        <p:cond delay="indefinite"/>
+                      </p:stCondLst>
+                      <p:childTnLst>
+                        <p:par>
+                          <p:cTn id="9" fill="hold">
+                            <p:stCondLst>
+                              <p:cond delay="0"/>
+                            </p:stCondLst>
+                            <p:childTnLst>
+                              <p:par>
+                                <p:cTn id="10" presetID="22" presetClass="entr" presetSubtype="8" fill="hold" grpId="0" nodeType="clickEffect">
+                                  <p:stCondLst>
+                                    <p:cond delay="0"/>
+                                  </p:stCondLst>
+                                  <p:childTnLst>
+                                    <p:set>
+                                      <p:cBhvr>
+                                        <p:cTn id="11" dur="1" fill="hold">
+                                          <p:stCondLst>
+                                            <p:cond delay="0"/>
+                                          </p:stCondLst>
+                                        </p:cTn>
+                                        <p:tgtEl>
+                                          <p:spTgt spid="5"/>
+                                        </p:tgtEl>
+                                        <p:attrNameLst>
+                                          <p:attrName>style.visibility</p:attrName>
+                                        </p:attrNameLst>
+                                      </p:cBhvr>
+                                      <p:to>
+                                        <p:strVal val="visible"/>
+                                      </p:to>
+                                    </p:set>
+                                    <p:animEffect transition="in" filter="wipe(left)">
+                                      <p:cBhvr>
+                                        <p:cTn id="12" dur="500"/>
+                                        <p:tgtEl>
+                                          <p:spTgt spid="5"/>
+                                        </p:tgtEl>
+                                      </p:cBhvr>
+                                    </p:animEffect>
+                                  </p:childTnLst>
+                                </p:cTn>
+                              </p:par>
+                            </p:childTnLst>
+                          </p:cTn>
+                        </p:par>
+                      </p:childTnLst>
+                    </p:cTn>
+                  </p:par>
+                  <p:par>
+                    <p:cTn id="13" fill="hold">
+                      <p:stCondLst>
+                        <p:cond delay="indefinite"/>
+                      </p:stCondLst>
+                      <p:childTnLst>
+                        <p:par>
+                          <p:cTn id="14" fill="hold">
+                            <p:stCondLst>
+                              <p:cond delay="0"/>
+                            </p:stCondLst>
+                            <p:childTnLst>
+                              <p:par>
+                                <p:cTn id="15" presetID="55" presetClass="entr" presetSubtype="0" fill="hold" nodeType="clickEffect">
+                                  <p:stCondLst>
+                                    <p:cond delay="0"/>
+                                  </p:stCondLst>
+                                  <p:childTnLst>
+                                    <p:set>
+                                      <p:cBhvr>
+                                        <p:cTn id="16" dur="1" fill="hold">
+                                          <p:stCondLst>
+                                            <p:cond delay="0"/>
+                                          </p:stCondLst>
+                                        </p:cTn>
+                                        <p:tgtEl>
+                                          <p:spTgt spid="18"/>
+                                        </p:tgtEl>
+                                        <p:attrNameLst>
+                                          <p:attrName>style.visibility</p:attrName>
+                                        </p:attrNameLst>
+                                      </p:cBhvr>
+                                      <p:to>
+                                        <p:strVal val="visible"/>
+                                      </p:to>
+                                    </p:set>
+                                    <p:anim calcmode="lin" valueType="num">
+                                      <p:cBhvr>
+                                        <p:cTn id="17" dur="1000" fill="hold"/>
+                                        <p:tgtEl>
+                                          <p:spTgt spid="18"/>
+                                        </p:tgtEl>
+                                        <p:attrNameLst>
+                                          <p:attrName>ppt_w</p:attrName>
+                                        </p:attrNameLst>
+                                      </p:cBhvr>
+                                      <p:tavLst>
+                                        <p:tav tm="0">
+                                          <p:val>
+                                            <p:strVal val="#ppt_w*0.70"/>
+                                          </p:val>
+                                        </p:tav>
+                                        <p:tav tm="100000">
+                                          <p:val>
+                                            <p:strVal val="#ppt_w"/>
+                                          </p:val>
+                                        </p:tav>
+                                      </p:tavLst>
+                                    </p:anim>
+                                    <p:anim calcmode="lin" valueType="num">
+                                      <p:cBhvr>
+                                        <p:cTn id="18" dur="1000" fill="hold"/>
+                                        <p:tgtEl>
+                                          <p:spTgt spid="18"/>
+                                        </p:tgtEl>
+                                        <p:attrNameLst>
+                                          <p:attrName>ppt_h</p:attrName>
+                                        </p:attrNameLst>
+                                      </p:cBhvr>
+                                      <p:tavLst>
+                                        <p:tav tm="0">
+                                          <p:val>
+                                            <p:strVal val="#ppt_h"/>
+                                          </p:val>
+                                        </p:tav>
+                                        <p:tav tm="100000">
+                                          <p:val>
+                                            <p:strVal val="#ppt_h"/>
+                                          </p:val>
+                                        </p:tav>
+                                      </p:tavLst>
+                                    </p:anim>
+                                    <p:animEffect transition="in" filter="fade">
+                                      <p:cBhvr>
+                                        <p:cTn id="19" dur="1000"/>
+                                        <p:tgtEl>
+                                          <p:spTgt spid="18"/>
+                                        </p:tgtEl>
+                                      </p:cBhvr>
+                                    </p:animEffect>
+                                  </p:childTnLst>
+                                </p:cTn>
+                              </p:par>
+                              <p:par>
+                                <p:cTn id="20" presetID="10" presetClass="entr" presetSubtype="0" fill="hold" grpId="0" nodeType="withEffect">
+                                  <p:stCondLst>
+                                    <p:cond delay="0"/>
+                                  </p:stCondLst>
+                                  <p:childTnLst>
+                                    <p:set>
+                                      <p:cBhvr>
+                                        <p:cTn id="21" dur="1" fill="hold">
+                                          <p:stCondLst>
+                                            <p:cond delay="0"/>
+                                          </p:stCondLst>
+                                        </p:cTn>
+                                        <p:tgtEl>
+                                          <p:spTgt spid="6"/>
+                                        </p:tgtEl>
+                                        <p:attrNameLst>
+                                          <p:attrName>style.visibility</p:attrName>
+                                        </p:attrNameLst>
+                                      </p:cBhvr>
+                                      <p:to>
+                                        <p:strVal val="visible"/>
+                                      </p:to>
+                                    </p:set>
+                                    <p:animEffect transition="in" filter="fade">
+                                      <p:cBhvr>
+                                        <p:cTn id="22" dur="500"/>
+                                        <p:tgtEl>
+                                          <p:spTgt spid="6"/>
+                                        </p:tgtEl>
+                                      </p:cBhvr>
+                                    </p:animEffect>
+                                  </p:childTnLst>
+                                </p:cTn>
+                              </p:par>
+                            </p:childTnLst>
+                          </p:cTn>
+                        </p:par>
+                      </p:childTnLst>
+                    </p:cTn>
+                  </p:par>
+                </p:childTnLst>
+              </p:cTn>
+              <p:prevCondLst>
+                <p:cond evt="onPrev" delay="0">
+                  <p:tgtEl>
+                    <p:sldTgt/>
+                  </p:tgtEl>
+                </p:cond>
+              </p:prevCondLst>
+              <p:nextCondLst>
+                <p:cond evt="onNext" delay="0">
+                  <p:tgtEl>
+                    <p:sldTgt/>
+                  </p:tgtEl>
+                </p:cond>
+              </p:nextCondLst>
+            </p:seq>
+          </p:childTnLst>
+        </p:cTn>
+      </p:par>
+    </p:tnLst>
+    <p:bldLst>
+      <p:bldP spid="5" grpId="0"/>
+      <p:bldP spid="6" grpId="0"/>
+    </p:bldLst>
+  </p:timing>
+</p:sld>
+</file>
+
+<file path=ppt/slides/slide5.xml><?xml version="1.0" encoding="utf-8"?>
+<p:sld xmlns:a="http://schemas.openxmlformats.org/drawingml/2006/main" xmlns:r="http://schemas.openxmlformats.org/officeDocument/2006/relationships" xmlns:p="http://schemas.openxmlformats.org/presentationml/2006/main">
+  <p:cSld>
+    <p:spTree>
+      <p:nvGrpSpPr>
+        <p:cNvPr id="1" name=""/>
+        <p:cNvGrpSpPr/>
+        <p:nvPr/>
+      </p:nvGrpSpPr>
+      <p:grpSpPr>
+        <a:xfrm>
+          <a:off x="0" y="0"/>
+          <a:ext cx="0" cy="0"/>
+          <a:chOff x="0" y="0"/>
+          <a:chExt cx="0" cy="0"/>
+        </a:xfrm>
+      </p:grpSpPr>
+      <p:sp>
+        <p:nvSpPr>
+          <p:cNvPr id="2" name="Title 1"/>
+          <p:cNvSpPr>
+            <a:spLocks noGrp="1"/>
+          </p:cNvSpPr>
+          <p:nvPr>
+            <p:ph type="title"/>
+          </p:nvPr>
+        </p:nvSpPr>
+        <p:spPr/>
+        <p:txBody>
+          <a:bodyPr/>
+          <a:lstStyle/>
+          <a:p>
+            <a:r>
+              <a:rPr lang="en-US" dirty="0" smtClean="0"/>
+              <a:t>One-way functions</a:t>
+            </a:r>
+            <a:endParaRPr lang="en-US" dirty="0"/>
+          </a:p>
+        </p:txBody>
+      </p:sp>
+      <p:sp>
+        <p:nvSpPr>
+          <p:cNvPr id="3" name="Content Placeholder 2"/>
+          <p:cNvSpPr>
+            <a:spLocks noGrp="1"/>
+          </p:cNvSpPr>
+          <p:nvPr>
+            <p:ph idx="1"/>
+          </p:nvPr>
+        </p:nvSpPr>
+        <p:spPr>
+          <a:xfrm>
+            <a:off x="419100" y="990600"/>
+            <a:ext cx="8420100" cy="5105400"/>
+          </a:xfrm>
+        </p:spPr>
+        <p:txBody>
+          <a:bodyPr/>
+          <a:lstStyle/>
+          <a:p>
+            <a:r>
+              <a:rPr lang="en-US" sz="3600" dirty="0" smtClean="0"/>
+              <a:t>The paradoxical assumption is that </a:t>
+            </a:r>
+          </a:p>
+          <a:p>
+            <a:r>
+              <a:rPr lang="en-US" sz="3600" dirty="0" smtClean="0"/>
+              <a:t>there are </a:t>
+            </a:r>
+            <a:r>
+              <a:rPr lang="en-US" sz="3600" dirty="0" smtClean="0">
+                <a:solidFill>
+                  <a:srgbClr val="0000FF"/>
+                </a:solidFill>
+              </a:rPr>
+              <a:t>one-way functions</a:t>
+            </a:r>
+            <a:r>
+              <a:rPr lang="en-US" sz="3600" dirty="0" smtClean="0"/>
+              <a:t> that are </a:t>
+            </a:r>
+          </a:p>
+          <a:p>
+            <a:r>
+              <a:rPr lang="en-US" sz="3600" dirty="0" smtClean="0">
+                <a:solidFill>
+                  <a:srgbClr val="008000"/>
+                </a:solidFill>
+              </a:rPr>
+              <a:t>easy to compute</a:t>
+            </a:r>
+            <a:r>
+              <a:rPr lang="en-US" sz="3600" dirty="0" smtClean="0"/>
+              <a:t> but </a:t>
+            </a:r>
+            <a:r>
+              <a:rPr lang="en-US" sz="3600" dirty="0" smtClean="0">
+                <a:solidFill>
+                  <a:srgbClr val="930093"/>
+                </a:solidFill>
+              </a:rPr>
+              <a:t>hard to invert</a:t>
+            </a:r>
+            <a:r>
+              <a:rPr lang="en-US" sz="3600" dirty="0" smtClean="0"/>
+              <a:t>.  </a:t>
+            </a:r>
+          </a:p>
+          <a:p>
+            <a:r>
+              <a:rPr lang="en-US" sz="3600" dirty="0" smtClean="0"/>
+              <a:t>In particular,</a:t>
+            </a:r>
+          </a:p>
+          <a:p>
+            <a:pPr marL="457200" indent="-457200">
+              <a:buFont typeface="Arial"/>
+              <a:buChar char="•"/>
+            </a:pPr>
+            <a:r>
+              <a:rPr lang="en-US" sz="3600" dirty="0" smtClean="0"/>
+              <a:t>it is </a:t>
+            </a:r>
+            <a:r>
+              <a:rPr lang="en-US" sz="3600" dirty="0" smtClean="0">
+                <a:solidFill>
+                  <a:srgbClr val="008000"/>
+                </a:solidFill>
+              </a:rPr>
+              <a:t>easy</a:t>
+            </a:r>
+            <a:r>
+              <a:rPr lang="en-US" sz="3600" dirty="0" smtClean="0"/>
+              <a:t> to compute the </a:t>
+            </a:r>
+            <a:r>
+              <a:rPr lang="en-US" sz="3600" dirty="0" smtClean="0">
+                <a:solidFill>
+                  <a:srgbClr val="008000"/>
+                </a:solidFill>
+              </a:rPr>
+              <a:t>product</a:t>
+            </a:r>
+            <a:r>
+              <a:rPr lang="en-US" sz="3600" dirty="0" smtClean="0"/>
+              <a:t> </a:t>
+            </a:r>
+            <a:r>
+              <a:rPr lang="en-US" sz="3600" dirty="0" smtClean="0">
+                <a:solidFill>
+                  <a:srgbClr val="0000FF"/>
+                </a:solidFill>
+              </a:rPr>
+              <a:t>n</a:t>
+            </a:r>
+            <a:r>
+              <a:rPr lang="en-US" sz="3600" dirty="0" smtClean="0"/>
+              <a:t> of two (large) primes </a:t>
+            </a:r>
+            <a:r>
+              <a:rPr lang="en-US" sz="3600" dirty="0" smtClean="0">
+                <a:solidFill>
+                  <a:srgbClr val="0000FF"/>
+                </a:solidFill>
+              </a:rPr>
+              <a:t>p</a:t>
+            </a:r>
+            <a:r>
+              <a:rPr lang="en-US" sz="3600" dirty="0" smtClean="0"/>
+              <a:t> and </a:t>
+            </a:r>
+            <a:r>
+              <a:rPr lang="en-US" sz="3600" dirty="0" smtClean="0">
+                <a:solidFill>
+                  <a:srgbClr val="0000FF"/>
+                </a:solidFill>
+              </a:rPr>
+              <a:t>q</a:t>
+            </a:r>
+            <a:r>
+              <a:rPr lang="en-US" sz="3600" dirty="0" smtClean="0"/>
+              <a:t>.</a:t>
+            </a:r>
+          </a:p>
+          <a:p>
+            <a:pPr marL="457200" indent="-457200">
+              <a:buFont typeface="Arial"/>
+              <a:buChar char="•"/>
+            </a:pPr>
+            <a:r>
+              <a:rPr lang="en-US" sz="3600" dirty="0" smtClean="0"/>
+              <a:t>But given </a:t>
+            </a:r>
+            <a:r>
+              <a:rPr lang="en-US" sz="3600" dirty="0" smtClean="0">
+                <a:solidFill>
+                  <a:srgbClr val="0000FF"/>
+                </a:solidFill>
+              </a:rPr>
+              <a:t>n</a:t>
+            </a:r>
+            <a:r>
+              <a:rPr lang="en-US" sz="3600" dirty="0" smtClean="0"/>
+              <a:t>, it is generally very </a:t>
+            </a:r>
+            <a:r>
+              <a:rPr lang="en-US" sz="3600" dirty="0" smtClean="0">
+                <a:solidFill>
+                  <a:srgbClr val="930093"/>
+                </a:solidFill>
+              </a:rPr>
+              <a:t>hard</a:t>
+            </a:r>
+            <a:r>
+              <a:rPr lang="en-US" sz="3600" dirty="0" smtClean="0"/>
+              <a:t> to </a:t>
+            </a:r>
+            <a:r>
+              <a:rPr lang="en-US" sz="3600" dirty="0" smtClean="0">
+                <a:solidFill>
+                  <a:srgbClr val="930093"/>
+                </a:solidFill>
+              </a:rPr>
+              <a:t>factor</a:t>
+            </a:r>
+            <a:r>
+              <a:rPr lang="en-US" sz="3600" dirty="0" smtClean="0"/>
+              <a:t> </a:t>
+            </a:r>
+            <a:r>
+              <a:rPr lang="en-US" sz="3600" dirty="0" smtClean="0">
+                <a:solidFill>
+                  <a:schemeClr val="accent1">
+                    <a:lumMod val="50000"/>
+                  </a:schemeClr>
+                </a:solidFill>
+              </a:rPr>
+              <a:t>n</a:t>
+            </a:r>
+            <a:r>
+              <a:rPr lang="en-US" sz="3600" dirty="0" smtClean="0"/>
+              <a:t> to recover </a:t>
+            </a:r>
+            <a:r>
+              <a:rPr lang="en-US" sz="3600" dirty="0" smtClean="0">
+                <a:solidFill>
+                  <a:srgbClr val="0000E5"/>
+                </a:solidFill>
+              </a:rPr>
+              <a:t>p</a:t>
+            </a:r>
+            <a:r>
+              <a:rPr lang="en-US" sz="3600" dirty="0" smtClean="0"/>
+              <a:t> and </a:t>
+            </a:r>
+            <a:r>
+              <a:rPr lang="en-US" sz="3600" dirty="0" smtClean="0">
+                <a:solidFill>
+                  <a:srgbClr val="0000E5"/>
+                </a:solidFill>
+              </a:rPr>
+              <a:t>q</a:t>
+            </a:r>
+            <a:endParaRPr lang="en-US" sz="3600" dirty="0">
+              <a:solidFill>
+                <a:srgbClr val="0000E5"/>
+              </a:solidFill>
+            </a:endParaRPr>
+          </a:p>
+        </p:txBody>
+      </p:sp>
+      <p:sp>
+        <p:nvSpPr>
+          <p:cNvPr id="4" name="Slide Number Placeholder 3"/>
+          <p:cNvSpPr>
+            <a:spLocks noGrp="1"/>
+          </p:cNvSpPr>
+          <p:nvPr>
+            <p:ph type="sldNum" sz="quarter" idx="4"/>
+          </p:nvPr>
+        </p:nvSpPr>
+        <p:spPr/>
+        <p:txBody>
+          <a:bodyPr/>
+          <a:lstStyle/>
+          <a:p>
+            <a:pPr>
+              <a:defRPr/>
+            </a:pPr>
+            <a:r>
+              <a:rPr lang="en-US" smtClean="0"/>
+              <a:t>RSA</a:t>
+            </a:r>
+            <a:r>
+              <a:rPr lang="en-US" sz="1200" smtClean="0"/>
+              <a:t>.‹#›</a:t>
+            </a:r>
+            <a:endParaRPr lang="en-US" sz="1200" dirty="0"/>
+          </a:p>
+        </p:txBody>
+      </p:sp>
+    </p:spTree>
+    <p:extLst>
+      <p:ext uri="{BB962C8B-B14F-4D97-AF65-F5344CB8AC3E}">
+        <p14:creationId xmlns:p14="http://schemas.microsoft.com/office/powerpoint/2010/main" val="28451183"/>
+      </p:ext>
+    </p:extLst>
+  </p:cSld>
+  <p:clrMapOvr>
+    <a:masterClrMapping/>
+  </p:clrMapOvr>
+  <mc:AlternateContent xmlns:mc="http://schemas.openxmlformats.org/markup-compatibility/2006">
+    <mc:Choice xmlns:p14="http://schemas.microsoft.com/office/powerpoint/2010/main" Requires="p14">
+      <p:transition spd="slow" p14:dur="900" advClick="0">
+        <p:fade/>
+      </p:transition>
+    </mc:Choice>
+    <mc:Fallback>
+      <p:transition xmlns:p14="http://schemas.microsoft.com/office/powerpoint/2010/main" spd="slow" advClick="0">
+        <p:fade/>
+      </p:transition>
+    </mc:Fallback>
+  </mc:AlternateContent>
+  <p:timing>
+    <p:tnLst>
+      <p:par>
+        <p:cTn xmlns:p14="http://schemas.microsoft.com/office/powerpoint/2010/main" id="1" dur="indefinite" restart="never" nodeType="tmRoot">
+          <p:childTnLst>
+            <p:seq concurrent="1" nextAc="seek">
+              <p:cTn id="2" dur="indefinite" nodeType="mainSeq">
+                <p:childTnLst>
+                  <p:par>
+                    <p:cTn id="3" fill="hold">
+                      <p:stCondLst>
+                        <p:cond delay="indefinite"/>
+                      </p:stCondLst>
+                      <p:childTnLst>
+                        <p:par>
+                          <p:cTn id="4" fill="hold">
+                            <p:stCondLst>
+                              <p:cond delay="0"/>
+                            </p:stCondLst>
+                            <p:childTnLst>
+                              <p:par>
+                                <p:cTn id="5" presetID="10" presetClass="entr" presetSubtype="0" fill="hold" nodeType="clickEffect">
+                                  <p:stCondLst>
+                                    <p:cond delay="0"/>
+                                  </p:stCondLst>
+                                  <p:childTnLst>
+                                    <p:set>
+                                      <p:cBhvr>
+                                        <p:cTn id="6" dur="1" fill="hold">
+                                          <p:stCondLst>
+                                            <p:cond delay="0"/>
+                                          </p:stCondLst>
+                                        </p:cTn>
+                                        <p:tgtEl>
+                                          <p:spTgt spid="3">
+                                            <p:txEl>
+                                              <p:pRg st="2" end="2"/>
+                                            </p:txEl>
+                                          </p:spTgt>
+                                        </p:tgtEl>
+                                        <p:attrNameLst>
+                                          <p:attrName>style.visibility</p:attrName>
+                                        </p:attrNameLst>
+                                      </p:cBhvr>
+                                      <p:to>
+                                        <p:strVal val="visible"/>
+                                      </p:to>
+                                    </p:set>
+                                    <p:animEffect transition="in" filter="fade">
+                                      <p:cBhvr>
+                                        <p:cTn id="7" dur="500"/>
+                                        <p:tgtEl>
+                                          <p:spTgt spid="3">
+                                            <p:txEl>
+                                              <p:pRg st="2" end="2"/>
+                                            </p:txEl>
+                                          </p:spTgt>
+                                        </p:tgtEl>
+                                      </p:cBhvr>
+                                    </p:animEffect>
+                                  </p:childTnLst>
+                                </p:cTn>
+                              </p:par>
+                            </p:childTnLst>
+                          </p:cTn>
+                        </p:par>
+                      </p:childTnLst>
+                    </p:cTn>
+                  </p:par>
+                  <p:par>
+                    <p:cTn id="8" fill="hold">
+                      <p:stCondLst>
+                        <p:cond delay="indefinite"/>
+                      </p:stCondLst>
+                      <p:childTnLst>
+                        <p:par>
+                          <p:cTn id="9" fill="hold">
+                            <p:stCondLst>
+                              <p:cond delay="0"/>
+                            </p:stCondLst>
+                            <p:childTnLst>
+                              <p:par>
+                                <p:cTn id="10" presetID="10" presetClass="entr" presetSubtype="0" fill="hold" nodeType="clickEffect">
+                                  <p:stCondLst>
+                                    <p:cond delay="0"/>
+                                  </p:stCondLst>
+                                  <p:childTnLst>
+                                    <p:set>
+                                      <p:cBhvr>
+                                        <p:cTn id="11" dur="1" fill="hold">
+                                          <p:stCondLst>
+                                            <p:cond delay="0"/>
+                                          </p:stCondLst>
+                                        </p:cTn>
+                                        <p:tgtEl>
+                                          <p:spTgt spid="3">
+                                            <p:txEl>
+                                              <p:pRg st="3" end="3"/>
+                                            </p:txEl>
+                                          </p:spTgt>
+                                        </p:tgtEl>
+                                        <p:attrNameLst>
+                                          <p:attrName>style.visibility</p:attrName>
+                                        </p:attrNameLst>
+                                      </p:cBhvr>
+                                      <p:to>
+                                        <p:strVal val="visible"/>
+                                      </p:to>
+                                    </p:set>
+                                    <p:animEffect transition="in" filter="fade">
+                                      <p:cBhvr>
+                                        <p:cTn id="12" dur="500"/>
+                                        <p:tgtEl>
+                                          <p:spTgt spid="3">
+                                            <p:txEl>
+                                              <p:pRg st="3" end="3"/>
+                                            </p:txEl>
+                                          </p:spTgt>
+                                        </p:tgtEl>
+                                      </p:cBhvr>
+                                    </p:animEffect>
+                                  </p:childTnLst>
+                                </p:cTn>
+                              </p:par>
+                            </p:childTnLst>
+                          </p:cTn>
+                        </p:par>
+                        <p:par>
+                          <p:cTn id="13" fill="hold">
+                            <p:stCondLst>
+                              <p:cond delay="500"/>
+                            </p:stCondLst>
+                            <p:childTnLst>
+                              <p:par>
+                                <p:cTn id="14" presetID="10" presetClass="entr" presetSubtype="0" fill="hold" nodeType="afterEffect">
+                                  <p:stCondLst>
+                                    <p:cond delay="0"/>
+                                  </p:stCondLst>
+                                  <p:childTnLst>
+                                    <p:set>
+                                      <p:cBhvr>
+                                        <p:cTn id="15" dur="1" fill="hold">
+                                          <p:stCondLst>
+                                            <p:cond delay="0"/>
+                                          </p:stCondLst>
+                                        </p:cTn>
+                                        <p:tgtEl>
+                                          <p:spTgt spid="3">
+                                            <p:txEl>
+                                              <p:pRg st="4" end="4"/>
+                                            </p:txEl>
+                                          </p:spTgt>
+                                        </p:tgtEl>
+                                        <p:attrNameLst>
+                                          <p:attrName>style.visibility</p:attrName>
+                                        </p:attrNameLst>
+                                      </p:cBhvr>
+                                      <p:to>
+                                        <p:strVal val="visible"/>
+                                      </p:to>
+                                    </p:set>
+                                    <p:animEffect transition="in" filter="fade">
+                                      <p:cBhvr>
+                                        <p:cTn id="16" dur="500"/>
+                                        <p:tgtEl>
+                                          <p:spTgt spid="3">
+                                            <p:txEl>
+                                              <p:pRg st="4" end="4"/>
+                                            </p:txEl>
+                                          </p:spTgt>
+                                        </p:tgtEl>
+                                      </p:cBhvr>
+                                    </p:animEffect>
+                                  </p:childTnLst>
+                                </p:cTn>
+                              </p:par>
+                            </p:childTnLst>
+                          </p:cTn>
+                        </p:par>
+                      </p:childTnLst>
+                    </p:cTn>
+                  </p:par>
+                  <p:par>
+                    <p:cTn id="17" fill="hold">
+                      <p:stCondLst>
+                        <p:cond delay="indefinite"/>
+                      </p:stCondLst>
+                      <p:childTnLst>
+                        <p:par>
+                          <p:cTn id="18" fill="hold">
+                            <p:stCondLst>
+                              <p:cond delay="0"/>
+                            </p:stCondLst>
+                            <p:childTnLst>
+                              <p:par>
+                                <p:cTn id="19" presetID="10" presetClass="entr" presetSubtype="0" fill="hold" nodeType="clickEffect">
+                                  <p:stCondLst>
+                                    <p:cond delay="0"/>
+                                  </p:stCondLst>
+                                  <p:childTnLst>
+                                    <p:set>
+                                      <p:cBhvr>
+                                        <p:cTn id="20" dur="1" fill="hold">
+                                          <p:stCondLst>
+                                            <p:cond delay="0"/>
+                                          </p:stCondLst>
+                                        </p:cTn>
+                                        <p:tgtEl>
+                                          <p:spTgt spid="3">
+                                            <p:txEl>
+                                              <p:pRg st="5" end="5"/>
+                                            </p:txEl>
+                                          </p:spTgt>
+                                        </p:tgtEl>
+                                        <p:attrNameLst>
+                                          <p:attrName>style.visibility</p:attrName>
+                                        </p:attrNameLst>
+                                      </p:cBhvr>
+                                      <p:to>
+                                        <p:strVal val="visible"/>
+                                      </p:to>
+                                    </p:set>
+                                    <p:animEffect transition="in" filter="fade">
+                                      <p:cBhvr>
+                                        <p:cTn id="21" dur="500"/>
+                                        <p:tgtEl>
+                                          <p:spTgt spid="3">
+                                            <p:txEl>
+                                              <p:pRg st="5" end="5"/>
+                                            </p:txEl>
+                                          </p:spTgt>
+                                        </p:tgtEl>
+                                      </p:cBhvr>
+                                    </p:animEffect>
+                                  </p:childTnLst>
+                                </p:cTn>
+                              </p:par>
+                            </p:childTnLst>
+                          </p:cTn>
+                        </p:par>
+                      </p:childTnLst>
+                    </p:cTn>
+                  </p:par>
+                </p:childTnLst>
+              </p:cTn>
+              <p:prevCondLst>
+                <p:cond evt="onPrev" delay="0">
+                  <p:tgtEl>
+                    <p:sldTgt/>
+                  </p:tgtEl>
+                </p:cond>
+              </p:prevCondLst>
+              <p:nextCondLst>
+                <p:cond evt="onNext" delay="0">
+                  <p:tgtEl>
+                    <p:sldTgt/>
+                  </p:tgtEl>
+                </p:cond>
+              </p:nextCondLst>
+            </p:seq>
+          </p:childTnLst>
+        </p:cTn>
+      </p:par>
+    </p:tnLst>
+  </p:timing>
+</p:sld>
+</file>
+
+<file path=ppt/slides/slide6.xml><?xml version="1.0" encoding="utf-8"?>
+<p:sld xmlns:a="http://schemas.openxmlformats.org/drawingml/2006/main" xmlns:r="http://schemas.openxmlformats.org/officeDocument/2006/relationships" xmlns:p="http://schemas.openxmlformats.org/presentationml/2006/main">
+  <p:cSld>
+    <p:spTree>
+      <p:nvGrpSpPr>
+        <p:cNvPr id="1" name=""/>
+        <p:cNvGrpSpPr/>
+        <p:nvPr/>
+      </p:nvGrpSpPr>
+      <p:grpSpPr>
+        <a:xfrm>
+          <a:off x="0" y="0"/>
+          <a:ext cx="0" cy="0"/>
+          <a:chOff x="0" y="0"/>
+          <a:chExt cx="0" cy="0"/>
+        </a:xfrm>
+      </p:grpSpPr>
+      <p:sp>
+        <p:nvSpPr>
+          <p:cNvPr id="5" name="Title 4"/>
+          <p:cNvSpPr>
+            <a:spLocks noGrp="1"/>
+          </p:cNvSpPr>
+          <p:nvPr>
+            <p:ph type="ctrTitle"/>
+          </p:nvPr>
+        </p:nvSpPr>
+        <p:spPr>
+          <a:xfrm>
+            <a:off x="1524000" y="1865312"/>
+            <a:ext cx="6019800" cy="3163888"/>
+          </a:xfrm>
+        </p:spPr>
+        <p:txBody>
+          <a:bodyPr/>
+          <a:lstStyle/>
+          <a:p>
+            <a:pPr algn="ctr"/>
+            <a:r>
+              <a:rPr lang="en-US" sz="8800" dirty="0" smtClean="0"/>
+              <a:t>The RSA Protocol</a:t>
+            </a:r>
+            <a:endParaRPr lang="en-US" sz="8800" dirty="0"/>
+          </a:p>
+        </p:txBody>
+      </p:sp>
+      <p:sp>
+        <p:nvSpPr>
+          <p:cNvPr id="4" name="Slide Number Placeholder 3"/>
+          <p:cNvSpPr>
+            <a:spLocks noGrp="1"/>
+          </p:cNvSpPr>
+          <p:nvPr>
+            <p:ph type="sldNum" sz="quarter" idx="4"/>
+          </p:nvPr>
+        </p:nvSpPr>
+        <p:spPr/>
+        <p:txBody>
+          <a:bodyPr/>
+          <a:lstStyle/>
+          <a:p>
+            <a:pPr>
+              <a:defRPr/>
+            </a:pPr>
+            <a:r>
+              <a:rPr lang="en-US" smtClean="0"/>
+              <a:t>RSA</a:t>
+            </a:r>
+            <a:r>
+              <a:rPr lang="en-US" sz="1200" smtClean="0"/>
+              <a:t>.‹#›</a:t>
+            </a:r>
+            <a:endParaRPr lang="en-US" sz="1200" dirty="0"/>
+          </a:p>
+        </p:txBody>
+      </p:sp>
+    </p:spTree>
+    <p:extLst>
+      <p:ext uri="{BB962C8B-B14F-4D97-AF65-F5344CB8AC3E}">
+        <p14:creationId xmlns:p14="http://schemas.microsoft.com/office/powerpoint/2010/main" val="1125657290"/>
+      </p:ext>
+    </p:extLst>
+  </p:cSld>
+  <p:clrMapOvr>
+    <a:masterClrMapping/>
+  </p:clrMapOvr>
+  <p:transition xmlns:p14="http://schemas.microsoft.com/office/powerpoint/2010/main" spd="slow" advClick="0">
+    <p:fade thruBlk="1"/>
+  </p:transition>
+  <p:timing>
+    <p:tnLst>
+      <p:par>
+        <p:cTn xmlns:p14="http://schemas.microsoft.com/office/powerpoint/2010/main" id="1" dur="indefinite" restart="never" nodeType="tmRoot"/>
+      </p:par>
+    </p:tnLst>
+  </p:timing>
+</p:sld>
+</file>
+
+<file path=ppt/slides/slide7.xml><?xml version="1.0" encoding="utf-8"?>
+<p:sld xmlns:a="http://schemas.openxmlformats.org/drawingml/2006/main" xmlns:r="http://schemas.openxmlformats.org/officeDocument/2006/relationships" xmlns:p="http://schemas.openxmlformats.org/presentationml/2006/main">
+  <p:cSld>
+    <p:spTree>
+      <p:nvGrpSpPr>
+        <p:cNvPr id="1" name=""/>
+        <p:cNvGrpSpPr/>
+        <p:nvPr/>
+      </p:nvGrpSpPr>
+      <p:grpSpPr>
+        <a:xfrm>
+          <a:off x="0" y="0"/>
+          <a:ext cx="0" cy="0"/>
+          <a:chOff x="0" y="0"/>
+          <a:chExt cx="0" cy="0"/>
+        </a:xfrm>
+      </p:grpSpPr>
+      <p:sp>
+        <p:nvSpPr>
+          <p:cNvPr id="4" name="Slide Number Placeholder 3"/>
+          <p:cNvSpPr>
+            <a:spLocks noGrp="1"/>
+          </p:cNvSpPr>
+          <p:nvPr>
+            <p:ph type="sldNum" sz="quarter" idx="4"/>
+          </p:nvPr>
+        </p:nvSpPr>
+        <p:spPr>
+          <a:xfrm>
+            <a:off x="6477000" y="6553200"/>
+            <a:ext cx="2667000" cy="307777"/>
+          </a:xfrm>
+        </p:spPr>
+        <p:txBody>
+          <a:bodyPr/>
+          <a:lstStyle/>
+          <a:p>
+            <a:pPr>
+              <a:defRPr/>
+            </a:pPr>
+            <a:r>
+              <a:rPr lang="en-US" dirty="0" smtClean="0"/>
+              <a:t>RSA.</a:t>
+            </a:r>
+            <a:fld id="{03D159E7-7261-456C-B1C2-8B1BCE6FD8AA}" type="slidenum">
+              <a:rPr lang="en-US" smtClean="0"/>
+              <a:pPr>
+                <a:defRPr/>
+              </a:pPr>
+              <a:t>7</a:t>
+            </a:fld>
+            <a:endParaRPr lang="en-US" dirty="0"/>
+          </a:p>
+        </p:txBody>
+      </p:sp>
+      <p:sp>
+        <p:nvSpPr>
+          <p:cNvPr id="14339" name="Rectangle 2"/>
+          <p:cNvSpPr>
+            <a:spLocks noGrp="1" noChangeArrowheads="1"/>
+          </p:cNvSpPr>
+          <p:nvPr>
+            <p:ph type="title"/>
+          </p:nvPr>
+        </p:nvSpPr>
+        <p:spPr/>
+        <p:txBody>
+          <a:bodyPr/>
+          <a:lstStyle/>
+          <a:p>
+            <a:pPr eaLnBrk="1" hangingPunct="1"/>
+            <a:r>
+              <a:rPr lang="en-US" smtClean="0"/>
+              <a:t>RSA Public Key Encryption</a:t>
+            </a:r>
+          </a:p>
+        </p:txBody>
+      </p:sp>
+      <p:pic>
+        <p:nvPicPr>
+          <p:cNvPr id="14340" name="Picture 4" descr="rivest_shamir_adelman_photo"/>
+          <p:cNvPicPr>
+            <a:picLocks noGrp="1" noChangeAspect="1" noChangeArrowheads="1"/>
+          </p:cNvPicPr>
+          <p:nvPr>
+            <p:ph idx="1"/>
+          </p:nvPr>
+        </p:nvPicPr>
+        <p:blipFill>
+          <a:blip r:embed="rId3"/>
+          <a:srcRect/>
+          <a:stretch>
+            <a:fillRect/>
+          </a:stretch>
+        </p:blipFill>
+        <p:spPr>
+          <a:xfrm>
+            <a:off x="1619250" y="1354138"/>
+            <a:ext cx="6032500" cy="4335462"/>
+          </a:xfrm>
+          <a:noFill/>
+        </p:spPr>
+      </p:pic>
+      <p:sp>
+        <p:nvSpPr>
+          <p:cNvPr id="2" name="TextBox 1"/>
+          <p:cNvSpPr txBox="1"/>
+          <p:nvPr/>
+        </p:nvSpPr>
+        <p:spPr>
+          <a:xfrm>
+            <a:off x="2080445" y="5791200"/>
+            <a:ext cx="5463355" cy="584776"/>
+          </a:xfrm>
+          <a:prstGeom prst="rect">
+            <a:avLst/>
+          </a:prstGeom>
+          <a:noFill/>
+        </p:spPr>
+        <p:txBody>
+          <a:bodyPr wrap="none" rtlCol="0">
+            <a:spAutoFit/>
+          </a:bodyPr>
+          <a:lstStyle/>
+          <a:p>
+            <a:r>
+              <a:rPr lang="en-US" sz="3200" dirty="0" smtClean="0">
+                <a:latin typeface="+mj-lt"/>
+              </a:rPr>
+              <a:t>Shamir     </a:t>
+            </a:r>
+            <a:r>
+              <a:rPr lang="en-US" sz="3200" dirty="0" err="1" smtClean="0">
+                <a:latin typeface="+mj-lt"/>
+              </a:rPr>
+              <a:t>Rivest</a:t>
+            </a:r>
+            <a:r>
+              <a:rPr lang="en-US" sz="3200" dirty="0" smtClean="0">
+                <a:latin typeface="+mj-lt"/>
+              </a:rPr>
+              <a:t>    </a:t>
+            </a:r>
+            <a:r>
+              <a:rPr lang="en-US" sz="3200" dirty="0" err="1" smtClean="0">
+                <a:latin typeface="+mj-lt"/>
+              </a:rPr>
+              <a:t>Adleman</a:t>
+            </a:r>
+            <a:endParaRPr lang="en-US" sz="3200" dirty="0" smtClean="0">
+              <a:latin typeface="+mj-lt"/>
+            </a:endParaRPr>
+          </a:p>
+        </p:txBody>
+      </p:sp>
+    </p:spTree>
+  </p:cSld>
+  <p:clrMapOvr>
+    <a:masterClrMapping/>
+  </p:clrMapOvr>
+  <p:transition xmlns:p14="http://schemas.microsoft.com/office/powerpoint/2010/main" spd="slow" advClick="0">
+    <p:fade thruBlk="1"/>
+  </p:transition>
+  <p:timing>
+    <p:tnLst>
+      <p:par>
+        <p:cTn xmlns:p14="http://schemas.microsoft.com/office/powerpoint/2010/main" id="1" dur="indefinite" restart="never" nodeType="tmRoot"/>
+      </p:par>
+    </p:tnLst>
+  </p:timing>
+</p:sld>
+</file>
+
+<file path=ppt/slides/slide8.xml><?xml version="1.0" encoding="utf-8"?>
+<p:sld xmlns:a="http://schemas.openxmlformats.org/drawingml/2006/main" xmlns:r="http://schemas.openxmlformats.org/officeDocument/2006/relationships" xmlns:p="http://schemas.openxmlformats.org/presentationml/2006/main">
+  <p:cSld>
+    <p:spTree>
+      <p:nvGrpSpPr>
+        <p:cNvPr id="1" name=""/>
+        <p:cNvGrpSpPr/>
+        <p:nvPr/>
+      </p:nvGrpSpPr>
+      <p:grpSpPr>
+        <a:xfrm>
+          <a:off x="0" y="0"/>
+          <a:ext cx="0" cy="0"/>
+          <a:chOff x="0" y="0"/>
+          <a:chExt cx="0" cy="0"/>
+        </a:xfrm>
+      </p:grpSpPr>
+      <p:sp>
+        <p:nvSpPr>
+          <p:cNvPr id="4" name="Slide Number Placeholder 3"/>
+          <p:cNvSpPr>
+            <a:spLocks noGrp="1"/>
+          </p:cNvSpPr>
+          <p:nvPr>
+            <p:ph type="sldNum" sz="quarter" idx="4"/>
+          </p:nvPr>
+        </p:nvSpPr>
+        <p:spPr>
+          <a:xfrm>
+            <a:off x="6477000" y="6553200"/>
+            <a:ext cx="2667000" cy="307777"/>
+          </a:xfrm>
+        </p:spPr>
+        <p:txBody>
+          <a:bodyPr/>
+          <a:lstStyle/>
+          <a:p>
+            <a:pPr>
+              <a:defRPr/>
+            </a:pPr>
+            <a:r>
+              <a:rPr lang="en-US" dirty="0" smtClean="0"/>
+              <a:t>RSA.</a:t>
+            </a:r>
+            <a:fld id="{EAE0CE3F-24F2-4E10-908C-002F0BCF9C89}" type="slidenum">
+              <a:rPr lang="en-US" smtClean="0"/>
+              <a:pPr>
+                <a:defRPr/>
+              </a:pPr>
+              <a:t>8</a:t>
+            </a:fld>
+            <a:endParaRPr lang="en-US" dirty="0"/>
+          </a:p>
+        </p:txBody>
+      </p:sp>
+      <p:sp>
+        <p:nvSpPr>
+          <p:cNvPr id="15363" name="Rectangle 2"/>
+          <p:cNvSpPr>
+            <a:spLocks noGrp="1" noChangeArrowheads="1"/>
+          </p:cNvSpPr>
+          <p:nvPr>
+            <p:ph type="title"/>
+          </p:nvPr>
+        </p:nvSpPr>
+        <p:spPr/>
+        <p:txBody>
+          <a:bodyPr/>
+          <a:lstStyle/>
+          <a:p>
+            <a:pPr eaLnBrk="1" hangingPunct="1"/>
+            <a:r>
+              <a:rPr lang="en-US" smtClean="0"/>
+              <a:t>Beforehand</a:t>
+            </a:r>
+          </a:p>
+        </p:txBody>
+      </p:sp>
+      <p:sp>
+        <p:nvSpPr>
+          <p:cNvPr id="390147" name="Rectangle 3"/>
+          <p:cNvSpPr>
+            <a:spLocks noGrp="1" noChangeArrowheads="1"/>
+          </p:cNvSpPr>
+          <p:nvPr>
+            <p:ph type="body" idx="1"/>
+          </p:nvPr>
+        </p:nvSpPr>
+        <p:spPr>
+          <a:xfrm>
+            <a:off x="76200" y="914400"/>
+            <a:ext cx="8991600" cy="5029200"/>
+          </a:xfrm>
+        </p:spPr>
+        <p:txBody>
+          <a:bodyPr/>
+          <a:lstStyle/>
+          <a:p>
+            <a:pPr marL="609600" indent="-609600" eaLnBrk="1" hangingPunct="1"/>
+            <a:r>
+              <a:rPr lang="en-US" sz="4400" dirty="0" smtClean="0"/>
+              <a:t>receiver generates primes</a:t>
+            </a:r>
+            <a:r>
+              <a:rPr lang="en-US" sz="4400" dirty="0" smtClean="0">
+                <a:solidFill>
+                  <a:schemeClr val="accent1">
+                    <a:lumMod val="50000"/>
+                  </a:schemeClr>
+                </a:solidFill>
+              </a:rPr>
+              <a:t> p, q</a:t>
+            </a:r>
+          </a:p>
+          <a:p>
+            <a:pPr marL="609600" indent="-609600" eaLnBrk="1" hangingPunct="1"/>
+            <a:r>
+              <a:rPr lang="en-US" sz="4400" dirty="0" smtClean="0">
+                <a:solidFill>
+                  <a:schemeClr val="accent1">
+                    <a:lumMod val="50000"/>
+                  </a:schemeClr>
+                </a:solidFill>
+              </a:rPr>
+              <a:t>n</a:t>
+            </a:r>
+            <a:r>
+              <a:rPr lang="en-US" sz="4400" dirty="0" smtClean="0">
+                <a:solidFill>
+                  <a:srgbClr val="3333CC"/>
+                </a:solidFill>
+              </a:rPr>
+              <a:t> </a:t>
+            </a:r>
+            <a:r>
+              <a:rPr lang="en-US" sz="4400" dirty="0" smtClean="0"/>
+              <a:t>::=</a:t>
+            </a:r>
+            <a:r>
+              <a:rPr lang="en-US" sz="4400" dirty="0" smtClean="0">
+                <a:solidFill>
+                  <a:srgbClr val="3333CC"/>
+                </a:solidFill>
+              </a:rPr>
+              <a:t> </a:t>
+            </a:r>
+            <a:r>
+              <a:rPr lang="en-US" sz="4400" dirty="0" err="1" smtClean="0">
+                <a:solidFill>
+                  <a:schemeClr val="accent1">
+                    <a:lumMod val="50000"/>
+                  </a:schemeClr>
+                </a:solidFill>
+              </a:rPr>
+              <a:t>p</a:t>
+            </a:r>
+            <a:r>
+              <a:rPr lang="en-US" dirty="0" err="1" smtClean="0">
+                <a:solidFill>
+                  <a:schemeClr val="accent1">
+                    <a:lumMod val="50000"/>
+                  </a:schemeClr>
+                </a:solidFill>
+              </a:rPr>
+              <a:t>•</a:t>
+            </a:r>
+            <a:r>
+              <a:rPr lang="en-US" sz="4400" dirty="0" err="1" smtClean="0">
+                <a:solidFill>
+                  <a:schemeClr val="accent1">
+                    <a:lumMod val="50000"/>
+                  </a:schemeClr>
+                </a:solidFill>
+              </a:rPr>
+              <a:t>q</a:t>
+            </a:r>
+            <a:endParaRPr lang="en-US" sz="4400" dirty="0" smtClean="0">
+              <a:solidFill>
+                <a:schemeClr val="accent1">
+                  <a:lumMod val="50000"/>
+                </a:schemeClr>
+              </a:solidFill>
+            </a:endParaRPr>
+          </a:p>
+          <a:p>
+            <a:pPr marL="609600" indent="-609600" eaLnBrk="1" hangingPunct="1"/>
+            <a:r>
+              <a:rPr lang="en-US" sz="4400" dirty="0" smtClean="0"/>
+              <a:t>selects</a:t>
+            </a:r>
+            <a:r>
+              <a:rPr lang="en-US" sz="4400" dirty="0" smtClean="0">
+                <a:solidFill>
+                  <a:srgbClr val="3333CC"/>
+                </a:solidFill>
+              </a:rPr>
+              <a:t> e </a:t>
+            </a:r>
+            <a:r>
+              <a:rPr lang="en-US" sz="4400" dirty="0" smtClean="0">
+                <a:solidFill>
+                  <a:srgbClr val="008000"/>
+                </a:solidFill>
+              </a:rPr>
+              <a:t>rel. prime</a:t>
+            </a:r>
+            <a:r>
+              <a:rPr lang="en-US" sz="4400" dirty="0" smtClean="0"/>
+              <a:t> to</a:t>
+            </a:r>
+            <a:r>
+              <a:rPr lang="en-US" sz="4400" dirty="0" smtClean="0">
+                <a:solidFill>
+                  <a:schemeClr val="accent1">
+                    <a:lumMod val="50000"/>
+                  </a:schemeClr>
+                </a:solidFill>
+              </a:rPr>
+              <a:t> (p-1)(q-1)</a:t>
+            </a:r>
+          </a:p>
+          <a:p>
+            <a:pPr marL="609600" indent="-609600" eaLnBrk="1" hangingPunct="1"/>
+            <a:r>
+              <a:rPr lang="en-US" sz="4400" dirty="0" smtClean="0"/>
+              <a:t>(</a:t>
+            </a:r>
+            <a:r>
+              <a:rPr lang="en-US" sz="4400" dirty="0" smtClean="0">
+                <a:solidFill>
+                  <a:schemeClr val="accent1">
+                    <a:lumMod val="50000"/>
+                  </a:schemeClr>
+                </a:solidFill>
+              </a:rPr>
+              <a:t>e, n</a:t>
+            </a:r>
+            <a:r>
+              <a:rPr lang="en-US" sz="4400" dirty="0" smtClean="0"/>
+              <a:t>) ::=  </a:t>
+            </a:r>
+            <a:r>
+              <a:rPr lang="en-US" sz="4400" dirty="0" smtClean="0">
+                <a:solidFill>
+                  <a:srgbClr val="FF00FF"/>
+                </a:solidFill>
+              </a:rPr>
+              <a:t>public key</a:t>
+            </a:r>
+            <a:r>
+              <a:rPr lang="en-US" sz="4400" dirty="0" smtClean="0"/>
+              <a:t>, publishes it</a:t>
+            </a:r>
+          </a:p>
+          <a:p>
+            <a:pPr marL="609600" indent="-609600" eaLnBrk="1" hangingPunct="1"/>
+            <a:r>
+              <a:rPr lang="en-US" sz="4400" dirty="0" smtClean="0"/>
+              <a:t>finds </a:t>
+            </a:r>
+            <a:endParaRPr lang="en-US" sz="4400" dirty="0" smtClean="0">
+              <a:solidFill>
+                <a:srgbClr val="3333CC"/>
+              </a:solidFill>
+            </a:endParaRPr>
+          </a:p>
+          <a:p>
+            <a:pPr marL="609600" indent="-609600" eaLnBrk="1" hangingPunct="1"/>
+            <a:r>
+              <a:rPr lang="en-US" sz="4400" dirty="0" smtClean="0">
+                <a:solidFill>
+                  <a:srgbClr val="3333CC"/>
+                </a:solidFill>
+              </a:rPr>
+              <a:t>d </a:t>
+            </a:r>
+            <a:r>
+              <a:rPr lang="en-US" sz="4400" dirty="0" smtClean="0"/>
+              <a:t> is </a:t>
+            </a:r>
+            <a:r>
+              <a:rPr lang="en-US" sz="4400" dirty="0" smtClean="0">
+                <a:solidFill>
+                  <a:srgbClr val="FF00FF"/>
+                </a:solidFill>
+              </a:rPr>
+              <a:t>private key</a:t>
+            </a:r>
+            <a:r>
+              <a:rPr lang="en-US" sz="4400" dirty="0" smtClean="0"/>
+              <a:t>, keeps hidden</a:t>
+            </a:r>
+          </a:p>
+        </p:txBody>
+      </p:sp>
+      <p:graphicFrame>
+        <p:nvGraphicFramePr>
+          <p:cNvPr id="2" name="Object 1"/>
+          <p:cNvGraphicFramePr>
+            <a:graphicFrameLocks noChangeAspect="1"/>
+          </p:cNvGraphicFramePr>
+          <p:nvPr>
+            <p:extLst>
+              <p:ext uri="{D42A27DB-BD31-4B8C-83A1-F6EECF244321}">
+                <p14:modId xmlns:p14="http://schemas.microsoft.com/office/powerpoint/2010/main" val="432292425"/>
+              </p:ext>
+            </p:extLst>
+          </p:nvPr>
+        </p:nvGraphicFramePr>
+        <p:xfrm>
+          <a:off x="1905000" y="4028743"/>
+          <a:ext cx="5441487" cy="1152857"/>
+        </p:xfrm>
+        <a:graphic>
+          <a:graphicData uri="http://schemas.openxmlformats.org/presentationml/2006/ole">
+            <mc:AlternateContent xmlns:mc="http://schemas.openxmlformats.org/markup-compatibility/2006">
+              <mc:Choice xmlns:v="urn:schemas-microsoft-com:vml" Requires="v">
+                <p:oleObj spid="_x0000_s2060" name="Equation" r:id="rId4" imgW="1498600" imgH="317500" progId="Equation.DSMT4">
+                  <p:embed/>
+                </p:oleObj>
+              </mc:Choice>
+              <mc:Fallback>
+                <p:oleObj name="Equation" r:id="rId4" imgW="1498600" imgH="317500" progId="Equation.DSMT4">
+                  <p:embed/>
+                  <p:pic>
+                    <p:nvPicPr>
+                      <p:cNvPr id="0" name=""/>
+                      <p:cNvPicPr/>
+                      <p:nvPr/>
+                    </p:nvPicPr>
+                    <p:blipFill>
+                      <a:blip r:embed="rId5"/>
+                      <a:stretch>
+                        <a:fillRect/>
+                      </a:stretch>
+                    </p:blipFill>
+                    <p:spPr>
+                      <a:xfrm>
+                        <a:off x="1905000" y="4028743"/>
+                        <a:ext cx="5441487" cy="1152857"/>
+                      </a:xfrm>
+                      <a:prstGeom prst="rect">
+                        <a:avLst/>
+                      </a:prstGeom>
+                    </p:spPr>
+                  </p:pic>
+                </p:oleObj>
+              </mc:Fallback>
+            </mc:AlternateContent>
+          </a:graphicData>
+        </a:graphic>
+      </p:graphicFrame>
+    </p:spTree>
+  </p:cSld>
+  <p:clrMapOvr>
+    <a:masterClrMapping/>
+  </p:clrMapOvr>
+  <mc:AlternateContent xmlns:mc="http://schemas.openxmlformats.org/markup-compatibility/2006">
+    <mc:Choice xmlns:p14="http://schemas.microsoft.com/office/powerpoint/2010/main" Requires="p14">
+      <p:transition spd="slow" p14:dur="1200" advClick="0">
+        <p:fade thruBlk="1"/>
+      </p:transition>
+    </mc:Choice>
+    <mc:Fallback>
+      <p:transition xmlns:p14="http://schemas.microsoft.com/office/powerpoint/2010/main" spd="slow" advClick="0">
+        <p:fade thruBlk="1"/>
+      </p:transition>
+    </mc:Fallback>
+  </mc:AlternateContent>
+  <p:timing>
+    <p:tnLst>
+      <p:par>
+        <p:cTn xmlns:p14="http://schemas.microsoft.com/office/powerpoint/2010/main" id="1" dur="indefinite" restart="never" nodeType="tmRoot">
+          <p:childTnLst>
+            <p:seq concurrent="1" nextAc="seek">
+              <p:cTn id="2" dur="indefinite" nodeType="mainSeq">
+                <p:childTnLst>
+                  <p:par>
+                    <p:cTn id="3" fill="hold">
+                      <p:stCondLst>
+                        <p:cond delay="indefinite"/>
+                      </p:stCondLst>
+                      <p:childTnLst>
+                        <p:par>
+                          <p:cTn id="4" fill="hold">
+                            <p:stCondLst>
+                              <p:cond delay="0"/>
+                            </p:stCondLst>
+                            <p:childTnLst>
+                              <p:par>
+                                <p:cTn id="5" presetID="10" presetClass="entr" presetSubtype="0" fill="hold" grpId="0" nodeType="clickEffect">
+                                  <p:stCondLst>
+                                    <p:cond delay="0"/>
+                                  </p:stCondLst>
+                                  <p:childTnLst>
+                                    <p:set>
+                                      <p:cBhvr>
+                                        <p:cTn id="6" dur="1" fill="hold">
+                                          <p:stCondLst>
+                                            <p:cond delay="0"/>
+                                          </p:stCondLst>
+                                        </p:cTn>
+                                        <p:tgtEl>
+                                          <p:spTgt spid="390147">
+                                            <p:txEl>
+                                              <p:pRg st="0" end="0"/>
+                                            </p:txEl>
+                                          </p:spTgt>
+                                        </p:tgtEl>
+                                        <p:attrNameLst>
+                                          <p:attrName>style.visibility</p:attrName>
+                                        </p:attrNameLst>
+                                      </p:cBhvr>
+                                      <p:to>
+                                        <p:strVal val="visible"/>
+                                      </p:to>
+                                    </p:set>
+                                    <p:animEffect transition="in" filter="fade">
+                                      <p:cBhvr>
+                                        <p:cTn id="7" dur="500"/>
+                                        <p:tgtEl>
+                                          <p:spTgt spid="390147">
+                                            <p:txEl>
+                                              <p:pRg st="0" end="0"/>
+                                            </p:txEl>
+                                          </p:spTgt>
+                                        </p:tgtEl>
+                                      </p:cBhvr>
+                                    </p:animEffect>
+                                  </p:childTnLst>
+                                </p:cTn>
+                              </p:par>
+                            </p:childTnLst>
+                          </p:cTn>
+                        </p:par>
+                      </p:childTnLst>
+                    </p:cTn>
+                  </p:par>
+                  <p:par>
+                    <p:cTn id="8" fill="hold">
+                      <p:stCondLst>
+                        <p:cond delay="indefinite"/>
+                      </p:stCondLst>
+                      <p:childTnLst>
+                        <p:par>
+                          <p:cTn id="9" fill="hold">
+                            <p:stCondLst>
+                              <p:cond delay="0"/>
+                            </p:stCondLst>
+                            <p:childTnLst>
+                              <p:par>
+                                <p:cTn id="10" presetID="10" presetClass="entr" presetSubtype="0" fill="hold" grpId="0" nodeType="clickEffect">
+                                  <p:stCondLst>
+                                    <p:cond delay="0"/>
+                                  </p:stCondLst>
+                                  <p:childTnLst>
+                                    <p:set>
+                                      <p:cBhvr>
+                                        <p:cTn id="11" dur="1" fill="hold">
+                                          <p:stCondLst>
+                                            <p:cond delay="0"/>
+                                          </p:stCondLst>
+                                        </p:cTn>
+                                        <p:tgtEl>
+                                          <p:spTgt spid="390147">
+                                            <p:txEl>
+                                              <p:pRg st="1" end="1"/>
+                                            </p:txEl>
+                                          </p:spTgt>
+                                        </p:tgtEl>
+                                        <p:attrNameLst>
+                                          <p:attrName>style.visibility</p:attrName>
+                                        </p:attrNameLst>
+                                      </p:cBhvr>
+                                      <p:to>
+                                        <p:strVal val="visible"/>
+                                      </p:to>
+                                    </p:set>
+                                    <p:animEffect transition="in" filter="fade">
+                                      <p:cBhvr>
+                                        <p:cTn id="12" dur="500"/>
+                                        <p:tgtEl>
+                                          <p:spTgt spid="390147">
+                                            <p:txEl>
+                                              <p:pRg st="1" end="1"/>
+                                            </p:txEl>
+                                          </p:spTgt>
+                                        </p:tgtEl>
+                                      </p:cBhvr>
+                                    </p:animEffect>
+                                  </p:childTnLst>
+                                </p:cTn>
+                              </p:par>
+                            </p:childTnLst>
+                          </p:cTn>
+                        </p:par>
+                      </p:childTnLst>
+                    </p:cTn>
+                  </p:par>
+                  <p:par>
+                    <p:cTn id="13" fill="hold">
+                      <p:stCondLst>
+                        <p:cond delay="indefinite"/>
+                      </p:stCondLst>
+                      <p:childTnLst>
+                        <p:par>
+                          <p:cTn id="14" fill="hold">
+                            <p:stCondLst>
+                              <p:cond delay="0"/>
+                            </p:stCondLst>
+                            <p:childTnLst>
+                              <p:par>
+                                <p:cTn id="15" presetID="10" presetClass="entr" presetSubtype="0" fill="hold" grpId="0" nodeType="clickEffect">
+                                  <p:stCondLst>
+                                    <p:cond delay="0"/>
+                                  </p:stCondLst>
+                                  <p:childTnLst>
+                                    <p:set>
+                                      <p:cBhvr>
+                                        <p:cTn id="16" dur="1" fill="hold">
+                                          <p:stCondLst>
+                                            <p:cond delay="0"/>
+                                          </p:stCondLst>
+                                        </p:cTn>
+                                        <p:tgtEl>
+                                          <p:spTgt spid="390147">
+                                            <p:txEl>
+                                              <p:pRg st="2" end="2"/>
+                                            </p:txEl>
+                                          </p:spTgt>
+                                        </p:tgtEl>
+                                        <p:attrNameLst>
+                                          <p:attrName>style.visibility</p:attrName>
+                                        </p:attrNameLst>
+                                      </p:cBhvr>
+                                      <p:to>
+                                        <p:strVal val="visible"/>
+                                      </p:to>
+                                    </p:set>
+                                    <p:animEffect transition="in" filter="fade">
+                                      <p:cBhvr>
+                                        <p:cTn id="17" dur="500"/>
+                                        <p:tgtEl>
+                                          <p:spTgt spid="390147">
+                                            <p:txEl>
+                                              <p:pRg st="2" end="2"/>
+                                            </p:txEl>
+                                          </p:spTgt>
+                                        </p:tgtEl>
+                                      </p:cBhvr>
+                                    </p:animEffect>
+                                  </p:childTnLst>
+                                </p:cTn>
+                              </p:par>
+                            </p:childTnLst>
+                          </p:cTn>
+                        </p:par>
+                      </p:childTnLst>
+                    </p:cTn>
+                  </p:par>
+                  <p:par>
+                    <p:cTn id="18" fill="hold">
+                      <p:stCondLst>
+                        <p:cond delay="indefinite"/>
+                      </p:stCondLst>
+                      <p:childTnLst>
+                        <p:par>
+                          <p:cTn id="19" fill="hold">
+                            <p:stCondLst>
+                              <p:cond delay="0"/>
+                            </p:stCondLst>
+                            <p:childTnLst>
+                              <p:par>
+                                <p:cTn id="20" presetID="10" presetClass="entr" presetSubtype="0" fill="hold" grpId="0" nodeType="clickEffect">
+                                  <p:stCondLst>
+                                    <p:cond delay="0"/>
+                                  </p:stCondLst>
+                                  <p:childTnLst>
+                                    <p:set>
+                                      <p:cBhvr>
+                                        <p:cTn id="21" dur="1" fill="hold">
+                                          <p:stCondLst>
+                                            <p:cond delay="0"/>
+                                          </p:stCondLst>
+                                        </p:cTn>
+                                        <p:tgtEl>
+                                          <p:spTgt spid="390147">
+                                            <p:txEl>
+                                              <p:pRg st="3" end="3"/>
+                                            </p:txEl>
+                                          </p:spTgt>
+                                        </p:tgtEl>
+                                        <p:attrNameLst>
+                                          <p:attrName>style.visibility</p:attrName>
+                                        </p:attrNameLst>
+                                      </p:cBhvr>
+                                      <p:to>
+                                        <p:strVal val="visible"/>
+                                      </p:to>
+                                    </p:set>
+                                    <p:animEffect transition="in" filter="fade">
+                                      <p:cBhvr>
+                                        <p:cTn id="22" dur="500"/>
+                                        <p:tgtEl>
+                                          <p:spTgt spid="390147">
+                                            <p:txEl>
+                                              <p:pRg st="3" end="3"/>
+                                            </p:txEl>
+                                          </p:spTgt>
+                                        </p:tgtEl>
+                                      </p:cBhvr>
+                                    </p:animEffect>
+                                  </p:childTnLst>
+                                </p:cTn>
+                              </p:par>
+                            </p:childTnLst>
+                          </p:cTn>
+                        </p:par>
+                      </p:childTnLst>
+                    </p:cTn>
+                  </p:par>
+                  <p:par>
+                    <p:cTn id="23" fill="hold">
+                      <p:stCondLst>
+                        <p:cond delay="indefinite"/>
+                      </p:stCondLst>
+                      <p:childTnLst>
+                        <p:par>
+                          <p:cTn id="24" fill="hold">
+                            <p:stCondLst>
+                              <p:cond delay="0"/>
+                            </p:stCondLst>
+                            <p:childTnLst>
+                              <p:par>
+                                <p:cTn id="25" presetID="10" presetClass="entr" presetSubtype="0" fill="hold" grpId="0" nodeType="clickEffect">
+                                  <p:stCondLst>
+                                    <p:cond delay="0"/>
+                                  </p:stCondLst>
+                                  <p:childTnLst>
+                                    <p:set>
+                                      <p:cBhvr>
+                                        <p:cTn id="26" dur="1" fill="hold">
+                                          <p:stCondLst>
+                                            <p:cond delay="0"/>
+                                          </p:stCondLst>
+                                        </p:cTn>
+                                        <p:tgtEl>
+                                          <p:spTgt spid="390147">
+                                            <p:txEl>
+                                              <p:pRg st="4" end="4"/>
+                                            </p:txEl>
+                                          </p:spTgt>
+                                        </p:tgtEl>
+                                        <p:attrNameLst>
+                                          <p:attrName>style.visibility</p:attrName>
+                                        </p:attrNameLst>
+                                      </p:cBhvr>
+                                      <p:to>
+                                        <p:strVal val="visible"/>
+                                      </p:to>
+                                    </p:set>
+                                    <p:animEffect transition="in" filter="fade">
+                                      <p:cBhvr>
+                                        <p:cTn id="27" dur="500"/>
+                                        <p:tgtEl>
+                                          <p:spTgt spid="390147">
+                                            <p:txEl>
+                                              <p:pRg st="4" end="4"/>
+                                            </p:txEl>
+                                          </p:spTgt>
+                                        </p:tgtEl>
+                                      </p:cBhvr>
+                                    </p:animEffect>
+                                  </p:childTnLst>
+                                </p:cTn>
+                              </p:par>
+                            </p:childTnLst>
+                          </p:cTn>
+                        </p:par>
+                        <p:par>
+                          <p:cTn id="28" fill="hold">
+                            <p:stCondLst>
+                              <p:cond delay="500"/>
+                            </p:stCondLst>
+                            <p:childTnLst>
+                              <p:par>
+                                <p:cTn id="29" presetID="22" presetClass="entr" presetSubtype="8" fill="hold" nodeType="afterEffect">
+                                  <p:stCondLst>
+                                    <p:cond delay="0"/>
+                                  </p:stCondLst>
+                                  <p:childTnLst>
+                                    <p:set>
+                                      <p:cBhvr>
+                                        <p:cTn id="30" dur="1" fill="hold">
+                                          <p:stCondLst>
+                                            <p:cond delay="0"/>
+                                          </p:stCondLst>
+                                        </p:cTn>
+                                        <p:tgtEl>
+                                          <p:spTgt spid="2"/>
+                                        </p:tgtEl>
+                                        <p:attrNameLst>
+                                          <p:attrName>style.visibility</p:attrName>
+                                        </p:attrNameLst>
+                                      </p:cBhvr>
+                                      <p:to>
+                                        <p:strVal val="visible"/>
+                                      </p:to>
+                                    </p:set>
+                                    <p:animEffect transition="in" filter="wipe(left)">
+                                      <p:cBhvr>
+                                        <p:cTn id="31" dur="1000"/>
+                                        <p:tgtEl>
+                                          <p:spTgt spid="2"/>
+                                        </p:tgtEl>
+                                      </p:cBhvr>
+                                    </p:animEffect>
+                                  </p:childTnLst>
+                                </p:cTn>
+                              </p:par>
+                            </p:childTnLst>
+                          </p:cTn>
+                        </p:par>
+                      </p:childTnLst>
+                    </p:cTn>
+                  </p:par>
+                  <p:par>
+                    <p:cTn id="32" fill="hold">
+                      <p:stCondLst>
+                        <p:cond delay="indefinite"/>
+                      </p:stCondLst>
+                      <p:childTnLst>
+                        <p:par>
+                          <p:cTn id="33" fill="hold">
+                            <p:stCondLst>
+                              <p:cond delay="0"/>
+                            </p:stCondLst>
+                            <p:childTnLst>
+                              <p:par>
+                                <p:cTn id="34" presetID="10" presetClass="entr" presetSubtype="0" fill="hold" grpId="0" nodeType="clickEffect">
+                                  <p:stCondLst>
+                                    <p:cond delay="0"/>
+                                  </p:stCondLst>
+                                  <p:childTnLst>
+                                    <p:set>
+                                      <p:cBhvr>
+                                        <p:cTn id="35" dur="1" fill="hold">
+                                          <p:stCondLst>
+                                            <p:cond delay="0"/>
+                                          </p:stCondLst>
+                                        </p:cTn>
+                                        <p:tgtEl>
+                                          <p:spTgt spid="390147">
+                                            <p:txEl>
+                                              <p:pRg st="5" end="5"/>
+                                            </p:txEl>
+                                          </p:spTgt>
+                                        </p:tgtEl>
+                                        <p:attrNameLst>
+                                          <p:attrName>style.visibility</p:attrName>
+                                        </p:attrNameLst>
+                                      </p:cBhvr>
+                                      <p:to>
+                                        <p:strVal val="visible"/>
+                                      </p:to>
+                                    </p:set>
+                                    <p:animEffect transition="in" filter="fade">
+                                      <p:cBhvr>
+                                        <p:cTn id="36" dur="500"/>
+                                        <p:tgtEl>
+                                          <p:spTgt spid="390147">
+                                            <p:txEl>
+                                              <p:pRg st="5" end="5"/>
+                                            </p:txEl>
+                                          </p:spTgt>
+                                        </p:tgtEl>
+                                      </p:cBhvr>
+                                    </p:animEffect>
+                                  </p:childTnLst>
+                                </p:cTn>
+                              </p:par>
+                            </p:childTnLst>
+                          </p:cTn>
+                        </p:par>
+                      </p:childTnLst>
+                    </p:cTn>
+                  </p:par>
+                </p:childTnLst>
+              </p:cTn>
+              <p:prevCondLst>
+                <p:cond evt="onPrev" delay="0">
+                  <p:tgtEl>
+                    <p:sldTgt/>
+                  </p:tgtEl>
+                </p:cond>
+              </p:prevCondLst>
+              <p:nextCondLst>
+                <p:cond evt="onNext" delay="0">
+                  <p:tgtEl>
+                    <p:sldTgt/>
+                  </p:tgtEl>
+                </p:cond>
+              </p:nextCondLst>
+            </p:seq>
+          </p:childTnLst>
+        </p:cTn>
+      </p:par>
+    </p:tnLst>
+    <p:bldLst>
+      <p:bldP spid="390147" grpId="0" build="p"/>
+    </p:bldLst>
+  </p:timing>
+</p:sld>
+</file>
+
+<file path=ppt/slides/slide9.xml><?xml version="1.0" encoding="utf-8"?>
+<p:sld xmlns:a="http://schemas.openxmlformats.org/drawingml/2006/main" xmlns:r="http://schemas.openxmlformats.org/officeDocument/2006/relationships" xmlns:p="http://schemas.openxmlformats.org/presentationml/2006/main">
+  <p:cSld>
+    <p:spTree>
+      <p:nvGrpSpPr>
+        <p:cNvPr id="1" name=""/>
+        <p:cNvGrpSpPr/>
+        <p:nvPr/>
+      </p:nvGrpSpPr>
+      <p:grpSpPr>
+        <a:xfrm>
+          <a:off x="0" y="0"/>
+          <a:ext cx="0" cy="0"/>
+          <a:chOff x="0" y="0"/>
+          <a:chExt cx="0" cy="0"/>
+        </a:xfrm>
+      </p:grpSpPr>
+      <p:graphicFrame>
+        <p:nvGraphicFramePr>
+          <p:cNvPr id="3" name="Object 2"/>
+          <p:cNvGraphicFramePr>
+            <a:graphicFrameLocks noChangeAspect="1"/>
+          </p:cNvGraphicFramePr>
+          <p:nvPr>
+            <p:extLst>
+              <p:ext uri="{D42A27DB-BD31-4B8C-83A1-F6EECF244321}">
+                <p14:modId xmlns:p14="http://schemas.microsoft.com/office/powerpoint/2010/main" val="1833768222"/>
+              </p:ext>
+            </p:extLst>
+          </p:nvPr>
+        </p:nvGraphicFramePr>
+        <p:xfrm>
+          <a:off x="3657600" y="4724400"/>
+          <a:ext cx="4487862" cy="1638300"/>
+        </p:xfrm>
+        <a:graphic>
+          <a:graphicData uri="http://schemas.openxmlformats.org/presentationml/2006/ole">
+            <mc:AlternateContent xmlns:mc="http://schemas.openxmlformats.org/markup-compatibility/2006">
+              <mc:Choice xmlns:v="urn:schemas-microsoft-com:vml" Requires="v">
+                <p:oleObj spid="_x0000_s1046" name="Equation" r:id="rId4" imgW="800100" imgH="292100" progId="Equation.DSMT4">
+                  <p:embed/>
+                </p:oleObj>
+              </mc:Choice>
+              <mc:Fallback>
+                <p:oleObj name="Equation" r:id="rId4" imgW="800100" imgH="292100" progId="Equation.DSMT4">
+                  <p:embed/>
+                  <p:pic>
+                    <p:nvPicPr>
+                      <p:cNvPr id="0" name=""/>
+                      <p:cNvPicPr/>
+                      <p:nvPr/>
+                    </p:nvPicPr>
+                    <p:blipFill>
+                      <a:blip r:embed="rId5"/>
+                      <a:stretch>
+                        <a:fillRect/>
+                      </a:stretch>
+                    </p:blipFill>
+                    <p:spPr>
+                      <a:xfrm>
+                        <a:off x="3657600" y="4724400"/>
+                        <a:ext cx="4487862" cy="1638300"/>
+                      </a:xfrm>
+                      <a:prstGeom prst="rect">
+                        <a:avLst/>
+                      </a:prstGeom>
+                    </p:spPr>
+                  </p:pic>
+                </p:oleObj>
+              </mc:Fallback>
+            </mc:AlternateContent>
+          </a:graphicData>
+        </a:graphic>
+      </p:graphicFrame>
+      <p:sp>
+        <p:nvSpPr>
+          <p:cNvPr id="5" name="Slide Number Placeholder 3"/>
+          <p:cNvSpPr>
+            <a:spLocks noGrp="1"/>
+          </p:cNvSpPr>
+          <p:nvPr>
+            <p:ph type="sldNum" sz="quarter" idx="4"/>
+          </p:nvPr>
+        </p:nvSpPr>
+        <p:spPr>
+          <a:xfrm>
+            <a:off x="6477000" y="6553200"/>
+            <a:ext cx="2667000" cy="307777"/>
+          </a:xfrm>
+        </p:spPr>
+        <p:txBody>
+          <a:bodyPr/>
+          <a:lstStyle/>
+          <a:p>
+            <a:pPr>
+              <a:defRPr/>
+            </a:pPr>
+            <a:r>
+              <a:rPr lang="en-US" dirty="0" smtClean="0"/>
+              <a:t>RSA.</a:t>
+            </a:r>
+            <a:fld id="{2E667B6B-E035-4178-9988-2F3A62346836}" type="slidenum">
+              <a:rPr lang="en-US" smtClean="0"/>
+              <a:pPr>
+                <a:defRPr/>
+              </a:pPr>
+              <a:t>9</a:t>
+            </a:fld>
+            <a:endParaRPr lang="en-US" dirty="0"/>
+          </a:p>
+        </p:txBody>
+      </p:sp>
+      <p:sp>
+        <p:nvSpPr>
+          <p:cNvPr id="17411" name="Rectangle 2"/>
+          <p:cNvSpPr>
+            <a:spLocks noGrp="1" noChangeArrowheads="1"/>
+          </p:cNvSpPr>
+          <p:nvPr>
+            <p:ph type="title"/>
+          </p:nvPr>
+        </p:nvSpPr>
+        <p:spPr/>
+        <p:txBody>
+          <a:bodyPr/>
+          <a:lstStyle/>
+          <a:p>
+            <a:pPr eaLnBrk="1" hangingPunct="1"/>
+            <a:r>
+              <a:rPr lang="en-US" sz="4800" smtClean="0"/>
+              <a:t>RSA</a:t>
+            </a:r>
+          </a:p>
+        </p:txBody>
+      </p:sp>
+      <p:sp>
+        <p:nvSpPr>
+          <p:cNvPr id="391171" name="Rectangle 3"/>
+          <p:cNvSpPr>
+            <a:spLocks noGrp="1" noChangeArrowheads="1"/>
+          </p:cNvSpPr>
+          <p:nvPr>
+            <p:ph type="body" idx="1"/>
+          </p:nvPr>
+        </p:nvSpPr>
+        <p:spPr>
+          <a:xfrm>
+            <a:off x="152400" y="1066800"/>
+            <a:ext cx="8839200" cy="4965700"/>
+          </a:xfrm>
+        </p:spPr>
+        <p:txBody>
+          <a:bodyPr/>
+          <a:lstStyle/>
+          <a:p>
+            <a:pPr eaLnBrk="1" hangingPunct="1"/>
+            <a:r>
+              <a:rPr lang="en-US" sz="5400" dirty="0" smtClean="0"/>
+              <a:t>Encoding message </a:t>
+            </a:r>
+            <a:r>
+              <a:rPr lang="en-US" sz="5400" dirty="0" smtClean="0">
+                <a:solidFill>
+                  <a:schemeClr val="accent5">
+                    <a:lumMod val="50000"/>
+                  </a:schemeClr>
+                </a:solidFill>
+              </a:rPr>
+              <a:t>m</a:t>
+            </a:r>
+            <a:r>
+              <a:rPr lang="en-US" sz="5400" dirty="0" smtClean="0">
+                <a:solidFill>
+                  <a:schemeClr val="accent5">
+                    <a:lumMod val="50000"/>
+                  </a:schemeClr>
+                </a:solidFill>
+                <a:latin typeface="Symbol" charset="2"/>
+                <a:cs typeface="Symbol" charset="2"/>
+              </a:rPr>
+              <a:t>∈</a:t>
+            </a:r>
+            <a:r>
+              <a:rPr lang="en-US" sz="5400" dirty="0" smtClean="0">
+                <a:solidFill>
+                  <a:schemeClr val="accent5">
+                    <a:lumMod val="50000"/>
+                  </a:schemeClr>
+                </a:solidFill>
+                <a:latin typeface="Comic Sans MS"/>
+                <a:cs typeface="Comic Sans MS"/>
+              </a:rPr>
+              <a:t>[1,n)</a:t>
+            </a:r>
+            <a:endParaRPr lang="en-US" sz="5400" dirty="0" smtClean="0">
+              <a:latin typeface="Comic Sans MS"/>
+              <a:cs typeface="Comic Sans MS"/>
+            </a:endParaRPr>
+          </a:p>
+          <a:p>
+            <a:pPr eaLnBrk="1" hangingPunct="1">
+              <a:buFontTx/>
+              <a:buNone/>
+            </a:pPr>
+            <a:r>
+              <a:rPr lang="en-US" sz="4400" dirty="0" smtClean="0"/>
+              <a:t>       </a:t>
+            </a:r>
+            <a:r>
+              <a:rPr lang="en-US" sz="5400" dirty="0" smtClean="0"/>
+              <a:t>send </a:t>
+            </a:r>
+            <a:endParaRPr lang="en-US" sz="5400" dirty="0" smtClean="0">
+              <a:solidFill>
+                <a:schemeClr val="accent5">
+                  <a:lumMod val="50000"/>
+                </a:schemeClr>
+              </a:solidFill>
+            </a:endParaRPr>
+          </a:p>
+          <a:p>
+            <a:pPr eaLnBrk="1" hangingPunct="1"/>
+            <a:r>
+              <a:rPr lang="en-US" sz="5400" dirty="0" smtClean="0"/>
+              <a:t>Decoding </a:t>
+            </a:r>
+            <a:r>
+              <a:rPr lang="en-US" sz="5400" dirty="0" smtClean="0">
+                <a:solidFill>
+                  <a:schemeClr val="accent5">
+                    <a:lumMod val="50000"/>
+                  </a:schemeClr>
+                </a:solidFill>
+              </a:rPr>
+              <a:t>m^</a:t>
+            </a:r>
+            <a:r>
+              <a:rPr lang="en-US" sz="5400" dirty="0" smtClean="0"/>
+              <a:t>: </a:t>
+            </a:r>
+          </a:p>
+          <a:p>
+            <a:pPr eaLnBrk="1" hangingPunct="1">
+              <a:buFontTx/>
+              <a:buNone/>
+            </a:pPr>
+            <a:r>
+              <a:rPr lang="en-US" sz="5400" dirty="0" smtClean="0"/>
+              <a:t>  receiver computes</a:t>
+            </a:r>
+          </a:p>
+          <a:p>
+            <a:pPr eaLnBrk="1" hangingPunct="1">
+              <a:buFontTx/>
+              <a:buNone/>
+            </a:pPr>
+            <a:r>
+              <a:rPr lang="en-US" sz="5400" dirty="0" smtClean="0">
+                <a:solidFill>
+                  <a:srgbClr val="3333CC"/>
+                </a:solidFill>
+              </a:rPr>
+              <a:t>        </a:t>
+            </a:r>
+            <a:endParaRPr lang="en-US" sz="5400" dirty="0" smtClean="0">
+              <a:solidFill>
+                <a:schemeClr val="accent5">
+                  <a:lumMod val="50000"/>
+                </a:schemeClr>
+              </a:solidFill>
+            </a:endParaRPr>
+          </a:p>
+        </p:txBody>
+      </p:sp>
+      <p:sp>
+        <p:nvSpPr>
+          <p:cNvPr id="391172" name="Text Box 4"/>
+          <p:cNvSpPr txBox="1">
+            <a:spLocks noChangeArrowheads="1"/>
+          </p:cNvSpPr>
+          <p:nvPr/>
+        </p:nvSpPr>
+        <p:spPr bwMode="auto">
+          <a:xfrm>
+            <a:off x="1662476" y="4772561"/>
+            <a:ext cx="2225498" cy="1323439"/>
+          </a:xfrm>
+          <a:prstGeom prst="rect">
+            <a:avLst/>
+          </a:prstGeom>
+          <a:noFill/>
+          <a:ln w="9525">
+            <a:noFill/>
+            <a:miter lim="800000"/>
+            <a:headEnd/>
+            <a:tailEnd type="none" w="lg" len="lg"/>
+          </a:ln>
+        </p:spPr>
+        <p:txBody>
+          <a:bodyPr wrap="none">
+            <a:spAutoFit/>
+          </a:bodyPr>
+          <a:lstStyle/>
+          <a:p>
+            <a:r>
+              <a:rPr lang="en-US" sz="8000" dirty="0" smtClean="0">
+                <a:solidFill>
+                  <a:schemeClr val="accent5">
+                    <a:lumMod val="50000"/>
+                  </a:schemeClr>
+                </a:solidFill>
+                <a:latin typeface="Comic Sans MS" pitchFamily="66" charset="0"/>
+              </a:rPr>
+              <a:t>m </a:t>
+            </a:r>
+            <a:r>
+              <a:rPr lang="en-US" sz="7200" b="1" dirty="0" smtClean="0">
+                <a:solidFill>
+                  <a:srgbClr val="FF00FF"/>
+                </a:solidFill>
+                <a:latin typeface="Euclid Symbol" charset="2"/>
+                <a:cs typeface="Euclid Symbol" charset="2"/>
+              </a:rPr>
+              <a:t>=</a:t>
+            </a:r>
+            <a:endParaRPr lang="en-US" sz="7200" b="1" i="1" dirty="0">
+              <a:solidFill>
+                <a:srgbClr val="3333CC"/>
+              </a:solidFill>
+              <a:latin typeface="Euclid Symbol" charset="2"/>
+              <a:cs typeface="Euclid Symbol" charset="2"/>
+            </a:endParaRPr>
+          </a:p>
+        </p:txBody>
+      </p:sp>
+      <p:graphicFrame>
+        <p:nvGraphicFramePr>
+          <p:cNvPr id="2" name="Object 1"/>
+          <p:cNvGraphicFramePr>
+            <a:graphicFrameLocks noChangeAspect="1"/>
+          </p:cNvGraphicFramePr>
+          <p:nvPr>
+            <p:extLst>
+              <p:ext uri="{D42A27DB-BD31-4B8C-83A1-F6EECF244321}">
+                <p14:modId xmlns:p14="http://schemas.microsoft.com/office/powerpoint/2010/main" val="479663901"/>
+              </p:ext>
+            </p:extLst>
+          </p:nvPr>
+        </p:nvGraphicFramePr>
+        <p:xfrm>
+          <a:off x="3219450" y="1885950"/>
+          <a:ext cx="5086350" cy="1314450"/>
+        </p:xfrm>
+        <a:graphic>
+          <a:graphicData uri="http://schemas.openxmlformats.org/presentationml/2006/ole">
+            <mc:AlternateContent xmlns:mc="http://schemas.openxmlformats.org/markup-compatibility/2006">
+              <mc:Choice xmlns:v="urn:schemas-microsoft-com:vml" Requires="v">
+                <p:oleObj spid="_x0000_s1047" name="Equation" r:id="rId6" imgW="1130300" imgH="292100" progId="Equation.DSMT4">
+                  <p:embed/>
+                </p:oleObj>
+              </mc:Choice>
+              <mc:Fallback>
+                <p:oleObj name="Equation" r:id="rId6" imgW="1130300" imgH="292100" progId="Equation.DSMT4">
+                  <p:embed/>
+                  <p:pic>
+                    <p:nvPicPr>
+                      <p:cNvPr id="0" name=""/>
+                      <p:cNvPicPr/>
+                      <p:nvPr/>
+                    </p:nvPicPr>
+                    <p:blipFill>
+                      <a:blip r:embed="rId7"/>
+                      <a:stretch>
+                        <a:fillRect/>
+                      </a:stretch>
+                    </p:blipFill>
+                    <p:spPr>
+                      <a:xfrm>
+                        <a:off x="3219450" y="1885950"/>
+                        <a:ext cx="5086350" cy="1314450"/>
+                      </a:xfrm>
+                      <a:prstGeom prst="rect">
+                        <a:avLst/>
+                      </a:prstGeom>
+                    </p:spPr>
+                  </p:pic>
+                </p:oleObj>
+              </mc:Fallback>
+            </mc:AlternateContent>
+          </a:graphicData>
+        </a:graphic>
+      </p:graphicFrame>
+    </p:spTree>
+  </p:cSld>
+  <p:clrMapOvr>
+    <a:masterClrMapping/>
+  </p:clrMapOvr>
+  <mc:AlternateContent xmlns:mc="http://schemas.openxmlformats.org/markup-compatibility/2006">
+    <mc:Choice xmlns:p14="http://schemas.microsoft.com/office/powerpoint/2010/main" Requires="p14">
+      <p:transition spd="slow" p14:dur="900" advClick="0">
+        <p:fade/>
+      </p:transition>
+    </mc:Choice>
+    <mc:Fallback>
+      <p:transition xmlns:p14="http://schemas.microsoft.com/office/powerpoint/2010/main" spd="slow" advClick="0">
+        <p:fade/>
+      </p:transition>
+    </mc:Fallback>
+  </mc:AlternateContent>
+  <p:timing>
+    <p:tnLst>
+      <p:par>
+        <p:cTn xmlns:p14="http://schemas.microsoft.com/office/powerpoint/2010/main" id="1" dur="indefinite" restart="never" nodeType="tmRoot">
+          <p:childTnLst>
+            <p:seq concurrent="1" nextAc="seek">
+              <p:cTn id="2" dur="indefinite" nodeType="mainSeq">
+                <p:childTnLst>
+                  <p:par>
+                    <p:cTn id="3" fill="hold">
+                      <p:stCondLst>
+                        <p:cond delay="indefinite"/>
+                      </p:stCondLst>
+                      <p:childTnLst>
+                        <p:par>
+                          <p:cTn id="4" fill="hold">
+                            <p:stCondLst>
+                              <p:cond delay="0"/>
+                            </p:stCondLst>
+                            <p:childTnLst>
+                              <p:par>
+                                <p:cTn id="5" presetID="9" presetClass="entr" presetSubtype="0" fill="hold" nodeType="clickEffect">
+                                  <p:stCondLst>
+                                    <p:cond delay="0"/>
+                                  </p:stCondLst>
+                                  <p:childTnLst>
+                                    <p:set>
+                                      <p:cBhvr>
+                                        <p:cTn id="6" dur="1" fill="hold">
+                                          <p:stCondLst>
+                                            <p:cond delay="0"/>
+                                          </p:stCondLst>
+                                        </p:cTn>
+                                        <p:tgtEl>
+                                          <p:spTgt spid="391171">
+                                            <p:txEl>
+                                              <p:pRg st="1" end="1"/>
+                                            </p:txEl>
+                                          </p:spTgt>
+                                        </p:tgtEl>
+                                        <p:attrNameLst>
+                                          <p:attrName>style.visibility</p:attrName>
+                                        </p:attrNameLst>
+                                      </p:cBhvr>
+                                      <p:to>
+                                        <p:strVal val="visible"/>
+                                      </p:to>
+                                    </p:set>
+                                    <p:animEffect transition="in" filter="dissolve">
+                                      <p:cBhvr>
+                                        <p:cTn id="7" dur="500"/>
+                                        <p:tgtEl>
+                                          <p:spTgt spid="391171">
+                                            <p:txEl>
+                                              <p:pRg st="1" end="1"/>
+                                            </p:txEl>
+                                          </p:spTgt>
+                                        </p:tgtEl>
+                                      </p:cBhvr>
+                                    </p:animEffect>
+                                  </p:childTnLst>
+                                </p:cTn>
+                              </p:par>
+                            </p:childTnLst>
+                          </p:cTn>
+                        </p:par>
+                        <p:par>
+                          <p:cTn id="8" fill="hold">
+                            <p:stCondLst>
+                              <p:cond delay="500"/>
+                            </p:stCondLst>
+                            <p:childTnLst>
+                              <p:par>
+                                <p:cTn id="9" presetID="22" presetClass="entr" presetSubtype="8" fill="hold" nodeType="afterEffect">
+                                  <p:stCondLst>
+                                    <p:cond delay="0"/>
+                                  </p:stCondLst>
+                                  <p:childTnLst>
+                                    <p:set>
+                                      <p:cBhvr>
+                                        <p:cTn id="10" dur="1" fill="hold">
+                                          <p:stCondLst>
+                                            <p:cond delay="0"/>
+                                          </p:stCondLst>
+                                        </p:cTn>
+                                        <p:tgtEl>
+                                          <p:spTgt spid="2"/>
+                                        </p:tgtEl>
+                                        <p:attrNameLst>
+                                          <p:attrName>style.visibility</p:attrName>
+                                        </p:attrNameLst>
+                                      </p:cBhvr>
+                                      <p:to>
+                                        <p:strVal val="visible"/>
+                                      </p:to>
+                                    </p:set>
+                                    <p:animEffect transition="in" filter="wipe(left)">
+                                      <p:cBhvr>
+                                        <p:cTn id="11" dur="1000"/>
+                                        <p:tgtEl>
+                                          <p:spTgt spid="2"/>
+                                        </p:tgtEl>
+                                      </p:cBhvr>
+                                    </p:animEffect>
+                                  </p:childTnLst>
+                                </p:cTn>
+                              </p:par>
+                            </p:childTnLst>
+                          </p:cTn>
+                        </p:par>
+                      </p:childTnLst>
+                    </p:cTn>
+                  </p:par>
+                  <p:par>
+                    <p:cTn id="12" fill="hold">
+                      <p:stCondLst>
+                        <p:cond delay="indefinite"/>
+                      </p:stCondLst>
+                      <p:childTnLst>
+                        <p:par>
+                          <p:cTn id="13" fill="hold">
+                            <p:stCondLst>
+                              <p:cond delay="0"/>
+                            </p:stCondLst>
+                            <p:childTnLst>
+                              <p:par>
+                                <p:cTn id="14" presetID="9" presetClass="entr" presetSubtype="0" fill="hold" nodeType="clickEffect">
+                                  <p:stCondLst>
+                                    <p:cond delay="0"/>
+                                  </p:stCondLst>
+                                  <p:childTnLst>
+                                    <p:set>
+                                      <p:cBhvr>
+                                        <p:cTn id="15" dur="1" fill="hold">
+                                          <p:stCondLst>
+                                            <p:cond delay="0"/>
+                                          </p:stCondLst>
+                                        </p:cTn>
+                                        <p:tgtEl>
+                                          <p:spTgt spid="391171">
+                                            <p:txEl>
+                                              <p:pRg st="2" end="2"/>
+                                            </p:txEl>
+                                          </p:spTgt>
+                                        </p:tgtEl>
+                                        <p:attrNameLst>
+                                          <p:attrName>style.visibility</p:attrName>
+                                        </p:attrNameLst>
+                                      </p:cBhvr>
+                                      <p:to>
+                                        <p:strVal val="visible"/>
+                                      </p:to>
+                                    </p:set>
+                                    <p:animEffect transition="in" filter="dissolve">
+                                      <p:cBhvr>
+                                        <p:cTn id="16" dur="500"/>
+                                        <p:tgtEl>
+                                          <p:spTgt spid="391171">
+                                            <p:txEl>
+                                              <p:pRg st="2" end="2"/>
+                                            </p:txEl>
+                                          </p:spTgt>
+                                        </p:tgtEl>
+                                      </p:cBhvr>
+                                    </p:animEffect>
+                                  </p:childTnLst>
+                                </p:cTn>
+                              </p:par>
+                            </p:childTnLst>
+                          </p:cTn>
+                        </p:par>
+                      </p:childTnLst>
+                    </p:cTn>
+                  </p:par>
+                  <p:par>
+                    <p:cTn id="17" fill="hold">
+                      <p:stCondLst>
+                        <p:cond delay="indefinite"/>
+                      </p:stCondLst>
+                      <p:childTnLst>
+                        <p:par>
+                          <p:cTn id="18" fill="hold">
+                            <p:stCondLst>
+                              <p:cond delay="0"/>
+                            </p:stCondLst>
+                            <p:childTnLst>
+                              <p:par>
+                                <p:cTn id="19" presetID="9" presetClass="entr" presetSubtype="0" fill="hold" nodeType="clickEffect">
+                                  <p:stCondLst>
+                                    <p:cond delay="0"/>
+                                  </p:stCondLst>
+                                  <p:childTnLst>
+                                    <p:set>
+                                      <p:cBhvr>
+                                        <p:cTn id="20" dur="1" fill="hold">
+                                          <p:stCondLst>
+                                            <p:cond delay="0"/>
+                                          </p:stCondLst>
+                                        </p:cTn>
+                                        <p:tgtEl>
+                                          <p:spTgt spid="391171">
+                                            <p:txEl>
+                                              <p:pRg st="3" end="3"/>
+                                            </p:txEl>
+                                          </p:spTgt>
+                                        </p:tgtEl>
+                                        <p:attrNameLst>
+                                          <p:attrName>style.visibility</p:attrName>
+                                        </p:attrNameLst>
+                                      </p:cBhvr>
+                                      <p:to>
+                                        <p:strVal val="visible"/>
+                                      </p:to>
+                                    </p:set>
+                                    <p:animEffect transition="in" filter="dissolve">
+                                      <p:cBhvr>
+                                        <p:cTn id="21" dur="500"/>
+                                        <p:tgtEl>
+                                          <p:spTgt spid="391171">
+                                            <p:txEl>
+                                              <p:pRg st="3" end="3"/>
+                                            </p:txEl>
+                                          </p:spTgt>
+                                        </p:tgtEl>
+                                      </p:cBhvr>
+                                    </p:animEffect>
+                                  </p:childTnLst>
+                                </p:cTn>
+                              </p:par>
+                            </p:childTnLst>
+                          </p:cTn>
+                        </p:par>
+                        <p:par>
+                          <p:cTn id="22" fill="hold">
+                            <p:stCondLst>
+                              <p:cond delay="500"/>
+                            </p:stCondLst>
+                            <p:childTnLst>
+                              <p:par>
+                                <p:cTn id="23" presetID="10" presetClass="entr" presetSubtype="0" fill="hold" nodeType="afterEffect">
+                                  <p:stCondLst>
+                                    <p:cond delay="0"/>
+                                  </p:stCondLst>
+                                  <p:childTnLst>
+                                    <p:set>
+                                      <p:cBhvr>
+                                        <p:cTn id="24" dur="1" fill="hold">
+                                          <p:stCondLst>
+                                            <p:cond delay="0"/>
+                                          </p:stCondLst>
+                                        </p:cTn>
+                                        <p:tgtEl>
+                                          <p:spTgt spid="3"/>
+                                        </p:tgtEl>
+                                        <p:attrNameLst>
+                                          <p:attrName>style.visibility</p:attrName>
+                                        </p:attrNameLst>
+                                      </p:cBhvr>
+                                      <p:to>
+                                        <p:strVal val="visible"/>
+                                      </p:to>
+                                    </p:set>
+                                    <p:animEffect transition="in" filter="fade">
+                                      <p:cBhvr>
+                                        <p:cTn id="25" dur="500"/>
+                                        <p:tgtEl>
+                                          <p:spTgt spid="3"/>
+                                        </p:tgtEl>
+                                      </p:cBhvr>
+                                    </p:animEffect>
+                                  </p:childTnLst>
+                                </p:cTn>
+                              </p:par>
+                            </p:childTnLst>
+                          </p:cTn>
+                        </p:par>
+                      </p:childTnLst>
+                    </p:cTn>
+                  </p:par>
+                  <p:par>
+                    <p:cTn id="26" fill="hold">
+                      <p:stCondLst>
+                        <p:cond delay="indefinite"/>
+                      </p:stCondLst>
+                      <p:childTnLst>
+                        <p:par>
+                          <p:cTn id="27" fill="hold">
+                            <p:stCondLst>
+                              <p:cond delay="0"/>
+                            </p:stCondLst>
+                            <p:childTnLst>
+                              <p:par>
+                                <p:cTn id="28" presetID="9" presetClass="entr" presetSubtype="0" fill="hold" grpId="0" nodeType="clickEffect">
+                                  <p:stCondLst>
+                                    <p:cond delay="0"/>
+                                  </p:stCondLst>
+                                  <p:childTnLst>
+                                    <p:set>
+                                      <p:cBhvr>
+                                        <p:cTn id="29" dur="1" fill="hold">
+                                          <p:stCondLst>
+                                            <p:cond delay="0"/>
+                                          </p:stCondLst>
+                                        </p:cTn>
+                                        <p:tgtEl>
+                                          <p:spTgt spid="391172"/>
+                                        </p:tgtEl>
+                                        <p:attrNameLst>
+                                          <p:attrName>style.visibility</p:attrName>
+                                        </p:attrNameLst>
+                                      </p:cBhvr>
+                                      <p:to>
+                                        <p:strVal val="visible"/>
+                                      </p:to>
+                                    </p:set>
+                                    <p:animEffect transition="in" filter="dissolve">
+                                      <p:cBhvr>
+                                        <p:cTn id="30" dur="500"/>
+                                        <p:tgtEl>
+                                          <p:spTgt spid="391172"/>
+                                        </p:tgtEl>
+                                      </p:cBhvr>
+                                    </p:animEffect>
+                                  </p:childTnLst>
+                                </p:cTn>
+                              </p:par>
+                            </p:childTnLst>
+                          </p:cTn>
+                        </p:par>
+                      </p:childTnLst>
+                    </p:cTn>
+                  </p:par>
+                </p:childTnLst>
+              </p:cTn>
+              <p:prevCondLst>
+                <p:cond evt="onPrev" delay="0">
+                  <p:tgtEl>
+                    <p:sldTgt/>
+                  </p:tgtEl>
+                </p:cond>
+              </p:prevCondLst>
+              <p:nextCondLst>
+                <p:cond evt="onNext" delay="0">
+                  <p:tgtEl>
+                    <p:sldTgt/>
+                  </p:tgtEl>
+                </p:cond>
+              </p:nextCondLst>
+            </p:seq>
+          </p:childTnLst>
+        </p:cTn>
+      </p:par>
+    </p:tnLst>
+    <p:bldLst>
+      <p:bldP spid="391172" grpId="0"/>
+    </p:bldLst>
   </p:timing>
 </p:sld>
 </file>
